--- a/Deliverables/Release Plans/Project Release Plan PPT Template.pptx
+++ b/Deliverables/Release Plans/Project Release Plan PPT Template.pptx
@@ -312,7 +312,7 @@
               <a:spcBef>
                 <a:spcPts val="0"/>
               </a:spcBef>
-              <a:buSzPct val="100000"/>
+              <a:buSzPts val="1100"/>
               <a:buChar char="●"/>
               <a:defRPr sz="1100"/>
             </a:lvl1pPr>
@@ -320,7 +320,7 @@
               <a:spcBef>
                 <a:spcPts val="0"/>
               </a:spcBef>
-              <a:buSzPct val="100000"/>
+              <a:buSzPts val="1100"/>
               <a:buChar char="○"/>
               <a:defRPr sz="1100"/>
             </a:lvl2pPr>
@@ -328,7 +328,7 @@
               <a:spcBef>
                 <a:spcPts val="0"/>
               </a:spcBef>
-              <a:buSzPct val="100000"/>
+              <a:buSzPts val="1100"/>
               <a:buChar char="■"/>
               <a:defRPr sz="1100"/>
             </a:lvl3pPr>
@@ -336,7 +336,7 @@
               <a:spcBef>
                 <a:spcPts val="0"/>
               </a:spcBef>
-              <a:buSzPct val="100000"/>
+              <a:buSzPts val="1100"/>
               <a:buChar char="●"/>
               <a:defRPr sz="1100"/>
             </a:lvl4pPr>
@@ -344,7 +344,7 @@
               <a:spcBef>
                 <a:spcPts val="0"/>
               </a:spcBef>
-              <a:buSzPct val="100000"/>
+              <a:buSzPts val="1100"/>
               <a:buChar char="○"/>
               <a:defRPr sz="1100"/>
             </a:lvl5pPr>
@@ -352,7 +352,7 @@
               <a:spcBef>
                 <a:spcPts val="0"/>
               </a:spcBef>
-              <a:buSzPct val="100000"/>
+              <a:buSzPts val="1100"/>
               <a:buChar char="■"/>
               <a:defRPr sz="1100"/>
             </a:lvl6pPr>
@@ -360,7 +360,7 @@
               <a:spcBef>
                 <a:spcPts val="0"/>
               </a:spcBef>
-              <a:buSzPct val="100000"/>
+              <a:buSzPts val="1100"/>
               <a:buChar char="●"/>
               <a:defRPr sz="1100"/>
             </a:lvl7pPr>
@@ -368,7 +368,7 @@
               <a:spcBef>
                 <a:spcPts val="0"/>
               </a:spcBef>
-              <a:buSzPct val="100000"/>
+              <a:buSzPts val="1100"/>
               <a:buChar char="○"/>
               <a:defRPr sz="1100"/>
             </a:lvl8pPr>
@@ -376,7 +376,7 @@
               <a:spcBef>
                 <a:spcPts val="0"/>
               </a:spcBef>
-              <a:buSzPct val="100000"/>
+              <a:buSzPts val="1100"/>
               <a:buChar char="■"/>
               <a:defRPr sz="1100"/>
             </a:lvl9pPr>
@@ -434,7 +434,7 @@
           </a:bodyPr>
           <a:lstStyle/>
           <a:p>
-            <a:pPr lvl="0">
+            <a:pPr indent="0" lvl="0" marL="0">
               <a:spcBef>
                 <a:spcPts val="0"/>
               </a:spcBef>
@@ -533,7 +533,7 @@
           </a:bodyPr>
           <a:lstStyle/>
           <a:p>
-            <a:pPr lvl="0">
+            <a:pPr indent="0" lvl="0" marL="0">
               <a:spcBef>
                 <a:spcPts val="0"/>
               </a:spcBef>
@@ -632,7 +632,7 @@
           </a:bodyPr>
           <a:lstStyle/>
           <a:p>
-            <a:pPr lvl="0">
+            <a:pPr indent="0" lvl="0" marL="0">
               <a:spcBef>
                 <a:spcPts val="0"/>
               </a:spcBef>
@@ -731,7 +731,7 @@
           </a:bodyPr>
           <a:lstStyle/>
           <a:p>
-            <a:pPr lvl="0">
+            <a:pPr indent="0" lvl="0" marL="0">
               <a:spcBef>
                 <a:spcPts val="0"/>
               </a:spcBef>
@@ -830,7 +830,7 @@
           </a:bodyPr>
           <a:lstStyle/>
           <a:p>
-            <a:pPr lvl="0">
+            <a:pPr indent="0" lvl="0" marL="0">
               <a:spcBef>
                 <a:spcPts val="0"/>
               </a:spcBef>
@@ -929,7 +929,7 @@
           </a:bodyPr>
           <a:lstStyle/>
           <a:p>
-            <a:pPr lvl="0">
+            <a:pPr indent="0" lvl="0" marL="0">
               <a:spcBef>
                 <a:spcPts val="0"/>
               </a:spcBef>
@@ -1025,63 +1025,72 @@
               <a:spcBef>
                 <a:spcPts val="0"/>
               </a:spcBef>
-              <a:buSzPct val="100000"/>
+              <a:buSzPts val="5200"/>
+              <a:buNone/>
               <a:defRPr sz="5200"/>
             </a:lvl1pPr>
             <a:lvl2pPr lvl="1" algn="ctr">
               <a:spcBef>
                 <a:spcPts val="0"/>
               </a:spcBef>
-              <a:buSzPct val="100000"/>
+              <a:buSzPts val="5200"/>
+              <a:buNone/>
               <a:defRPr sz="5200"/>
             </a:lvl2pPr>
             <a:lvl3pPr lvl="2" algn="ctr">
               <a:spcBef>
                 <a:spcPts val="0"/>
               </a:spcBef>
-              <a:buSzPct val="100000"/>
+              <a:buSzPts val="5200"/>
+              <a:buNone/>
               <a:defRPr sz="5200"/>
             </a:lvl3pPr>
             <a:lvl4pPr lvl="3" algn="ctr">
               <a:spcBef>
                 <a:spcPts val="0"/>
               </a:spcBef>
-              <a:buSzPct val="100000"/>
+              <a:buSzPts val="5200"/>
+              <a:buNone/>
               <a:defRPr sz="5200"/>
             </a:lvl4pPr>
             <a:lvl5pPr lvl="4" algn="ctr">
               <a:spcBef>
                 <a:spcPts val="0"/>
               </a:spcBef>
-              <a:buSzPct val="100000"/>
+              <a:buSzPts val="5200"/>
+              <a:buNone/>
               <a:defRPr sz="5200"/>
             </a:lvl5pPr>
             <a:lvl6pPr lvl="5" algn="ctr">
               <a:spcBef>
                 <a:spcPts val="0"/>
               </a:spcBef>
-              <a:buSzPct val="100000"/>
+              <a:buSzPts val="5200"/>
+              <a:buNone/>
               <a:defRPr sz="5200"/>
             </a:lvl6pPr>
             <a:lvl7pPr lvl="6" algn="ctr">
               <a:spcBef>
                 <a:spcPts val="0"/>
               </a:spcBef>
-              <a:buSzPct val="100000"/>
+              <a:buSzPts val="5200"/>
+              <a:buNone/>
               <a:defRPr sz="5200"/>
             </a:lvl7pPr>
             <a:lvl8pPr lvl="7" algn="ctr">
               <a:spcBef>
                 <a:spcPts val="0"/>
               </a:spcBef>
-              <a:buSzPct val="100000"/>
+              <a:buSzPts val="5200"/>
+              <a:buNone/>
               <a:defRPr sz="5200"/>
             </a:lvl8pPr>
             <a:lvl9pPr lvl="8" algn="ctr">
               <a:spcBef>
                 <a:spcPts val="0"/>
               </a:spcBef>
-              <a:buSzPct val="100000"/>
+              <a:buSzPts val="5200"/>
+              <a:buNone/>
               <a:defRPr sz="5200"/>
             </a:lvl9pPr>
           </a:lstStyle>
@@ -1118,7 +1127,7 @@
               <a:spcAft>
                 <a:spcPts val="0"/>
               </a:spcAft>
-              <a:buSzPct val="100000"/>
+              <a:buSzPts val="2800"/>
               <a:buNone/>
               <a:defRPr sz="2800"/>
             </a:lvl1pPr>
@@ -1132,7 +1141,7 @@
               <a:spcAft>
                 <a:spcPts val="0"/>
               </a:spcAft>
-              <a:buSzPct val="100000"/>
+              <a:buSzPts val="2800"/>
               <a:buNone/>
               <a:defRPr sz="2800"/>
             </a:lvl2pPr>
@@ -1146,7 +1155,7 @@
               <a:spcAft>
                 <a:spcPts val="0"/>
               </a:spcAft>
-              <a:buSzPct val="100000"/>
+              <a:buSzPts val="2800"/>
               <a:buNone/>
               <a:defRPr sz="2800"/>
             </a:lvl3pPr>
@@ -1160,7 +1169,7 @@
               <a:spcAft>
                 <a:spcPts val="0"/>
               </a:spcAft>
-              <a:buSzPct val="100000"/>
+              <a:buSzPts val="2800"/>
               <a:buNone/>
               <a:defRPr sz="2800"/>
             </a:lvl4pPr>
@@ -1174,7 +1183,7 @@
               <a:spcAft>
                 <a:spcPts val="0"/>
               </a:spcAft>
-              <a:buSzPct val="100000"/>
+              <a:buSzPts val="2800"/>
               <a:buNone/>
               <a:defRPr sz="2800"/>
             </a:lvl5pPr>
@@ -1188,7 +1197,7 @@
               <a:spcAft>
                 <a:spcPts val="0"/>
               </a:spcAft>
-              <a:buSzPct val="100000"/>
+              <a:buSzPts val="2800"/>
               <a:buNone/>
               <a:defRPr sz="2800"/>
             </a:lvl6pPr>
@@ -1202,7 +1211,7 @@
               <a:spcAft>
                 <a:spcPts val="0"/>
               </a:spcAft>
-              <a:buSzPct val="100000"/>
+              <a:buSzPts val="2800"/>
               <a:buNone/>
               <a:defRPr sz="2800"/>
             </a:lvl7pPr>
@@ -1216,7 +1225,7 @@
               <a:spcAft>
                 <a:spcPts val="0"/>
               </a:spcAft>
-              <a:buSzPct val="100000"/>
+              <a:buSzPts val="2800"/>
               <a:buNone/>
               <a:defRPr sz="2800"/>
             </a:lvl8pPr>
@@ -1230,7 +1239,7 @@
               <a:spcAft>
                 <a:spcPts val="0"/>
               </a:spcAft>
-              <a:buSzPct val="100000"/>
+              <a:buSzPts val="2800"/>
               <a:buNone/>
               <a:defRPr sz="2800"/>
             </a:lvl9pPr>
@@ -1261,7 +1270,7 @@
           </a:bodyPr>
           <a:lstStyle/>
           <a:p>
-            <a:pPr lvl="0">
+            <a:pPr indent="0" lvl="0" marL="0">
               <a:spcBef>
                 <a:spcPts val="0"/>
               </a:spcBef>
@@ -1323,63 +1332,72 @@
               <a:spcBef>
                 <a:spcPts val="0"/>
               </a:spcBef>
-              <a:buSzPct val="100000"/>
+              <a:buSzPts val="12000"/>
+              <a:buNone/>
               <a:defRPr sz="12000"/>
             </a:lvl1pPr>
             <a:lvl2pPr lvl="1" algn="ctr">
               <a:spcBef>
                 <a:spcPts val="0"/>
               </a:spcBef>
-              <a:buSzPct val="100000"/>
+              <a:buSzPts val="12000"/>
+              <a:buNone/>
               <a:defRPr sz="12000"/>
             </a:lvl2pPr>
             <a:lvl3pPr lvl="2" algn="ctr">
               <a:spcBef>
                 <a:spcPts val="0"/>
               </a:spcBef>
-              <a:buSzPct val="100000"/>
+              <a:buSzPts val="12000"/>
+              <a:buNone/>
               <a:defRPr sz="12000"/>
             </a:lvl3pPr>
             <a:lvl4pPr lvl="3" algn="ctr">
               <a:spcBef>
                 <a:spcPts val="0"/>
               </a:spcBef>
-              <a:buSzPct val="100000"/>
+              <a:buSzPts val="12000"/>
+              <a:buNone/>
               <a:defRPr sz="12000"/>
             </a:lvl4pPr>
             <a:lvl5pPr lvl="4" algn="ctr">
               <a:spcBef>
                 <a:spcPts val="0"/>
               </a:spcBef>
-              <a:buSzPct val="100000"/>
+              <a:buSzPts val="12000"/>
+              <a:buNone/>
               <a:defRPr sz="12000"/>
             </a:lvl5pPr>
             <a:lvl6pPr lvl="5" algn="ctr">
               <a:spcBef>
                 <a:spcPts val="0"/>
               </a:spcBef>
-              <a:buSzPct val="100000"/>
+              <a:buSzPts val="12000"/>
+              <a:buNone/>
               <a:defRPr sz="12000"/>
             </a:lvl6pPr>
             <a:lvl7pPr lvl="6" algn="ctr">
               <a:spcBef>
                 <a:spcPts val="0"/>
               </a:spcBef>
-              <a:buSzPct val="100000"/>
+              <a:buSzPts val="12000"/>
+              <a:buNone/>
               <a:defRPr sz="12000"/>
             </a:lvl7pPr>
             <a:lvl8pPr lvl="7" algn="ctr">
               <a:spcBef>
                 <a:spcPts val="0"/>
               </a:spcBef>
-              <a:buSzPct val="100000"/>
+              <a:buSzPts val="12000"/>
+              <a:buNone/>
               <a:defRPr sz="12000"/>
             </a:lvl8pPr>
             <a:lvl9pPr lvl="8" algn="ctr">
               <a:spcBef>
                 <a:spcPts val="0"/>
               </a:spcBef>
-              <a:buSzPct val="100000"/>
+              <a:buSzPts val="12000"/>
+              <a:buNone/>
               <a:defRPr sz="12000"/>
             </a:lvl9pPr>
           </a:lstStyle>
@@ -1410,54 +1428,72 @@
               <a:spcBef>
                 <a:spcPts val="0"/>
               </a:spcBef>
+              <a:buSzPts val="1800"/>
+              <a:buChar char="●"/>
               <a:defRPr/>
             </a:lvl1pPr>
             <a:lvl2pPr lvl="1" algn="ctr">
               <a:spcBef>
                 <a:spcPts val="0"/>
               </a:spcBef>
+              <a:buSzPts val="1400"/>
+              <a:buChar char="○"/>
               <a:defRPr/>
             </a:lvl2pPr>
             <a:lvl3pPr lvl="2" algn="ctr">
               <a:spcBef>
                 <a:spcPts val="0"/>
               </a:spcBef>
+              <a:buSzPts val="1400"/>
+              <a:buChar char="■"/>
               <a:defRPr/>
             </a:lvl3pPr>
             <a:lvl4pPr lvl="3" algn="ctr">
               <a:spcBef>
                 <a:spcPts val="0"/>
               </a:spcBef>
+              <a:buSzPts val="1400"/>
+              <a:buChar char="●"/>
               <a:defRPr/>
             </a:lvl4pPr>
             <a:lvl5pPr lvl="4" algn="ctr">
               <a:spcBef>
                 <a:spcPts val="0"/>
               </a:spcBef>
+              <a:buSzPts val="1400"/>
+              <a:buChar char="○"/>
               <a:defRPr/>
             </a:lvl5pPr>
             <a:lvl6pPr lvl="5" algn="ctr">
               <a:spcBef>
                 <a:spcPts val="0"/>
               </a:spcBef>
+              <a:buSzPts val="1400"/>
+              <a:buChar char="■"/>
               <a:defRPr/>
             </a:lvl6pPr>
             <a:lvl7pPr lvl="6" algn="ctr">
               <a:spcBef>
                 <a:spcPts val="0"/>
               </a:spcBef>
+              <a:buSzPts val="1400"/>
+              <a:buChar char="●"/>
               <a:defRPr/>
             </a:lvl7pPr>
             <a:lvl8pPr lvl="7" algn="ctr">
               <a:spcBef>
                 <a:spcPts val="0"/>
               </a:spcBef>
+              <a:buSzPts val="1400"/>
+              <a:buChar char="○"/>
               <a:defRPr/>
             </a:lvl8pPr>
             <a:lvl9pPr lvl="8" algn="ctr">
               <a:spcBef>
                 <a:spcPts val="0"/>
               </a:spcBef>
+              <a:buSzPts val="1400"/>
+              <a:buChar char="■"/>
               <a:defRPr/>
             </a:lvl9pPr>
           </a:lstStyle>
@@ -1487,7 +1523,7 @@
           </a:bodyPr>
           <a:lstStyle/>
           <a:p>
-            <a:pPr lvl="0">
+            <a:pPr indent="0" lvl="0" marL="0">
               <a:spcBef>
                 <a:spcPts val="0"/>
               </a:spcBef>
@@ -1548,7 +1584,7 @@
           </a:bodyPr>
           <a:lstStyle/>
           <a:p>
-            <a:pPr lvl="0">
+            <a:pPr indent="0" lvl="0" marL="0">
               <a:spcBef>
                 <a:spcPts val="0"/>
               </a:spcBef>
@@ -1617,7 +1653,7 @@
               <a:spcAft>
                 <a:spcPts val="0"/>
               </a:spcAft>
-              <a:buSzPct val="31818"/>
+              <a:buSzPts val="1400"/>
               <a:buNone/>
               <a:defRPr b="0" i="0" sz="4400" u="none" cap="none" strike="noStrike">
                 <a:solidFill>
@@ -1636,7 +1672,7 @@
               <a:spcAft>
                 <a:spcPts val="0"/>
               </a:spcAft>
-              <a:buSzPct val="31818"/>
+              <a:buSzPts val="1400"/>
               <a:buNone/>
               <a:defRPr b="0" i="0" sz="4400" u="none" cap="none" strike="noStrike">
                 <a:solidFill>
@@ -1655,7 +1691,7 @@
               <a:spcAft>
                 <a:spcPts val="0"/>
               </a:spcAft>
-              <a:buSzPct val="31818"/>
+              <a:buSzPts val="1400"/>
               <a:buNone/>
               <a:defRPr b="0" i="0" sz="4400" u="none" cap="none" strike="noStrike">
                 <a:solidFill>
@@ -1674,7 +1710,7 @@
               <a:spcAft>
                 <a:spcPts val="0"/>
               </a:spcAft>
-              <a:buSzPct val="31818"/>
+              <a:buSzPts val="1400"/>
               <a:buNone/>
               <a:defRPr b="0" i="0" sz="4400" u="none" cap="none" strike="noStrike">
                 <a:solidFill>
@@ -1693,7 +1729,7 @@
               <a:spcAft>
                 <a:spcPts val="0"/>
               </a:spcAft>
-              <a:buSzPct val="31818"/>
+              <a:buSzPts val="1400"/>
               <a:buNone/>
               <a:defRPr b="0" i="0" sz="4400" u="none" cap="none" strike="noStrike">
                 <a:solidFill>
@@ -1712,7 +1748,7 @@
               <a:spcAft>
                 <a:spcPts val="0"/>
               </a:spcAft>
-              <a:buSzPct val="31818"/>
+              <a:buSzPts val="1400"/>
               <a:buNone/>
               <a:defRPr b="0" i="0" sz="4400" u="none" cap="none" strike="noStrike">
                 <a:solidFill>
@@ -1731,7 +1767,7 @@
               <a:spcAft>
                 <a:spcPts val="0"/>
               </a:spcAft>
-              <a:buSzPct val="31818"/>
+              <a:buSzPts val="1400"/>
               <a:buNone/>
               <a:defRPr b="0" i="0" sz="4400" u="none" cap="none" strike="noStrike">
                 <a:solidFill>
@@ -1750,7 +1786,7 @@
               <a:spcAft>
                 <a:spcPts val="0"/>
               </a:spcAft>
-              <a:buSzPct val="31818"/>
+              <a:buSzPts val="1400"/>
               <a:buNone/>
               <a:defRPr b="0" i="0" sz="4400" u="none" cap="none" strike="noStrike">
                 <a:solidFill>
@@ -1769,7 +1805,7 @@
               <a:spcAft>
                 <a:spcPts val="0"/>
               </a:spcAft>
-              <a:buSzPct val="31818"/>
+              <a:buSzPts val="1400"/>
               <a:buNone/>
               <a:defRPr b="0" i="0" sz="4400" u="none" cap="none" strike="noStrike">
                 <a:solidFill>
@@ -1819,7 +1855,7 @@
               <a:buClr>
                 <a:schemeClr val="dk1"/>
               </a:buClr>
-              <a:buSzPct val="100000"/>
+              <a:buSzPts val="3200"/>
               <a:buFont typeface="Arial"/>
               <a:buChar char="•"/>
               <a:defRPr b="0" i="0" sz="3200" u="none" cap="none" strike="noStrike">
@@ -1842,7 +1878,7 @@
               <a:buClr>
                 <a:schemeClr val="dk1"/>
               </a:buClr>
-              <a:buSzPct val="100000"/>
+              <a:buSzPts val="2800"/>
               <a:buFont typeface="Arial"/>
               <a:buChar char="–"/>
               <a:defRPr b="0" i="0" sz="2800" u="none" cap="none" strike="noStrike">
@@ -1865,7 +1901,7 @@
               <a:buClr>
                 <a:schemeClr val="dk1"/>
               </a:buClr>
-              <a:buSzPct val="100000"/>
+              <a:buSzPts val="2400"/>
               <a:buFont typeface="Arial"/>
               <a:buChar char="•"/>
               <a:defRPr b="0" i="0" sz="2400" u="none" cap="none" strike="noStrike">
@@ -1888,7 +1924,7 @@
               <a:buClr>
                 <a:schemeClr val="dk1"/>
               </a:buClr>
-              <a:buSzPct val="100000"/>
+              <a:buSzPts val="2000"/>
               <a:buFont typeface="Arial"/>
               <a:buChar char="–"/>
               <a:defRPr b="0" i="0" sz="2000" u="none" cap="none" strike="noStrike">
@@ -1911,7 +1947,7 @@
               <a:buClr>
                 <a:schemeClr val="dk1"/>
               </a:buClr>
-              <a:buSzPct val="100000"/>
+              <a:buSzPts val="2000"/>
               <a:buFont typeface="Arial"/>
               <a:buChar char="»"/>
               <a:defRPr b="0" i="0" sz="2000" u="none" cap="none" strike="noStrike">
@@ -1931,7 +1967,7 @@
               <a:buClr>
                 <a:schemeClr val="dk1"/>
               </a:buClr>
-              <a:buSzPct val="100000"/>
+              <a:buSzPts val="2000"/>
               <a:buFont typeface="Arial"/>
               <a:buChar char="•"/>
               <a:defRPr b="0" i="0" sz="2000" u="none" cap="none" strike="noStrike">
@@ -1951,7 +1987,7 @@
               <a:buClr>
                 <a:schemeClr val="dk1"/>
               </a:buClr>
-              <a:buSzPct val="100000"/>
+              <a:buSzPts val="2000"/>
               <a:buFont typeface="Arial"/>
               <a:buChar char="•"/>
               <a:defRPr b="0" i="0" sz="2000" u="none" cap="none" strike="noStrike">
@@ -1971,7 +2007,7 @@
               <a:buClr>
                 <a:schemeClr val="dk1"/>
               </a:buClr>
-              <a:buSzPct val="100000"/>
+              <a:buSzPts val="2000"/>
               <a:buFont typeface="Arial"/>
               <a:buChar char="•"/>
               <a:defRPr b="0" i="0" sz="2000" u="none" cap="none" strike="noStrike">
@@ -1991,7 +2027,7 @@
               <a:buClr>
                 <a:schemeClr val="dk1"/>
               </a:buClr>
-              <a:buSzPct val="100000"/>
+              <a:buSzPts val="2000"/>
               <a:buFont typeface="Arial"/>
               <a:buChar char="•"/>
               <a:defRPr b="0" i="0" sz="2000" u="none" cap="none" strike="noStrike">
@@ -2042,7 +2078,7 @@
               <a:spcAft>
                 <a:spcPts val="0"/>
               </a:spcAft>
-              <a:buSzPct val="116666"/>
+              <a:buSzPts val="1400"/>
               <a:buNone/>
               <a:defRPr b="0" i="0" sz="1200" u="none" cap="none" strike="noStrike">
                 <a:solidFill>
@@ -2064,7 +2100,7 @@
               <a:spcAft>
                 <a:spcPts val="0"/>
               </a:spcAft>
-              <a:buSzPct val="77777"/>
+              <a:buSzPts val="1400"/>
               <a:buNone/>
               <a:defRPr b="0" i="0" sz="1800" u="none" cap="none" strike="noStrike">
                 <a:solidFill>
@@ -2086,7 +2122,7 @@
               <a:spcAft>
                 <a:spcPts val="0"/>
               </a:spcAft>
-              <a:buSzPct val="77777"/>
+              <a:buSzPts val="1400"/>
               <a:buNone/>
               <a:defRPr b="0" i="0" sz="1800" u="none" cap="none" strike="noStrike">
                 <a:solidFill>
@@ -2108,7 +2144,7 @@
               <a:spcAft>
                 <a:spcPts val="0"/>
               </a:spcAft>
-              <a:buSzPct val="77777"/>
+              <a:buSzPts val="1400"/>
               <a:buNone/>
               <a:defRPr b="0" i="0" sz="1800" u="none" cap="none" strike="noStrike">
                 <a:solidFill>
@@ -2130,7 +2166,7 @@
               <a:spcAft>
                 <a:spcPts val="0"/>
               </a:spcAft>
-              <a:buSzPct val="77777"/>
+              <a:buSzPts val="1400"/>
               <a:buNone/>
               <a:defRPr b="0" i="0" sz="1800" u="none" cap="none" strike="noStrike">
                 <a:solidFill>
@@ -2152,7 +2188,7 @@
               <a:spcAft>
                 <a:spcPts val="0"/>
               </a:spcAft>
-              <a:buSzPct val="77777"/>
+              <a:buSzPts val="1400"/>
               <a:buNone/>
               <a:defRPr b="0" i="0" sz="1800" u="none" cap="none" strike="noStrike">
                 <a:solidFill>
@@ -2174,7 +2210,7 @@
               <a:spcAft>
                 <a:spcPts val="0"/>
               </a:spcAft>
-              <a:buSzPct val="77777"/>
+              <a:buSzPts val="1400"/>
               <a:buNone/>
               <a:defRPr b="0" i="0" sz="1800" u="none" cap="none" strike="noStrike">
                 <a:solidFill>
@@ -2196,7 +2232,7 @@
               <a:spcAft>
                 <a:spcPts val="0"/>
               </a:spcAft>
-              <a:buSzPct val="77777"/>
+              <a:buSzPts val="1400"/>
               <a:buNone/>
               <a:defRPr b="0" i="0" sz="1800" u="none" cap="none" strike="noStrike">
                 <a:solidFill>
@@ -2218,7 +2254,7 @@
               <a:spcAft>
                 <a:spcPts val="0"/>
               </a:spcAft>
-              <a:buSzPct val="77777"/>
+              <a:buSzPts val="1400"/>
               <a:buNone/>
               <a:defRPr b="0" i="0" sz="1800" u="none" cap="none" strike="noStrike">
                 <a:solidFill>
@@ -2268,7 +2304,7 @@
               <a:spcAft>
                 <a:spcPts val="0"/>
               </a:spcAft>
-              <a:buSzPct val="77777"/>
+              <a:buSzPts val="1400"/>
               <a:buNone/>
               <a:defRPr b="0" i="0" sz="1800" u="none" cap="none" strike="noStrike">
                 <a:solidFill>
@@ -2290,7 +2326,7 @@
               <a:spcAft>
                 <a:spcPts val="0"/>
               </a:spcAft>
-              <a:buSzPct val="77777"/>
+              <a:buSzPts val="1400"/>
               <a:buNone/>
               <a:defRPr b="0" i="0" sz="1800" u="none" cap="none" strike="noStrike">
                 <a:solidFill>
@@ -2312,7 +2348,7 @@
               <a:spcAft>
                 <a:spcPts val="0"/>
               </a:spcAft>
-              <a:buSzPct val="77777"/>
+              <a:buSzPts val="1400"/>
               <a:buNone/>
               <a:defRPr b="0" i="0" sz="1800" u="none" cap="none" strike="noStrike">
                 <a:solidFill>
@@ -2334,7 +2370,7 @@
               <a:spcAft>
                 <a:spcPts val="0"/>
               </a:spcAft>
-              <a:buSzPct val="77777"/>
+              <a:buSzPts val="1400"/>
               <a:buNone/>
               <a:defRPr b="0" i="0" sz="1800" u="none" cap="none" strike="noStrike">
                 <a:solidFill>
@@ -2356,7 +2392,7 @@
               <a:spcAft>
                 <a:spcPts val="0"/>
               </a:spcAft>
-              <a:buSzPct val="77777"/>
+              <a:buSzPts val="1400"/>
               <a:buNone/>
               <a:defRPr b="0" i="0" sz="1800" u="none" cap="none" strike="noStrike">
                 <a:solidFill>
@@ -2378,7 +2414,7 @@
               <a:spcAft>
                 <a:spcPts val="0"/>
               </a:spcAft>
-              <a:buSzPct val="77777"/>
+              <a:buSzPts val="1400"/>
               <a:buNone/>
               <a:defRPr b="0" i="0" sz="1800" u="none" cap="none" strike="noStrike">
                 <a:solidFill>
@@ -2400,7 +2436,7 @@
               <a:spcAft>
                 <a:spcPts val="0"/>
               </a:spcAft>
-              <a:buSzPct val="77777"/>
+              <a:buSzPts val="1400"/>
               <a:buNone/>
               <a:defRPr b="0" i="0" sz="1800" u="none" cap="none" strike="noStrike">
                 <a:solidFill>
@@ -2422,7 +2458,7 @@
               <a:spcAft>
                 <a:spcPts val="0"/>
               </a:spcAft>
-              <a:buSzPct val="77777"/>
+              <a:buSzPts val="1400"/>
               <a:buNone/>
               <a:defRPr b="0" i="0" sz="1800" u="none" cap="none" strike="noStrike">
                 <a:solidFill>
@@ -2444,7 +2480,7 @@
               <a:spcAft>
                 <a:spcPts val="0"/>
               </a:spcAft>
-              <a:buSzPct val="77777"/>
+              <a:buSzPts val="1400"/>
               <a:buNone/>
               <a:defRPr b="0" i="0" sz="1800" u="none" cap="none" strike="noStrike">
                 <a:solidFill>
@@ -2500,7 +2536,6 @@
               <a:buClr>
                 <a:srgbClr val="898989"/>
               </a:buClr>
-              <a:buSzPct val="25000"/>
               <a:buFont typeface="Calibri"/>
               <a:buNone/>
             </a:pPr>
@@ -2575,7 +2610,7 @@
               <a:spcAft>
                 <a:spcPts val="0"/>
               </a:spcAft>
-              <a:buSzPct val="31818"/>
+              <a:buSzPts val="1400"/>
               <a:buNone/>
               <a:defRPr b="0" i="0" sz="4400" u="none" cap="none" strike="noStrike">
                 <a:solidFill>
@@ -2594,7 +2629,7 @@
               <a:spcAft>
                 <a:spcPts val="0"/>
               </a:spcAft>
-              <a:buSzPct val="31818"/>
+              <a:buSzPts val="1400"/>
               <a:buNone/>
               <a:defRPr b="0" i="0" sz="4400" u="none" cap="none" strike="noStrike">
                 <a:solidFill>
@@ -2613,7 +2648,7 @@
               <a:spcAft>
                 <a:spcPts val="0"/>
               </a:spcAft>
-              <a:buSzPct val="31818"/>
+              <a:buSzPts val="1400"/>
               <a:buNone/>
               <a:defRPr b="0" i="0" sz="4400" u="none" cap="none" strike="noStrike">
                 <a:solidFill>
@@ -2632,7 +2667,7 @@
               <a:spcAft>
                 <a:spcPts val="0"/>
               </a:spcAft>
-              <a:buSzPct val="31818"/>
+              <a:buSzPts val="1400"/>
               <a:buNone/>
               <a:defRPr b="0" i="0" sz="4400" u="none" cap="none" strike="noStrike">
                 <a:solidFill>
@@ -2651,7 +2686,7 @@
               <a:spcAft>
                 <a:spcPts val="0"/>
               </a:spcAft>
-              <a:buSzPct val="31818"/>
+              <a:buSzPts val="1400"/>
               <a:buNone/>
               <a:defRPr b="0" i="0" sz="4400" u="none" cap="none" strike="noStrike">
                 <a:solidFill>
@@ -2670,7 +2705,7 @@
               <a:spcAft>
                 <a:spcPts val="0"/>
               </a:spcAft>
-              <a:buSzPct val="31818"/>
+              <a:buSzPts val="1400"/>
               <a:buNone/>
               <a:defRPr b="0" i="0" sz="4400" u="none" cap="none" strike="noStrike">
                 <a:solidFill>
@@ -2689,7 +2724,7 @@
               <a:spcAft>
                 <a:spcPts val="0"/>
               </a:spcAft>
-              <a:buSzPct val="31818"/>
+              <a:buSzPts val="1400"/>
               <a:buNone/>
               <a:defRPr b="0" i="0" sz="4400" u="none" cap="none" strike="noStrike">
                 <a:solidFill>
@@ -2708,7 +2743,7 @@
               <a:spcAft>
                 <a:spcPts val="0"/>
               </a:spcAft>
-              <a:buSzPct val="31818"/>
+              <a:buSzPts val="1400"/>
               <a:buNone/>
               <a:defRPr b="0" i="0" sz="4400" u="none" cap="none" strike="noStrike">
                 <a:solidFill>
@@ -2727,7 +2762,7 @@
               <a:spcAft>
                 <a:spcPts val="0"/>
               </a:spcAft>
-              <a:buSzPct val="31818"/>
+              <a:buSzPts val="1400"/>
               <a:buNone/>
               <a:defRPr b="0" i="0" sz="4400" u="none" cap="none" strike="noStrike">
                 <a:solidFill>
@@ -2777,7 +2812,7 @@
               <a:buClr>
                 <a:schemeClr val="dk1"/>
               </a:buClr>
-              <a:buSzPct val="100000"/>
+              <a:buSzPts val="3200"/>
               <a:buFont typeface="Arial"/>
               <a:buChar char="•"/>
               <a:defRPr sz="3200">
@@ -2800,7 +2835,7 @@
               <a:buClr>
                 <a:schemeClr val="dk1"/>
               </a:buClr>
-              <a:buSzPct val="100000"/>
+              <a:buSzPts val="2800"/>
               <a:buFont typeface="Arial"/>
               <a:buChar char="–"/>
               <a:defRPr b="0" i="0" sz="2800" u="none" cap="none" strike="noStrike">
@@ -2823,7 +2858,7 @@
               <a:buClr>
                 <a:schemeClr val="dk1"/>
               </a:buClr>
-              <a:buSzPct val="100000"/>
+              <a:buSzPts val="2400"/>
               <a:buFont typeface="Arial"/>
               <a:buChar char="•"/>
               <a:defRPr b="0" i="0" sz="2400" u="none" cap="none" strike="noStrike">
@@ -2846,7 +2881,7 @@
               <a:buClr>
                 <a:schemeClr val="dk1"/>
               </a:buClr>
-              <a:buSzPct val="100000"/>
+              <a:buSzPts val="2000"/>
               <a:buFont typeface="Arial"/>
               <a:buChar char="–"/>
               <a:defRPr b="0" i="0" sz="2000" u="none" cap="none" strike="noStrike">
@@ -2869,7 +2904,7 @@
               <a:buClr>
                 <a:schemeClr val="dk1"/>
               </a:buClr>
-              <a:buSzPct val="100000"/>
+              <a:buSzPts val="2000"/>
               <a:buFont typeface="Arial"/>
               <a:buChar char="»"/>
               <a:defRPr b="0" i="0" sz="2000" u="none" cap="none" strike="noStrike">
@@ -2889,7 +2924,7 @@
               <a:buClr>
                 <a:schemeClr val="dk1"/>
               </a:buClr>
-              <a:buSzPct val="100000"/>
+              <a:buSzPts val="2000"/>
               <a:buFont typeface="Arial"/>
               <a:buChar char="•"/>
               <a:defRPr b="0" i="0" sz="2000" u="none" cap="none" strike="noStrike">
@@ -2909,7 +2944,7 @@
               <a:buClr>
                 <a:schemeClr val="dk1"/>
               </a:buClr>
-              <a:buSzPct val="100000"/>
+              <a:buSzPts val="2000"/>
               <a:buFont typeface="Arial"/>
               <a:buChar char="•"/>
               <a:defRPr b="0" i="0" sz="2000" u="none" cap="none" strike="noStrike">
@@ -2929,7 +2964,7 @@
               <a:buClr>
                 <a:schemeClr val="dk1"/>
               </a:buClr>
-              <a:buSzPct val="100000"/>
+              <a:buSzPts val="2000"/>
               <a:buFont typeface="Arial"/>
               <a:buChar char="•"/>
               <a:defRPr b="0" i="0" sz="2000" u="none" cap="none" strike="noStrike">
@@ -2949,7 +2984,7 @@
               <a:buClr>
                 <a:schemeClr val="dk1"/>
               </a:buClr>
-              <a:buSzPct val="100000"/>
+              <a:buSzPts val="2000"/>
               <a:buFont typeface="Arial"/>
               <a:buChar char="•"/>
               <a:defRPr b="0" i="0" sz="2000" u="none" cap="none" strike="noStrike">
@@ -3000,7 +3035,7 @@
               <a:spcAft>
                 <a:spcPts val="0"/>
               </a:spcAft>
-              <a:buSzPct val="116666"/>
+              <a:buSzPts val="1400"/>
               <a:buNone/>
               <a:defRPr b="0" i="0" sz="1200" u="none">
                 <a:solidFill>
@@ -3022,7 +3057,7 @@
               <a:spcAft>
                 <a:spcPts val="0"/>
               </a:spcAft>
-              <a:buSzPct val="77777"/>
+              <a:buSzPts val="1400"/>
               <a:buNone/>
               <a:defRPr b="0" i="0" sz="1800" u="none" cap="none" strike="noStrike">
                 <a:solidFill>
@@ -3044,7 +3079,7 @@
               <a:spcAft>
                 <a:spcPts val="0"/>
               </a:spcAft>
-              <a:buSzPct val="77777"/>
+              <a:buSzPts val="1400"/>
               <a:buNone/>
               <a:defRPr b="0" i="0" sz="1800" u="none" cap="none" strike="noStrike">
                 <a:solidFill>
@@ -3066,7 +3101,7 @@
               <a:spcAft>
                 <a:spcPts val="0"/>
               </a:spcAft>
-              <a:buSzPct val="77777"/>
+              <a:buSzPts val="1400"/>
               <a:buNone/>
               <a:defRPr b="0" i="0" sz="1800" u="none" cap="none" strike="noStrike">
                 <a:solidFill>
@@ -3088,7 +3123,7 @@
               <a:spcAft>
                 <a:spcPts val="0"/>
               </a:spcAft>
-              <a:buSzPct val="77777"/>
+              <a:buSzPts val="1400"/>
               <a:buNone/>
               <a:defRPr b="0" i="0" sz="1800" u="none" cap="none" strike="noStrike">
                 <a:solidFill>
@@ -3110,7 +3145,7 @@
               <a:spcAft>
                 <a:spcPts val="0"/>
               </a:spcAft>
-              <a:buSzPct val="77777"/>
+              <a:buSzPts val="1400"/>
               <a:buNone/>
               <a:defRPr b="0" i="0" sz="1800" u="none" cap="none" strike="noStrike">
                 <a:solidFill>
@@ -3132,7 +3167,7 @@
               <a:spcAft>
                 <a:spcPts val="0"/>
               </a:spcAft>
-              <a:buSzPct val="77777"/>
+              <a:buSzPts val="1400"/>
               <a:buNone/>
               <a:defRPr b="0" i="0" sz="1800" u="none" cap="none" strike="noStrike">
                 <a:solidFill>
@@ -3154,7 +3189,7 @@
               <a:spcAft>
                 <a:spcPts val="0"/>
               </a:spcAft>
-              <a:buSzPct val="77777"/>
+              <a:buSzPts val="1400"/>
               <a:buNone/>
               <a:defRPr b="0" i="0" sz="1800" u="none" cap="none" strike="noStrike">
                 <a:solidFill>
@@ -3176,7 +3211,7 @@
               <a:spcAft>
                 <a:spcPts val="0"/>
               </a:spcAft>
-              <a:buSzPct val="77777"/>
+              <a:buSzPts val="1400"/>
               <a:buNone/>
               <a:defRPr b="0" i="0" sz="1800" u="none" cap="none" strike="noStrike">
                 <a:solidFill>
@@ -3226,7 +3261,7 @@
               <a:spcAft>
                 <a:spcPts val="0"/>
               </a:spcAft>
-              <a:buSzPct val="77777"/>
+              <a:buSzPts val="1400"/>
               <a:buNone/>
               <a:defRPr b="0" i="0" sz="1800" u="none">
                 <a:solidFill>
@@ -3248,7 +3283,7 @@
               <a:spcAft>
                 <a:spcPts val="0"/>
               </a:spcAft>
-              <a:buSzPct val="77777"/>
+              <a:buSzPts val="1400"/>
               <a:buNone/>
               <a:defRPr b="0" i="0" sz="1800" u="none" cap="none" strike="noStrike">
                 <a:solidFill>
@@ -3270,7 +3305,7 @@
               <a:spcAft>
                 <a:spcPts val="0"/>
               </a:spcAft>
-              <a:buSzPct val="77777"/>
+              <a:buSzPts val="1400"/>
               <a:buNone/>
               <a:defRPr b="0" i="0" sz="1800" u="none" cap="none" strike="noStrike">
                 <a:solidFill>
@@ -3292,7 +3327,7 @@
               <a:spcAft>
                 <a:spcPts val="0"/>
               </a:spcAft>
-              <a:buSzPct val="77777"/>
+              <a:buSzPts val="1400"/>
               <a:buNone/>
               <a:defRPr b="0" i="0" sz="1800" u="none" cap="none" strike="noStrike">
                 <a:solidFill>
@@ -3314,7 +3349,7 @@
               <a:spcAft>
                 <a:spcPts val="0"/>
               </a:spcAft>
-              <a:buSzPct val="77777"/>
+              <a:buSzPts val="1400"/>
               <a:buNone/>
               <a:defRPr b="0" i="0" sz="1800" u="none" cap="none" strike="noStrike">
                 <a:solidFill>
@@ -3336,7 +3371,7 @@
               <a:spcAft>
                 <a:spcPts val="0"/>
               </a:spcAft>
-              <a:buSzPct val="77777"/>
+              <a:buSzPts val="1400"/>
               <a:buNone/>
               <a:defRPr b="0" i="0" sz="1800" u="none" cap="none" strike="noStrike">
                 <a:solidFill>
@@ -3358,7 +3393,7 @@
               <a:spcAft>
                 <a:spcPts val="0"/>
               </a:spcAft>
-              <a:buSzPct val="77777"/>
+              <a:buSzPts val="1400"/>
               <a:buNone/>
               <a:defRPr b="0" i="0" sz="1800" u="none" cap="none" strike="noStrike">
                 <a:solidFill>
@@ -3380,7 +3415,7 @@
               <a:spcAft>
                 <a:spcPts val="0"/>
               </a:spcAft>
-              <a:buSzPct val="77777"/>
+              <a:buSzPts val="1400"/>
               <a:buNone/>
               <a:defRPr b="0" i="0" sz="1800" u="none" cap="none" strike="noStrike">
                 <a:solidFill>
@@ -3402,7 +3437,7 @@
               <a:spcAft>
                 <a:spcPts val="0"/>
               </a:spcAft>
-              <a:buSzPct val="77777"/>
+              <a:buSzPts val="1400"/>
               <a:buNone/>
               <a:defRPr b="0" i="0" sz="1800" u="none" cap="none" strike="noStrike">
                 <a:solidFill>
@@ -3458,7 +3493,6 @@
               <a:buClr>
                 <a:srgbClr val="898989"/>
               </a:buClr>
-              <a:buSzPct val="25000"/>
               <a:buFont typeface="Calibri"/>
               <a:buNone/>
             </a:pPr>
@@ -3533,7 +3567,7 @@
               <a:spcAft>
                 <a:spcPts val="0"/>
               </a:spcAft>
-              <a:buSzPct val="31818"/>
+              <a:buSzPts val="1400"/>
               <a:buNone/>
               <a:defRPr b="0" i="0" sz="4400" u="none" cap="none" strike="noStrike">
                 <a:solidFill>
@@ -3552,7 +3586,7 @@
               <a:spcAft>
                 <a:spcPts val="0"/>
               </a:spcAft>
-              <a:buSzPct val="31818"/>
+              <a:buSzPts val="1400"/>
               <a:buNone/>
               <a:defRPr b="0" i="0" sz="4400" u="none" cap="none" strike="noStrike">
                 <a:solidFill>
@@ -3571,7 +3605,7 @@
               <a:spcAft>
                 <a:spcPts val="0"/>
               </a:spcAft>
-              <a:buSzPct val="31818"/>
+              <a:buSzPts val="1400"/>
               <a:buNone/>
               <a:defRPr b="0" i="0" sz="4400" u="none" cap="none" strike="noStrike">
                 <a:solidFill>
@@ -3590,7 +3624,7 @@
               <a:spcAft>
                 <a:spcPts val="0"/>
               </a:spcAft>
-              <a:buSzPct val="31818"/>
+              <a:buSzPts val="1400"/>
               <a:buNone/>
               <a:defRPr b="0" i="0" sz="4400" u="none" cap="none" strike="noStrike">
                 <a:solidFill>
@@ -3609,7 +3643,7 @@
               <a:spcAft>
                 <a:spcPts val="0"/>
               </a:spcAft>
-              <a:buSzPct val="31818"/>
+              <a:buSzPts val="1400"/>
               <a:buNone/>
               <a:defRPr b="0" i="0" sz="4400" u="none" cap="none" strike="noStrike">
                 <a:solidFill>
@@ -3628,7 +3662,7 @@
               <a:spcAft>
                 <a:spcPts val="0"/>
               </a:spcAft>
-              <a:buSzPct val="31818"/>
+              <a:buSzPts val="1400"/>
               <a:buNone/>
               <a:defRPr b="0" i="0" sz="4400" u="none" cap="none" strike="noStrike">
                 <a:solidFill>
@@ -3647,7 +3681,7 @@
               <a:spcAft>
                 <a:spcPts val="0"/>
               </a:spcAft>
-              <a:buSzPct val="31818"/>
+              <a:buSzPts val="1400"/>
               <a:buNone/>
               <a:defRPr b="0" i="0" sz="4400" u="none" cap="none" strike="noStrike">
                 <a:solidFill>
@@ -3666,7 +3700,7 @@
               <a:spcAft>
                 <a:spcPts val="0"/>
               </a:spcAft>
-              <a:buSzPct val="31818"/>
+              <a:buSzPts val="1400"/>
               <a:buNone/>
               <a:defRPr b="0" i="0" sz="4400" u="none" cap="none" strike="noStrike">
                 <a:solidFill>
@@ -3685,7 +3719,7 @@
               <a:spcAft>
                 <a:spcPts val="0"/>
               </a:spcAft>
-              <a:buSzPct val="31818"/>
+              <a:buSzPts val="1400"/>
               <a:buNone/>
               <a:defRPr b="0" i="0" sz="4400" u="none" cap="none" strike="noStrike">
                 <a:solidFill>
@@ -3735,7 +3769,7 @@
               <a:buClr>
                 <a:schemeClr val="dk1"/>
               </a:buClr>
-              <a:buSzPct val="100000"/>
+              <a:buSzPts val="3200"/>
               <a:buFont typeface="Arial"/>
               <a:buChar char="•"/>
               <a:defRPr sz="3200">
@@ -3758,7 +3792,7 @@
               <a:buClr>
                 <a:schemeClr val="dk1"/>
               </a:buClr>
-              <a:buSzPct val="100000"/>
+              <a:buSzPts val="2800"/>
               <a:buFont typeface="Arial"/>
               <a:buChar char="–"/>
               <a:defRPr b="0" i="0" sz="2800" u="none" cap="none" strike="noStrike">
@@ -3781,7 +3815,7 @@
               <a:buClr>
                 <a:schemeClr val="dk1"/>
               </a:buClr>
-              <a:buSzPct val="100000"/>
+              <a:buSzPts val="2400"/>
               <a:buFont typeface="Arial"/>
               <a:buChar char="•"/>
               <a:defRPr b="0" i="0" sz="2400" u="none" cap="none" strike="noStrike">
@@ -3804,7 +3838,7 @@
               <a:buClr>
                 <a:schemeClr val="dk1"/>
               </a:buClr>
-              <a:buSzPct val="100000"/>
+              <a:buSzPts val="2000"/>
               <a:buFont typeface="Arial"/>
               <a:buChar char="–"/>
               <a:defRPr b="0" i="0" sz="2000" u="none" cap="none" strike="noStrike">
@@ -3827,7 +3861,7 @@
               <a:buClr>
                 <a:schemeClr val="dk1"/>
               </a:buClr>
-              <a:buSzPct val="100000"/>
+              <a:buSzPts val="2000"/>
               <a:buFont typeface="Arial"/>
               <a:buChar char="»"/>
               <a:defRPr b="0" i="0" sz="2000" u="none" cap="none" strike="noStrike">
@@ -3847,7 +3881,7 @@
               <a:buClr>
                 <a:schemeClr val="dk1"/>
               </a:buClr>
-              <a:buSzPct val="100000"/>
+              <a:buSzPts val="2000"/>
               <a:buFont typeface="Arial"/>
               <a:buChar char="•"/>
               <a:defRPr b="0" i="0" sz="2000" u="none" cap="none" strike="noStrike">
@@ -3867,7 +3901,7 @@
               <a:buClr>
                 <a:schemeClr val="dk1"/>
               </a:buClr>
-              <a:buSzPct val="100000"/>
+              <a:buSzPts val="2000"/>
               <a:buFont typeface="Arial"/>
               <a:buChar char="•"/>
               <a:defRPr b="0" i="0" sz="2000" u="none" cap="none" strike="noStrike">
@@ -3887,7 +3921,7 @@
               <a:buClr>
                 <a:schemeClr val="dk1"/>
               </a:buClr>
-              <a:buSzPct val="100000"/>
+              <a:buSzPts val="2000"/>
               <a:buFont typeface="Arial"/>
               <a:buChar char="•"/>
               <a:defRPr b="0" i="0" sz="2000" u="none" cap="none" strike="noStrike">
@@ -3907,7 +3941,7 @@
               <a:buClr>
                 <a:schemeClr val="dk1"/>
               </a:buClr>
-              <a:buSzPct val="100000"/>
+              <a:buSzPts val="2000"/>
               <a:buFont typeface="Arial"/>
               <a:buChar char="•"/>
               <a:defRPr b="0" i="0" sz="2000" u="none" cap="none" strike="noStrike">
@@ -3958,7 +3992,7 @@
               <a:spcAft>
                 <a:spcPts val="0"/>
               </a:spcAft>
-              <a:buSzPct val="116666"/>
+              <a:buSzPts val="1400"/>
               <a:buNone/>
               <a:defRPr b="0" i="0" sz="1200" u="none">
                 <a:solidFill>
@@ -3980,7 +4014,7 @@
               <a:spcAft>
                 <a:spcPts val="0"/>
               </a:spcAft>
-              <a:buSzPct val="77777"/>
+              <a:buSzPts val="1400"/>
               <a:buNone/>
               <a:defRPr b="0" i="0" sz="1800" u="none" cap="none" strike="noStrike">
                 <a:solidFill>
@@ -4002,7 +4036,7 @@
               <a:spcAft>
                 <a:spcPts val="0"/>
               </a:spcAft>
-              <a:buSzPct val="77777"/>
+              <a:buSzPts val="1400"/>
               <a:buNone/>
               <a:defRPr b="0" i="0" sz="1800" u="none" cap="none" strike="noStrike">
                 <a:solidFill>
@@ -4024,7 +4058,7 @@
               <a:spcAft>
                 <a:spcPts val="0"/>
               </a:spcAft>
-              <a:buSzPct val="77777"/>
+              <a:buSzPts val="1400"/>
               <a:buNone/>
               <a:defRPr b="0" i="0" sz="1800" u="none" cap="none" strike="noStrike">
                 <a:solidFill>
@@ -4046,7 +4080,7 @@
               <a:spcAft>
                 <a:spcPts val="0"/>
               </a:spcAft>
-              <a:buSzPct val="77777"/>
+              <a:buSzPts val="1400"/>
               <a:buNone/>
               <a:defRPr b="0" i="0" sz="1800" u="none" cap="none" strike="noStrike">
                 <a:solidFill>
@@ -4068,7 +4102,7 @@
               <a:spcAft>
                 <a:spcPts val="0"/>
               </a:spcAft>
-              <a:buSzPct val="77777"/>
+              <a:buSzPts val="1400"/>
               <a:buNone/>
               <a:defRPr b="0" i="0" sz="1800" u="none" cap="none" strike="noStrike">
                 <a:solidFill>
@@ -4090,7 +4124,7 @@
               <a:spcAft>
                 <a:spcPts val="0"/>
               </a:spcAft>
-              <a:buSzPct val="77777"/>
+              <a:buSzPts val="1400"/>
               <a:buNone/>
               <a:defRPr b="0" i="0" sz="1800" u="none" cap="none" strike="noStrike">
                 <a:solidFill>
@@ -4112,7 +4146,7 @@
               <a:spcAft>
                 <a:spcPts val="0"/>
               </a:spcAft>
-              <a:buSzPct val="77777"/>
+              <a:buSzPts val="1400"/>
               <a:buNone/>
               <a:defRPr b="0" i="0" sz="1800" u="none" cap="none" strike="noStrike">
                 <a:solidFill>
@@ -4134,7 +4168,7 @@
               <a:spcAft>
                 <a:spcPts val="0"/>
               </a:spcAft>
-              <a:buSzPct val="77777"/>
+              <a:buSzPts val="1400"/>
               <a:buNone/>
               <a:defRPr b="0" i="0" sz="1800" u="none" cap="none" strike="noStrike">
                 <a:solidFill>
@@ -4184,7 +4218,7 @@
               <a:spcAft>
                 <a:spcPts val="0"/>
               </a:spcAft>
-              <a:buSzPct val="77777"/>
+              <a:buSzPts val="1400"/>
               <a:buNone/>
               <a:defRPr b="0" i="0" sz="1800" u="none">
                 <a:solidFill>
@@ -4206,7 +4240,7 @@
               <a:spcAft>
                 <a:spcPts val="0"/>
               </a:spcAft>
-              <a:buSzPct val="77777"/>
+              <a:buSzPts val="1400"/>
               <a:buNone/>
               <a:defRPr b="0" i="0" sz="1800" u="none" cap="none" strike="noStrike">
                 <a:solidFill>
@@ -4228,7 +4262,7 @@
               <a:spcAft>
                 <a:spcPts val="0"/>
               </a:spcAft>
-              <a:buSzPct val="77777"/>
+              <a:buSzPts val="1400"/>
               <a:buNone/>
               <a:defRPr b="0" i="0" sz="1800" u="none" cap="none" strike="noStrike">
                 <a:solidFill>
@@ -4250,7 +4284,7 @@
               <a:spcAft>
                 <a:spcPts val="0"/>
               </a:spcAft>
-              <a:buSzPct val="77777"/>
+              <a:buSzPts val="1400"/>
               <a:buNone/>
               <a:defRPr b="0" i="0" sz="1800" u="none" cap="none" strike="noStrike">
                 <a:solidFill>
@@ -4272,7 +4306,7 @@
               <a:spcAft>
                 <a:spcPts val="0"/>
               </a:spcAft>
-              <a:buSzPct val="77777"/>
+              <a:buSzPts val="1400"/>
               <a:buNone/>
               <a:defRPr b="0" i="0" sz="1800" u="none" cap="none" strike="noStrike">
                 <a:solidFill>
@@ -4294,7 +4328,7 @@
               <a:spcAft>
                 <a:spcPts val="0"/>
               </a:spcAft>
-              <a:buSzPct val="77777"/>
+              <a:buSzPts val="1400"/>
               <a:buNone/>
               <a:defRPr b="0" i="0" sz="1800" u="none" cap="none" strike="noStrike">
                 <a:solidFill>
@@ -4316,7 +4350,7 @@
               <a:spcAft>
                 <a:spcPts val="0"/>
               </a:spcAft>
-              <a:buSzPct val="77777"/>
+              <a:buSzPts val="1400"/>
               <a:buNone/>
               <a:defRPr b="0" i="0" sz="1800" u="none" cap="none" strike="noStrike">
                 <a:solidFill>
@@ -4338,7 +4372,7 @@
               <a:spcAft>
                 <a:spcPts val="0"/>
               </a:spcAft>
-              <a:buSzPct val="77777"/>
+              <a:buSzPts val="1400"/>
               <a:buNone/>
               <a:defRPr b="0" i="0" sz="1800" u="none" cap="none" strike="noStrike">
                 <a:solidFill>
@@ -4360,7 +4394,7 @@
               <a:spcAft>
                 <a:spcPts val="0"/>
               </a:spcAft>
-              <a:buSzPct val="77777"/>
+              <a:buSzPts val="1400"/>
               <a:buNone/>
               <a:defRPr b="0" i="0" sz="1800" u="none" cap="none" strike="noStrike">
                 <a:solidFill>
@@ -4416,7 +4450,6 @@
               <a:buClr>
                 <a:srgbClr val="898989"/>
               </a:buClr>
-              <a:buSzPct val="25000"/>
               <a:buFont typeface="Calibri"/>
               <a:buNone/>
             </a:pPr>
@@ -4491,7 +4524,7 @@
               <a:spcAft>
                 <a:spcPts val="0"/>
               </a:spcAft>
-              <a:buSzPct val="70000"/>
+              <a:buSzPts val="1400"/>
               <a:buNone/>
               <a:defRPr b="1" i="0" sz="2000" u="none" cap="none" strike="noStrike">
                 <a:solidFill>
@@ -4510,7 +4543,7 @@
               <a:spcAft>
                 <a:spcPts val="0"/>
               </a:spcAft>
-              <a:buSzPct val="31818"/>
+              <a:buSzPts val="1400"/>
               <a:buNone/>
               <a:defRPr b="0" i="0" sz="4400" u="none" cap="none" strike="noStrike">
                 <a:solidFill>
@@ -4529,7 +4562,7 @@
               <a:spcAft>
                 <a:spcPts val="0"/>
               </a:spcAft>
-              <a:buSzPct val="31818"/>
+              <a:buSzPts val="1400"/>
               <a:buNone/>
               <a:defRPr b="0" i="0" sz="4400" u="none" cap="none" strike="noStrike">
                 <a:solidFill>
@@ -4548,7 +4581,7 @@
               <a:spcAft>
                 <a:spcPts val="0"/>
               </a:spcAft>
-              <a:buSzPct val="31818"/>
+              <a:buSzPts val="1400"/>
               <a:buNone/>
               <a:defRPr b="0" i="0" sz="4400" u="none" cap="none" strike="noStrike">
                 <a:solidFill>
@@ -4567,7 +4600,7 @@
               <a:spcAft>
                 <a:spcPts val="0"/>
               </a:spcAft>
-              <a:buSzPct val="31818"/>
+              <a:buSzPts val="1400"/>
               <a:buNone/>
               <a:defRPr b="0" i="0" sz="4400" u="none" cap="none" strike="noStrike">
                 <a:solidFill>
@@ -4586,7 +4619,7 @@
               <a:spcAft>
                 <a:spcPts val="0"/>
               </a:spcAft>
-              <a:buSzPct val="31818"/>
+              <a:buSzPts val="1400"/>
               <a:buNone/>
               <a:defRPr b="0" i="0" sz="4400" u="none" cap="none" strike="noStrike">
                 <a:solidFill>
@@ -4605,7 +4638,7 @@
               <a:spcAft>
                 <a:spcPts val="0"/>
               </a:spcAft>
-              <a:buSzPct val="31818"/>
+              <a:buSzPts val="1400"/>
               <a:buNone/>
               <a:defRPr b="0" i="0" sz="4400" u="none" cap="none" strike="noStrike">
                 <a:solidFill>
@@ -4624,7 +4657,7 @@
               <a:spcAft>
                 <a:spcPts val="0"/>
               </a:spcAft>
-              <a:buSzPct val="31818"/>
+              <a:buSzPts val="1400"/>
               <a:buNone/>
               <a:defRPr b="0" i="0" sz="4400" u="none" cap="none" strike="noStrike">
                 <a:solidFill>
@@ -4643,7 +4676,7 @@
               <a:spcAft>
                 <a:spcPts val="0"/>
               </a:spcAft>
-              <a:buSzPct val="31818"/>
+              <a:buSzPts val="1400"/>
               <a:buNone/>
               <a:defRPr b="0" i="0" sz="4400" u="none" cap="none" strike="noStrike">
                 <a:solidFill>
@@ -4693,7 +4726,7 @@
               <a:buClr>
                 <a:schemeClr val="dk1"/>
               </a:buClr>
-              <a:buSzPct val="43750"/>
+              <a:buSzPts val="1400"/>
               <a:buFont typeface="Arial"/>
               <a:buNone/>
               <a:defRPr sz="3200">
@@ -4716,7 +4749,7 @@
               <a:buClr>
                 <a:schemeClr val="dk1"/>
               </a:buClr>
-              <a:buSzPct val="50000"/>
+              <a:buSzPts val="1400"/>
               <a:buFont typeface="Arial"/>
               <a:buNone/>
               <a:defRPr b="0" i="0" sz="2800" u="none" cap="none" strike="noStrike">
@@ -4739,7 +4772,7 @@
               <a:buClr>
                 <a:schemeClr val="dk1"/>
               </a:buClr>
-              <a:buSzPct val="58333"/>
+              <a:buSzPts val="1400"/>
               <a:buFont typeface="Arial"/>
               <a:buNone/>
               <a:defRPr b="0" i="0" sz="2400" u="none" cap="none" strike="noStrike">
@@ -4762,7 +4795,7 @@
               <a:buClr>
                 <a:schemeClr val="dk1"/>
               </a:buClr>
-              <a:buSzPct val="70000"/>
+              <a:buSzPts val="1400"/>
               <a:buFont typeface="Arial"/>
               <a:buNone/>
               <a:defRPr b="0" i="0" sz="2000" u="none" cap="none" strike="noStrike">
@@ -4785,7 +4818,7 @@
               <a:buClr>
                 <a:schemeClr val="dk1"/>
               </a:buClr>
-              <a:buSzPct val="70000"/>
+              <a:buSzPts val="1400"/>
               <a:buFont typeface="Arial"/>
               <a:buNone/>
               <a:defRPr b="0" i="0" sz="2000" u="none" cap="none" strike="noStrike">
@@ -4805,7 +4838,7 @@
               <a:buClr>
                 <a:schemeClr val="dk1"/>
               </a:buClr>
-              <a:buSzPct val="70000"/>
+              <a:buSzPts val="1400"/>
               <a:buFont typeface="Arial"/>
               <a:buNone/>
               <a:defRPr b="0" i="0" sz="2000" u="none" cap="none" strike="noStrike">
@@ -4825,7 +4858,7 @@
               <a:buClr>
                 <a:schemeClr val="dk1"/>
               </a:buClr>
-              <a:buSzPct val="70000"/>
+              <a:buSzPts val="1400"/>
               <a:buFont typeface="Arial"/>
               <a:buNone/>
               <a:defRPr b="0" i="0" sz="2000" u="none" cap="none" strike="noStrike">
@@ -4845,7 +4878,7 @@
               <a:buClr>
                 <a:schemeClr val="dk1"/>
               </a:buClr>
-              <a:buSzPct val="70000"/>
+              <a:buSzPts val="1400"/>
               <a:buFont typeface="Arial"/>
               <a:buNone/>
               <a:defRPr b="0" i="0" sz="2000" u="none" cap="none" strike="noStrike">
@@ -4865,7 +4898,7 @@
               <a:buClr>
                 <a:schemeClr val="dk1"/>
               </a:buClr>
-              <a:buSzPct val="70000"/>
+              <a:buSzPts val="1400"/>
               <a:buFont typeface="Arial"/>
               <a:buNone/>
               <a:defRPr b="0" i="0" sz="2000" u="none" cap="none" strike="noStrike">
@@ -4916,7 +4949,7 @@
               <a:buClr>
                 <a:schemeClr val="dk1"/>
               </a:buClr>
-              <a:buSzPct val="228571"/>
+              <a:buSzPts val="3200"/>
               <a:buFont typeface="Arial"/>
               <a:buNone/>
               <a:defRPr sz="1400">
@@ -4939,7 +4972,7 @@
               <a:buClr>
                 <a:schemeClr val="dk1"/>
               </a:buClr>
-              <a:buSzPct val="233333"/>
+              <a:buSzPts val="2800"/>
               <a:buFont typeface="Arial"/>
               <a:buNone/>
               <a:defRPr b="0" i="0" sz="1200" u="none" cap="none" strike="noStrike">
@@ -4962,7 +4995,7 @@
               <a:buClr>
                 <a:schemeClr val="dk1"/>
               </a:buClr>
-              <a:buSzPct val="240000"/>
+              <a:buSzPts val="2400"/>
               <a:buFont typeface="Arial"/>
               <a:buNone/>
               <a:defRPr b="0" i="0" sz="1000" u="none" cap="none" strike="noStrike">
@@ -4985,7 +5018,7 @@
               <a:buClr>
                 <a:schemeClr val="dk1"/>
               </a:buClr>
-              <a:buSzPct val="222222"/>
+              <a:buSzPts val="2000"/>
               <a:buFont typeface="Arial"/>
               <a:buNone/>
               <a:defRPr b="0" i="0" sz="900" u="none" cap="none" strike="noStrike">
@@ -5008,7 +5041,7 @@
               <a:buClr>
                 <a:schemeClr val="dk1"/>
               </a:buClr>
-              <a:buSzPct val="222222"/>
+              <a:buSzPts val="2000"/>
               <a:buFont typeface="Arial"/>
               <a:buNone/>
               <a:defRPr b="0" i="0" sz="900" u="none" cap="none" strike="noStrike">
@@ -5028,7 +5061,7 @@
               <a:buClr>
                 <a:schemeClr val="dk1"/>
               </a:buClr>
-              <a:buSzPct val="222222"/>
+              <a:buSzPts val="2000"/>
               <a:buFont typeface="Arial"/>
               <a:buNone/>
               <a:defRPr b="0" i="0" sz="900" u="none" cap="none" strike="noStrike">
@@ -5048,7 +5081,7 @@
               <a:buClr>
                 <a:schemeClr val="dk1"/>
               </a:buClr>
-              <a:buSzPct val="222222"/>
+              <a:buSzPts val="2000"/>
               <a:buFont typeface="Arial"/>
               <a:buNone/>
               <a:defRPr b="0" i="0" sz="900" u="none" cap="none" strike="noStrike">
@@ -5068,7 +5101,7 @@
               <a:buClr>
                 <a:schemeClr val="dk1"/>
               </a:buClr>
-              <a:buSzPct val="222222"/>
+              <a:buSzPts val="2000"/>
               <a:buFont typeface="Arial"/>
               <a:buNone/>
               <a:defRPr b="0" i="0" sz="900" u="none" cap="none" strike="noStrike">
@@ -5088,7 +5121,7 @@
               <a:buClr>
                 <a:schemeClr val="dk1"/>
               </a:buClr>
-              <a:buSzPct val="222222"/>
+              <a:buSzPts val="2000"/>
               <a:buFont typeface="Arial"/>
               <a:buNone/>
               <a:defRPr b="0" i="0" sz="900" u="none" cap="none" strike="noStrike">
@@ -5139,7 +5172,7 @@
               <a:spcAft>
                 <a:spcPts val="0"/>
               </a:spcAft>
-              <a:buSzPct val="116666"/>
+              <a:buSzPts val="1400"/>
               <a:buNone/>
               <a:defRPr b="0" i="0" sz="1200" u="none">
                 <a:solidFill>
@@ -5161,7 +5194,7 @@
               <a:spcAft>
                 <a:spcPts val="0"/>
               </a:spcAft>
-              <a:buSzPct val="77777"/>
+              <a:buSzPts val="1400"/>
               <a:buNone/>
               <a:defRPr b="0" i="0" sz="1800" u="none" cap="none" strike="noStrike">
                 <a:solidFill>
@@ -5183,7 +5216,7 @@
               <a:spcAft>
                 <a:spcPts val="0"/>
               </a:spcAft>
-              <a:buSzPct val="77777"/>
+              <a:buSzPts val="1400"/>
               <a:buNone/>
               <a:defRPr b="0" i="0" sz="1800" u="none" cap="none" strike="noStrike">
                 <a:solidFill>
@@ -5205,7 +5238,7 @@
               <a:spcAft>
                 <a:spcPts val="0"/>
               </a:spcAft>
-              <a:buSzPct val="77777"/>
+              <a:buSzPts val="1400"/>
               <a:buNone/>
               <a:defRPr b="0" i="0" sz="1800" u="none" cap="none" strike="noStrike">
                 <a:solidFill>
@@ -5227,7 +5260,7 @@
               <a:spcAft>
                 <a:spcPts val="0"/>
               </a:spcAft>
-              <a:buSzPct val="77777"/>
+              <a:buSzPts val="1400"/>
               <a:buNone/>
               <a:defRPr b="0" i="0" sz="1800" u="none" cap="none" strike="noStrike">
                 <a:solidFill>
@@ -5249,7 +5282,7 @@
               <a:spcAft>
                 <a:spcPts val="0"/>
               </a:spcAft>
-              <a:buSzPct val="77777"/>
+              <a:buSzPts val="1400"/>
               <a:buNone/>
               <a:defRPr b="0" i="0" sz="1800" u="none" cap="none" strike="noStrike">
                 <a:solidFill>
@@ -5271,7 +5304,7 @@
               <a:spcAft>
                 <a:spcPts val="0"/>
               </a:spcAft>
-              <a:buSzPct val="77777"/>
+              <a:buSzPts val="1400"/>
               <a:buNone/>
               <a:defRPr b="0" i="0" sz="1800" u="none" cap="none" strike="noStrike">
                 <a:solidFill>
@@ -5293,7 +5326,7 @@
               <a:spcAft>
                 <a:spcPts val="0"/>
               </a:spcAft>
-              <a:buSzPct val="77777"/>
+              <a:buSzPts val="1400"/>
               <a:buNone/>
               <a:defRPr b="0" i="0" sz="1800" u="none" cap="none" strike="noStrike">
                 <a:solidFill>
@@ -5315,7 +5348,7 @@
               <a:spcAft>
                 <a:spcPts val="0"/>
               </a:spcAft>
-              <a:buSzPct val="77777"/>
+              <a:buSzPts val="1400"/>
               <a:buNone/>
               <a:defRPr b="0" i="0" sz="1800" u="none" cap="none" strike="noStrike">
                 <a:solidFill>
@@ -5365,7 +5398,7 @@
               <a:spcAft>
                 <a:spcPts val="0"/>
               </a:spcAft>
-              <a:buSzPct val="77777"/>
+              <a:buSzPts val="1400"/>
               <a:buNone/>
               <a:defRPr b="0" i="0" sz="1800" u="none">
                 <a:solidFill>
@@ -5387,7 +5420,7 @@
               <a:spcAft>
                 <a:spcPts val="0"/>
               </a:spcAft>
-              <a:buSzPct val="77777"/>
+              <a:buSzPts val="1400"/>
               <a:buNone/>
               <a:defRPr b="0" i="0" sz="1800" u="none" cap="none" strike="noStrike">
                 <a:solidFill>
@@ -5409,7 +5442,7 @@
               <a:spcAft>
                 <a:spcPts val="0"/>
               </a:spcAft>
-              <a:buSzPct val="77777"/>
+              <a:buSzPts val="1400"/>
               <a:buNone/>
               <a:defRPr b="0" i="0" sz="1800" u="none" cap="none" strike="noStrike">
                 <a:solidFill>
@@ -5431,7 +5464,7 @@
               <a:spcAft>
                 <a:spcPts val="0"/>
               </a:spcAft>
-              <a:buSzPct val="77777"/>
+              <a:buSzPts val="1400"/>
               <a:buNone/>
               <a:defRPr b="0" i="0" sz="1800" u="none" cap="none" strike="noStrike">
                 <a:solidFill>
@@ -5453,7 +5486,7 @@
               <a:spcAft>
                 <a:spcPts val="0"/>
               </a:spcAft>
-              <a:buSzPct val="77777"/>
+              <a:buSzPts val="1400"/>
               <a:buNone/>
               <a:defRPr b="0" i="0" sz="1800" u="none" cap="none" strike="noStrike">
                 <a:solidFill>
@@ -5475,7 +5508,7 @@
               <a:spcAft>
                 <a:spcPts val="0"/>
               </a:spcAft>
-              <a:buSzPct val="77777"/>
+              <a:buSzPts val="1400"/>
               <a:buNone/>
               <a:defRPr b="0" i="0" sz="1800" u="none" cap="none" strike="noStrike">
                 <a:solidFill>
@@ -5497,7 +5530,7 @@
               <a:spcAft>
                 <a:spcPts val="0"/>
               </a:spcAft>
-              <a:buSzPct val="77777"/>
+              <a:buSzPts val="1400"/>
               <a:buNone/>
               <a:defRPr b="0" i="0" sz="1800" u="none" cap="none" strike="noStrike">
                 <a:solidFill>
@@ -5519,7 +5552,7 @@
               <a:spcAft>
                 <a:spcPts val="0"/>
               </a:spcAft>
-              <a:buSzPct val="77777"/>
+              <a:buSzPts val="1400"/>
               <a:buNone/>
               <a:defRPr b="0" i="0" sz="1800" u="none" cap="none" strike="noStrike">
                 <a:solidFill>
@@ -5541,7 +5574,7 @@
               <a:spcAft>
                 <a:spcPts val="0"/>
               </a:spcAft>
-              <a:buSzPct val="77777"/>
+              <a:buSzPts val="1400"/>
               <a:buNone/>
               <a:defRPr b="0" i="0" sz="1800" u="none" cap="none" strike="noStrike">
                 <a:solidFill>
@@ -5597,7 +5630,6 @@
               <a:buClr>
                 <a:srgbClr val="898989"/>
               </a:buClr>
-              <a:buSzPct val="25000"/>
               <a:buFont typeface="Calibri"/>
               <a:buNone/>
             </a:pPr>
@@ -5672,7 +5704,7 @@
               <a:spcAft>
                 <a:spcPts val="0"/>
               </a:spcAft>
-              <a:buSzPct val="70000"/>
+              <a:buSzPts val="1400"/>
               <a:buNone/>
               <a:defRPr b="1" i="0" sz="2000" u="none" cap="none" strike="noStrike">
                 <a:solidFill>
@@ -5691,7 +5723,7 @@
               <a:spcAft>
                 <a:spcPts val="0"/>
               </a:spcAft>
-              <a:buSzPct val="31818"/>
+              <a:buSzPts val="1400"/>
               <a:buNone/>
               <a:defRPr b="0" i="0" sz="4400" u="none" cap="none" strike="noStrike">
                 <a:solidFill>
@@ -5710,7 +5742,7 @@
               <a:spcAft>
                 <a:spcPts val="0"/>
               </a:spcAft>
-              <a:buSzPct val="31818"/>
+              <a:buSzPts val="1400"/>
               <a:buNone/>
               <a:defRPr b="0" i="0" sz="4400" u="none" cap="none" strike="noStrike">
                 <a:solidFill>
@@ -5729,7 +5761,7 @@
               <a:spcAft>
                 <a:spcPts val="0"/>
               </a:spcAft>
-              <a:buSzPct val="31818"/>
+              <a:buSzPts val="1400"/>
               <a:buNone/>
               <a:defRPr b="0" i="0" sz="4400" u="none" cap="none" strike="noStrike">
                 <a:solidFill>
@@ -5748,7 +5780,7 @@
               <a:spcAft>
                 <a:spcPts val="0"/>
               </a:spcAft>
-              <a:buSzPct val="31818"/>
+              <a:buSzPts val="1400"/>
               <a:buNone/>
               <a:defRPr b="0" i="0" sz="4400" u="none" cap="none" strike="noStrike">
                 <a:solidFill>
@@ -5767,7 +5799,7 @@
               <a:spcAft>
                 <a:spcPts val="0"/>
               </a:spcAft>
-              <a:buSzPct val="31818"/>
+              <a:buSzPts val="1400"/>
               <a:buNone/>
               <a:defRPr b="0" i="0" sz="4400" u="none" cap="none" strike="noStrike">
                 <a:solidFill>
@@ -5786,7 +5818,7 @@
               <a:spcAft>
                 <a:spcPts val="0"/>
               </a:spcAft>
-              <a:buSzPct val="31818"/>
+              <a:buSzPts val="1400"/>
               <a:buNone/>
               <a:defRPr b="0" i="0" sz="4400" u="none" cap="none" strike="noStrike">
                 <a:solidFill>
@@ -5805,7 +5837,7 @@
               <a:spcAft>
                 <a:spcPts val="0"/>
               </a:spcAft>
-              <a:buSzPct val="31818"/>
+              <a:buSzPts val="1400"/>
               <a:buNone/>
               <a:defRPr b="0" i="0" sz="4400" u="none" cap="none" strike="noStrike">
                 <a:solidFill>
@@ -5824,7 +5856,7 @@
               <a:spcAft>
                 <a:spcPts val="0"/>
               </a:spcAft>
-              <a:buSzPct val="31818"/>
+              <a:buSzPts val="1400"/>
               <a:buNone/>
               <a:defRPr b="0" i="0" sz="4400" u="none" cap="none" strike="noStrike">
                 <a:solidFill>
@@ -5874,7 +5906,7 @@
               <a:buClr>
                 <a:schemeClr val="dk1"/>
               </a:buClr>
-              <a:buSzPct val="100000"/>
+              <a:buSzPts val="3200"/>
               <a:buFont typeface="Arial"/>
               <a:buChar char="•"/>
               <a:defRPr sz="3200">
@@ -5897,7 +5929,7 @@
               <a:buClr>
                 <a:schemeClr val="dk1"/>
               </a:buClr>
-              <a:buSzPct val="100000"/>
+              <a:buSzPts val="2800"/>
               <a:buFont typeface="Arial"/>
               <a:buChar char="–"/>
               <a:defRPr b="0" i="0" sz="2800" u="none" cap="none" strike="noStrike">
@@ -5920,7 +5952,7 @@
               <a:buClr>
                 <a:schemeClr val="dk1"/>
               </a:buClr>
-              <a:buSzPct val="100000"/>
+              <a:buSzPts val="2400"/>
               <a:buFont typeface="Arial"/>
               <a:buChar char="•"/>
               <a:defRPr b="0" i="0" sz="2400" u="none" cap="none" strike="noStrike">
@@ -5943,7 +5975,7 @@
               <a:buClr>
                 <a:schemeClr val="dk1"/>
               </a:buClr>
-              <a:buSzPct val="100000"/>
+              <a:buSzPts val="2000"/>
               <a:buFont typeface="Arial"/>
               <a:buChar char="–"/>
               <a:defRPr b="0" i="0" sz="2000" u="none" cap="none" strike="noStrike">
@@ -5966,7 +5998,7 @@
               <a:buClr>
                 <a:schemeClr val="dk1"/>
               </a:buClr>
-              <a:buSzPct val="100000"/>
+              <a:buSzPts val="2000"/>
               <a:buFont typeface="Arial"/>
               <a:buChar char="»"/>
               <a:defRPr b="0" i="0" sz="2000" u="none" cap="none" strike="noStrike">
@@ -5986,7 +6018,7 @@
               <a:buClr>
                 <a:schemeClr val="dk1"/>
               </a:buClr>
-              <a:buSzPct val="100000"/>
+              <a:buSzPts val="2000"/>
               <a:buFont typeface="Arial"/>
               <a:buChar char="•"/>
               <a:defRPr b="0" i="0" sz="2000" u="none" cap="none" strike="noStrike">
@@ -6006,7 +6038,7 @@
               <a:buClr>
                 <a:schemeClr val="dk1"/>
               </a:buClr>
-              <a:buSzPct val="100000"/>
+              <a:buSzPts val="2000"/>
               <a:buFont typeface="Arial"/>
               <a:buChar char="•"/>
               <a:defRPr b="0" i="0" sz="2000" u="none" cap="none" strike="noStrike">
@@ -6026,7 +6058,7 @@
               <a:buClr>
                 <a:schemeClr val="dk1"/>
               </a:buClr>
-              <a:buSzPct val="100000"/>
+              <a:buSzPts val="2000"/>
               <a:buFont typeface="Arial"/>
               <a:buChar char="•"/>
               <a:defRPr b="0" i="0" sz="2000" u="none" cap="none" strike="noStrike">
@@ -6046,7 +6078,7 @@
               <a:buClr>
                 <a:schemeClr val="dk1"/>
               </a:buClr>
-              <a:buSzPct val="100000"/>
+              <a:buSzPts val="2000"/>
               <a:buFont typeface="Arial"/>
               <a:buChar char="•"/>
               <a:defRPr b="0" i="0" sz="2000" u="none" cap="none" strike="noStrike">
@@ -6097,7 +6129,7 @@
               <a:buClr>
                 <a:schemeClr val="dk1"/>
               </a:buClr>
-              <a:buSzPct val="228571"/>
+              <a:buSzPts val="3200"/>
               <a:buFont typeface="Arial"/>
               <a:buNone/>
               <a:defRPr sz="1400">
@@ -6120,7 +6152,7 @@
               <a:buClr>
                 <a:schemeClr val="dk1"/>
               </a:buClr>
-              <a:buSzPct val="233333"/>
+              <a:buSzPts val="2800"/>
               <a:buFont typeface="Arial"/>
               <a:buNone/>
               <a:defRPr b="0" i="0" sz="1200" u="none" cap="none" strike="noStrike">
@@ -6143,7 +6175,7 @@
               <a:buClr>
                 <a:schemeClr val="dk1"/>
               </a:buClr>
-              <a:buSzPct val="240000"/>
+              <a:buSzPts val="2400"/>
               <a:buFont typeface="Arial"/>
               <a:buNone/>
               <a:defRPr b="0" i="0" sz="1000" u="none" cap="none" strike="noStrike">
@@ -6166,7 +6198,7 @@
               <a:buClr>
                 <a:schemeClr val="dk1"/>
               </a:buClr>
-              <a:buSzPct val="222222"/>
+              <a:buSzPts val="2000"/>
               <a:buFont typeface="Arial"/>
               <a:buNone/>
               <a:defRPr b="0" i="0" sz="900" u="none" cap="none" strike="noStrike">
@@ -6189,7 +6221,7 @@
               <a:buClr>
                 <a:schemeClr val="dk1"/>
               </a:buClr>
-              <a:buSzPct val="222222"/>
+              <a:buSzPts val="2000"/>
               <a:buFont typeface="Arial"/>
               <a:buNone/>
               <a:defRPr b="0" i="0" sz="900" u="none" cap="none" strike="noStrike">
@@ -6209,7 +6241,7 @@
               <a:buClr>
                 <a:schemeClr val="dk1"/>
               </a:buClr>
-              <a:buSzPct val="222222"/>
+              <a:buSzPts val="2000"/>
               <a:buFont typeface="Arial"/>
               <a:buNone/>
               <a:defRPr b="0" i="0" sz="900" u="none" cap="none" strike="noStrike">
@@ -6229,7 +6261,7 @@
               <a:buClr>
                 <a:schemeClr val="dk1"/>
               </a:buClr>
-              <a:buSzPct val="222222"/>
+              <a:buSzPts val="2000"/>
               <a:buFont typeface="Arial"/>
               <a:buNone/>
               <a:defRPr b="0" i="0" sz="900" u="none" cap="none" strike="noStrike">
@@ -6249,7 +6281,7 @@
               <a:buClr>
                 <a:schemeClr val="dk1"/>
               </a:buClr>
-              <a:buSzPct val="222222"/>
+              <a:buSzPts val="2000"/>
               <a:buFont typeface="Arial"/>
               <a:buNone/>
               <a:defRPr b="0" i="0" sz="900" u="none" cap="none" strike="noStrike">
@@ -6269,7 +6301,7 @@
               <a:buClr>
                 <a:schemeClr val="dk1"/>
               </a:buClr>
-              <a:buSzPct val="222222"/>
+              <a:buSzPts val="2000"/>
               <a:buFont typeface="Arial"/>
               <a:buNone/>
               <a:defRPr b="0" i="0" sz="900" u="none" cap="none" strike="noStrike">
@@ -6320,7 +6352,7 @@
               <a:spcAft>
                 <a:spcPts val="0"/>
               </a:spcAft>
-              <a:buSzPct val="116666"/>
+              <a:buSzPts val="1400"/>
               <a:buNone/>
               <a:defRPr b="0" i="0" sz="1200" u="none">
                 <a:solidFill>
@@ -6342,7 +6374,7 @@
               <a:spcAft>
                 <a:spcPts val="0"/>
               </a:spcAft>
-              <a:buSzPct val="77777"/>
+              <a:buSzPts val="1400"/>
               <a:buNone/>
               <a:defRPr b="0" i="0" sz="1800" u="none" cap="none" strike="noStrike">
                 <a:solidFill>
@@ -6364,7 +6396,7 @@
               <a:spcAft>
                 <a:spcPts val="0"/>
               </a:spcAft>
-              <a:buSzPct val="77777"/>
+              <a:buSzPts val="1400"/>
               <a:buNone/>
               <a:defRPr b="0" i="0" sz="1800" u="none" cap="none" strike="noStrike">
                 <a:solidFill>
@@ -6386,7 +6418,7 @@
               <a:spcAft>
                 <a:spcPts val="0"/>
               </a:spcAft>
-              <a:buSzPct val="77777"/>
+              <a:buSzPts val="1400"/>
               <a:buNone/>
               <a:defRPr b="0" i="0" sz="1800" u="none" cap="none" strike="noStrike">
                 <a:solidFill>
@@ -6408,7 +6440,7 @@
               <a:spcAft>
                 <a:spcPts val="0"/>
               </a:spcAft>
-              <a:buSzPct val="77777"/>
+              <a:buSzPts val="1400"/>
               <a:buNone/>
               <a:defRPr b="0" i="0" sz="1800" u="none" cap="none" strike="noStrike">
                 <a:solidFill>
@@ -6430,7 +6462,7 @@
               <a:spcAft>
                 <a:spcPts val="0"/>
               </a:spcAft>
-              <a:buSzPct val="77777"/>
+              <a:buSzPts val="1400"/>
               <a:buNone/>
               <a:defRPr b="0" i="0" sz="1800" u="none" cap="none" strike="noStrike">
                 <a:solidFill>
@@ -6452,7 +6484,7 @@
               <a:spcAft>
                 <a:spcPts val="0"/>
               </a:spcAft>
-              <a:buSzPct val="77777"/>
+              <a:buSzPts val="1400"/>
               <a:buNone/>
               <a:defRPr b="0" i="0" sz="1800" u="none" cap="none" strike="noStrike">
                 <a:solidFill>
@@ -6474,7 +6506,7 @@
               <a:spcAft>
                 <a:spcPts val="0"/>
               </a:spcAft>
-              <a:buSzPct val="77777"/>
+              <a:buSzPts val="1400"/>
               <a:buNone/>
               <a:defRPr b="0" i="0" sz="1800" u="none" cap="none" strike="noStrike">
                 <a:solidFill>
@@ -6496,7 +6528,7 @@
               <a:spcAft>
                 <a:spcPts val="0"/>
               </a:spcAft>
-              <a:buSzPct val="77777"/>
+              <a:buSzPts val="1400"/>
               <a:buNone/>
               <a:defRPr b="0" i="0" sz="1800" u="none" cap="none" strike="noStrike">
                 <a:solidFill>
@@ -6546,7 +6578,7 @@
               <a:spcAft>
                 <a:spcPts val="0"/>
               </a:spcAft>
-              <a:buSzPct val="77777"/>
+              <a:buSzPts val="1400"/>
               <a:buNone/>
               <a:defRPr b="0" i="0" sz="1800" u="none">
                 <a:solidFill>
@@ -6568,7 +6600,7 @@
               <a:spcAft>
                 <a:spcPts val="0"/>
               </a:spcAft>
-              <a:buSzPct val="77777"/>
+              <a:buSzPts val="1400"/>
               <a:buNone/>
               <a:defRPr b="0" i="0" sz="1800" u="none" cap="none" strike="noStrike">
                 <a:solidFill>
@@ -6590,7 +6622,7 @@
               <a:spcAft>
                 <a:spcPts val="0"/>
               </a:spcAft>
-              <a:buSzPct val="77777"/>
+              <a:buSzPts val="1400"/>
               <a:buNone/>
               <a:defRPr b="0" i="0" sz="1800" u="none" cap="none" strike="noStrike">
                 <a:solidFill>
@@ -6612,7 +6644,7 @@
               <a:spcAft>
                 <a:spcPts val="0"/>
               </a:spcAft>
-              <a:buSzPct val="77777"/>
+              <a:buSzPts val="1400"/>
               <a:buNone/>
               <a:defRPr b="0" i="0" sz="1800" u="none" cap="none" strike="noStrike">
                 <a:solidFill>
@@ -6634,7 +6666,7 @@
               <a:spcAft>
                 <a:spcPts val="0"/>
               </a:spcAft>
-              <a:buSzPct val="77777"/>
+              <a:buSzPts val="1400"/>
               <a:buNone/>
               <a:defRPr b="0" i="0" sz="1800" u="none" cap="none" strike="noStrike">
                 <a:solidFill>
@@ -6656,7 +6688,7 @@
               <a:spcAft>
                 <a:spcPts val="0"/>
               </a:spcAft>
-              <a:buSzPct val="77777"/>
+              <a:buSzPts val="1400"/>
               <a:buNone/>
               <a:defRPr b="0" i="0" sz="1800" u="none" cap="none" strike="noStrike">
                 <a:solidFill>
@@ -6678,7 +6710,7 @@
               <a:spcAft>
                 <a:spcPts val="0"/>
               </a:spcAft>
-              <a:buSzPct val="77777"/>
+              <a:buSzPts val="1400"/>
               <a:buNone/>
               <a:defRPr b="0" i="0" sz="1800" u="none" cap="none" strike="noStrike">
                 <a:solidFill>
@@ -6700,7 +6732,7 @@
               <a:spcAft>
                 <a:spcPts val="0"/>
               </a:spcAft>
-              <a:buSzPct val="77777"/>
+              <a:buSzPts val="1400"/>
               <a:buNone/>
               <a:defRPr b="0" i="0" sz="1800" u="none" cap="none" strike="noStrike">
                 <a:solidFill>
@@ -6722,7 +6754,7 @@
               <a:spcAft>
                 <a:spcPts val="0"/>
               </a:spcAft>
-              <a:buSzPct val="77777"/>
+              <a:buSzPts val="1400"/>
               <a:buNone/>
               <a:defRPr b="0" i="0" sz="1800" u="none" cap="none" strike="noStrike">
                 <a:solidFill>
@@ -6778,7 +6810,6 @@
               <a:buClr>
                 <a:srgbClr val="898989"/>
               </a:buClr>
-              <a:buSzPct val="25000"/>
               <a:buFont typeface="Calibri"/>
               <a:buNone/>
             </a:pPr>
@@ -6856,7 +6887,7 @@
               <a:spcAft>
                 <a:spcPts val="0"/>
               </a:spcAft>
-              <a:buSzPct val="116666"/>
+              <a:buSzPts val="1400"/>
               <a:buNone/>
               <a:defRPr b="0" i="0" sz="1200" u="none">
                 <a:solidFill>
@@ -6878,7 +6909,7 @@
               <a:spcAft>
                 <a:spcPts val="0"/>
               </a:spcAft>
-              <a:buSzPct val="77777"/>
+              <a:buSzPts val="1400"/>
               <a:buNone/>
               <a:defRPr b="0" i="0" sz="1800" u="none" cap="none" strike="noStrike">
                 <a:solidFill>
@@ -6900,7 +6931,7 @@
               <a:spcAft>
                 <a:spcPts val="0"/>
               </a:spcAft>
-              <a:buSzPct val="77777"/>
+              <a:buSzPts val="1400"/>
               <a:buNone/>
               <a:defRPr b="0" i="0" sz="1800" u="none" cap="none" strike="noStrike">
                 <a:solidFill>
@@ -6922,7 +6953,7 @@
               <a:spcAft>
                 <a:spcPts val="0"/>
               </a:spcAft>
-              <a:buSzPct val="77777"/>
+              <a:buSzPts val="1400"/>
               <a:buNone/>
               <a:defRPr b="0" i="0" sz="1800" u="none" cap="none" strike="noStrike">
                 <a:solidFill>
@@ -6944,7 +6975,7 @@
               <a:spcAft>
                 <a:spcPts val="0"/>
               </a:spcAft>
-              <a:buSzPct val="77777"/>
+              <a:buSzPts val="1400"/>
               <a:buNone/>
               <a:defRPr b="0" i="0" sz="1800" u="none" cap="none" strike="noStrike">
                 <a:solidFill>
@@ -6966,7 +6997,7 @@
               <a:spcAft>
                 <a:spcPts val="0"/>
               </a:spcAft>
-              <a:buSzPct val="77777"/>
+              <a:buSzPts val="1400"/>
               <a:buNone/>
               <a:defRPr b="0" i="0" sz="1800" u="none" cap="none" strike="noStrike">
                 <a:solidFill>
@@ -6988,7 +7019,7 @@
               <a:spcAft>
                 <a:spcPts val="0"/>
               </a:spcAft>
-              <a:buSzPct val="77777"/>
+              <a:buSzPts val="1400"/>
               <a:buNone/>
               <a:defRPr b="0" i="0" sz="1800" u="none" cap="none" strike="noStrike">
                 <a:solidFill>
@@ -7010,7 +7041,7 @@
               <a:spcAft>
                 <a:spcPts val="0"/>
               </a:spcAft>
-              <a:buSzPct val="77777"/>
+              <a:buSzPts val="1400"/>
               <a:buNone/>
               <a:defRPr b="0" i="0" sz="1800" u="none" cap="none" strike="noStrike">
                 <a:solidFill>
@@ -7032,7 +7063,7 @@
               <a:spcAft>
                 <a:spcPts val="0"/>
               </a:spcAft>
-              <a:buSzPct val="77777"/>
+              <a:buSzPts val="1400"/>
               <a:buNone/>
               <a:defRPr b="0" i="0" sz="1800" u="none" cap="none" strike="noStrike">
                 <a:solidFill>
@@ -7082,7 +7113,7 @@
               <a:spcAft>
                 <a:spcPts val="0"/>
               </a:spcAft>
-              <a:buSzPct val="77777"/>
+              <a:buSzPts val="1400"/>
               <a:buNone/>
               <a:defRPr b="0" i="0" sz="1800" u="none">
                 <a:solidFill>
@@ -7104,7 +7135,7 @@
               <a:spcAft>
                 <a:spcPts val="0"/>
               </a:spcAft>
-              <a:buSzPct val="77777"/>
+              <a:buSzPts val="1400"/>
               <a:buNone/>
               <a:defRPr b="0" i="0" sz="1800" u="none" cap="none" strike="noStrike">
                 <a:solidFill>
@@ -7126,7 +7157,7 @@
               <a:spcAft>
                 <a:spcPts val="0"/>
               </a:spcAft>
-              <a:buSzPct val="77777"/>
+              <a:buSzPts val="1400"/>
               <a:buNone/>
               <a:defRPr b="0" i="0" sz="1800" u="none" cap="none" strike="noStrike">
                 <a:solidFill>
@@ -7148,7 +7179,7 @@
               <a:spcAft>
                 <a:spcPts val="0"/>
               </a:spcAft>
-              <a:buSzPct val="77777"/>
+              <a:buSzPts val="1400"/>
               <a:buNone/>
               <a:defRPr b="0" i="0" sz="1800" u="none" cap="none" strike="noStrike">
                 <a:solidFill>
@@ -7170,7 +7201,7 @@
               <a:spcAft>
                 <a:spcPts val="0"/>
               </a:spcAft>
-              <a:buSzPct val="77777"/>
+              <a:buSzPts val="1400"/>
               <a:buNone/>
               <a:defRPr b="0" i="0" sz="1800" u="none" cap="none" strike="noStrike">
                 <a:solidFill>
@@ -7192,7 +7223,7 @@
               <a:spcAft>
                 <a:spcPts val="0"/>
               </a:spcAft>
-              <a:buSzPct val="77777"/>
+              <a:buSzPts val="1400"/>
               <a:buNone/>
               <a:defRPr b="0" i="0" sz="1800" u="none" cap="none" strike="noStrike">
                 <a:solidFill>
@@ -7214,7 +7245,7 @@
               <a:spcAft>
                 <a:spcPts val="0"/>
               </a:spcAft>
-              <a:buSzPct val="77777"/>
+              <a:buSzPts val="1400"/>
               <a:buNone/>
               <a:defRPr b="0" i="0" sz="1800" u="none" cap="none" strike="noStrike">
                 <a:solidFill>
@@ -7236,7 +7267,7 @@
               <a:spcAft>
                 <a:spcPts val="0"/>
               </a:spcAft>
-              <a:buSzPct val="77777"/>
+              <a:buSzPts val="1400"/>
               <a:buNone/>
               <a:defRPr b="0" i="0" sz="1800" u="none" cap="none" strike="noStrike">
                 <a:solidFill>
@@ -7258,7 +7289,7 @@
               <a:spcAft>
                 <a:spcPts val="0"/>
               </a:spcAft>
-              <a:buSzPct val="77777"/>
+              <a:buSzPts val="1400"/>
               <a:buNone/>
               <a:defRPr b="0" i="0" sz="1800" u="none" cap="none" strike="noStrike">
                 <a:solidFill>
@@ -7314,7 +7345,6 @@
               <a:buClr>
                 <a:srgbClr val="898989"/>
               </a:buClr>
-              <a:buSzPct val="25000"/>
               <a:buFont typeface="Calibri"/>
               <a:buNone/>
             </a:pPr>
@@ -7389,7 +7419,7 @@
               <a:spcAft>
                 <a:spcPts val="0"/>
               </a:spcAft>
-              <a:buSzPct val="31818"/>
+              <a:buSzPts val="1400"/>
               <a:buNone/>
               <a:defRPr b="0" i="0" sz="4400" u="none" cap="none" strike="noStrike">
                 <a:solidFill>
@@ -7408,7 +7438,7 @@
               <a:spcAft>
                 <a:spcPts val="0"/>
               </a:spcAft>
-              <a:buSzPct val="31818"/>
+              <a:buSzPts val="1400"/>
               <a:buNone/>
               <a:defRPr b="0" i="0" sz="4400" u="none" cap="none" strike="noStrike">
                 <a:solidFill>
@@ -7427,7 +7457,7 @@
               <a:spcAft>
                 <a:spcPts val="0"/>
               </a:spcAft>
-              <a:buSzPct val="31818"/>
+              <a:buSzPts val="1400"/>
               <a:buNone/>
               <a:defRPr b="0" i="0" sz="4400" u="none" cap="none" strike="noStrike">
                 <a:solidFill>
@@ -7446,7 +7476,7 @@
               <a:spcAft>
                 <a:spcPts val="0"/>
               </a:spcAft>
-              <a:buSzPct val="31818"/>
+              <a:buSzPts val="1400"/>
               <a:buNone/>
               <a:defRPr b="0" i="0" sz="4400" u="none" cap="none" strike="noStrike">
                 <a:solidFill>
@@ -7465,7 +7495,7 @@
               <a:spcAft>
                 <a:spcPts val="0"/>
               </a:spcAft>
-              <a:buSzPct val="31818"/>
+              <a:buSzPts val="1400"/>
               <a:buNone/>
               <a:defRPr b="0" i="0" sz="4400" u="none" cap="none" strike="noStrike">
                 <a:solidFill>
@@ -7484,7 +7514,7 @@
               <a:spcAft>
                 <a:spcPts val="0"/>
               </a:spcAft>
-              <a:buSzPct val="31818"/>
+              <a:buSzPts val="1400"/>
               <a:buNone/>
               <a:defRPr b="0" i="0" sz="4400" u="none" cap="none" strike="noStrike">
                 <a:solidFill>
@@ -7503,7 +7533,7 @@
               <a:spcAft>
                 <a:spcPts val="0"/>
               </a:spcAft>
-              <a:buSzPct val="31818"/>
+              <a:buSzPts val="1400"/>
               <a:buNone/>
               <a:defRPr b="0" i="0" sz="4400" u="none" cap="none" strike="noStrike">
                 <a:solidFill>
@@ -7522,7 +7552,7 @@
               <a:spcAft>
                 <a:spcPts val="0"/>
               </a:spcAft>
-              <a:buSzPct val="31818"/>
+              <a:buSzPts val="1400"/>
               <a:buNone/>
               <a:defRPr b="0" i="0" sz="4400" u="none" cap="none" strike="noStrike">
                 <a:solidFill>
@@ -7541,7 +7571,7 @@
               <a:spcAft>
                 <a:spcPts val="0"/>
               </a:spcAft>
-              <a:buSzPct val="31818"/>
+              <a:buSzPts val="1400"/>
               <a:buNone/>
               <a:defRPr b="0" i="0" sz="4400" u="none" cap="none" strike="noStrike">
                 <a:solidFill>
@@ -7591,7 +7621,7 @@
               <a:spcAft>
                 <a:spcPts val="0"/>
               </a:spcAft>
-              <a:buSzPct val="116666"/>
+              <a:buSzPts val="1400"/>
               <a:buNone/>
               <a:defRPr b="0" i="0" sz="1200" u="none">
                 <a:solidFill>
@@ -7613,7 +7643,7 @@
               <a:spcAft>
                 <a:spcPts val="0"/>
               </a:spcAft>
-              <a:buSzPct val="77777"/>
+              <a:buSzPts val="1400"/>
               <a:buNone/>
               <a:defRPr b="0" i="0" sz="1800" u="none" cap="none" strike="noStrike">
                 <a:solidFill>
@@ -7635,7 +7665,7 @@
               <a:spcAft>
                 <a:spcPts val="0"/>
               </a:spcAft>
-              <a:buSzPct val="77777"/>
+              <a:buSzPts val="1400"/>
               <a:buNone/>
               <a:defRPr b="0" i="0" sz="1800" u="none" cap="none" strike="noStrike">
                 <a:solidFill>
@@ -7657,7 +7687,7 @@
               <a:spcAft>
                 <a:spcPts val="0"/>
               </a:spcAft>
-              <a:buSzPct val="77777"/>
+              <a:buSzPts val="1400"/>
               <a:buNone/>
               <a:defRPr b="0" i="0" sz="1800" u="none" cap="none" strike="noStrike">
                 <a:solidFill>
@@ -7679,7 +7709,7 @@
               <a:spcAft>
                 <a:spcPts val="0"/>
               </a:spcAft>
-              <a:buSzPct val="77777"/>
+              <a:buSzPts val="1400"/>
               <a:buNone/>
               <a:defRPr b="0" i="0" sz="1800" u="none" cap="none" strike="noStrike">
                 <a:solidFill>
@@ -7701,7 +7731,7 @@
               <a:spcAft>
                 <a:spcPts val="0"/>
               </a:spcAft>
-              <a:buSzPct val="77777"/>
+              <a:buSzPts val="1400"/>
               <a:buNone/>
               <a:defRPr b="0" i="0" sz="1800" u="none" cap="none" strike="noStrike">
                 <a:solidFill>
@@ -7723,7 +7753,7 @@
               <a:spcAft>
                 <a:spcPts val="0"/>
               </a:spcAft>
-              <a:buSzPct val="77777"/>
+              <a:buSzPts val="1400"/>
               <a:buNone/>
               <a:defRPr b="0" i="0" sz="1800" u="none" cap="none" strike="noStrike">
                 <a:solidFill>
@@ -7745,7 +7775,7 @@
               <a:spcAft>
                 <a:spcPts val="0"/>
               </a:spcAft>
-              <a:buSzPct val="77777"/>
+              <a:buSzPts val="1400"/>
               <a:buNone/>
               <a:defRPr b="0" i="0" sz="1800" u="none" cap="none" strike="noStrike">
                 <a:solidFill>
@@ -7767,7 +7797,7 @@
               <a:spcAft>
                 <a:spcPts val="0"/>
               </a:spcAft>
-              <a:buSzPct val="77777"/>
+              <a:buSzPts val="1400"/>
               <a:buNone/>
               <a:defRPr b="0" i="0" sz="1800" u="none" cap="none" strike="noStrike">
                 <a:solidFill>
@@ -7817,7 +7847,7 @@
               <a:spcAft>
                 <a:spcPts val="0"/>
               </a:spcAft>
-              <a:buSzPct val="77777"/>
+              <a:buSzPts val="1400"/>
               <a:buNone/>
               <a:defRPr b="0" i="0" sz="1800" u="none">
                 <a:solidFill>
@@ -7839,7 +7869,7 @@
               <a:spcAft>
                 <a:spcPts val="0"/>
               </a:spcAft>
-              <a:buSzPct val="77777"/>
+              <a:buSzPts val="1400"/>
               <a:buNone/>
               <a:defRPr b="0" i="0" sz="1800" u="none" cap="none" strike="noStrike">
                 <a:solidFill>
@@ -7861,7 +7891,7 @@
               <a:spcAft>
                 <a:spcPts val="0"/>
               </a:spcAft>
-              <a:buSzPct val="77777"/>
+              <a:buSzPts val="1400"/>
               <a:buNone/>
               <a:defRPr b="0" i="0" sz="1800" u="none" cap="none" strike="noStrike">
                 <a:solidFill>
@@ -7883,7 +7913,7 @@
               <a:spcAft>
                 <a:spcPts val="0"/>
               </a:spcAft>
-              <a:buSzPct val="77777"/>
+              <a:buSzPts val="1400"/>
               <a:buNone/>
               <a:defRPr b="0" i="0" sz="1800" u="none" cap="none" strike="noStrike">
                 <a:solidFill>
@@ -7905,7 +7935,7 @@
               <a:spcAft>
                 <a:spcPts val="0"/>
               </a:spcAft>
-              <a:buSzPct val="77777"/>
+              <a:buSzPts val="1400"/>
               <a:buNone/>
               <a:defRPr b="0" i="0" sz="1800" u="none" cap="none" strike="noStrike">
                 <a:solidFill>
@@ -7927,7 +7957,7 @@
               <a:spcAft>
                 <a:spcPts val="0"/>
               </a:spcAft>
-              <a:buSzPct val="77777"/>
+              <a:buSzPts val="1400"/>
               <a:buNone/>
               <a:defRPr b="0" i="0" sz="1800" u="none" cap="none" strike="noStrike">
                 <a:solidFill>
@@ -7949,7 +7979,7 @@
               <a:spcAft>
                 <a:spcPts val="0"/>
               </a:spcAft>
-              <a:buSzPct val="77777"/>
+              <a:buSzPts val="1400"/>
               <a:buNone/>
               <a:defRPr b="0" i="0" sz="1800" u="none" cap="none" strike="noStrike">
                 <a:solidFill>
@@ -7971,7 +8001,7 @@
               <a:spcAft>
                 <a:spcPts val="0"/>
               </a:spcAft>
-              <a:buSzPct val="77777"/>
+              <a:buSzPts val="1400"/>
               <a:buNone/>
               <a:defRPr b="0" i="0" sz="1800" u="none" cap="none" strike="noStrike">
                 <a:solidFill>
@@ -7993,7 +8023,7 @@
               <a:spcAft>
                 <a:spcPts val="0"/>
               </a:spcAft>
-              <a:buSzPct val="77777"/>
+              <a:buSzPts val="1400"/>
               <a:buNone/>
               <a:defRPr b="0" i="0" sz="1800" u="none" cap="none" strike="noStrike">
                 <a:solidFill>
@@ -8049,7 +8079,6 @@
               <a:buClr>
                 <a:srgbClr val="898989"/>
               </a:buClr>
-              <a:buSzPct val="25000"/>
               <a:buFont typeface="Calibri"/>
               <a:buNone/>
             </a:pPr>
@@ -8124,7 +8153,7 @@
               <a:spcAft>
                 <a:spcPts val="0"/>
               </a:spcAft>
-              <a:buSzPct val="31818"/>
+              <a:buSzPts val="1400"/>
               <a:buNone/>
               <a:defRPr b="0" i="0" sz="4400" u="none" cap="none" strike="noStrike">
                 <a:solidFill>
@@ -8143,7 +8172,7 @@
               <a:spcAft>
                 <a:spcPts val="0"/>
               </a:spcAft>
-              <a:buSzPct val="31818"/>
+              <a:buSzPts val="1400"/>
               <a:buNone/>
               <a:defRPr b="0" i="0" sz="4400" u="none" cap="none" strike="noStrike">
                 <a:solidFill>
@@ -8162,7 +8191,7 @@
               <a:spcAft>
                 <a:spcPts val="0"/>
               </a:spcAft>
-              <a:buSzPct val="31818"/>
+              <a:buSzPts val="1400"/>
               <a:buNone/>
               <a:defRPr b="0" i="0" sz="4400" u="none" cap="none" strike="noStrike">
                 <a:solidFill>
@@ -8181,7 +8210,7 @@
               <a:spcAft>
                 <a:spcPts val="0"/>
               </a:spcAft>
-              <a:buSzPct val="31818"/>
+              <a:buSzPts val="1400"/>
               <a:buNone/>
               <a:defRPr b="0" i="0" sz="4400" u="none" cap="none" strike="noStrike">
                 <a:solidFill>
@@ -8200,7 +8229,7 @@
               <a:spcAft>
                 <a:spcPts val="0"/>
               </a:spcAft>
-              <a:buSzPct val="31818"/>
+              <a:buSzPts val="1400"/>
               <a:buNone/>
               <a:defRPr b="0" i="0" sz="4400" u="none" cap="none" strike="noStrike">
                 <a:solidFill>
@@ -8219,7 +8248,7 @@
               <a:spcAft>
                 <a:spcPts val="0"/>
               </a:spcAft>
-              <a:buSzPct val="31818"/>
+              <a:buSzPts val="1400"/>
               <a:buNone/>
               <a:defRPr b="0" i="0" sz="4400" u="none" cap="none" strike="noStrike">
                 <a:solidFill>
@@ -8238,7 +8267,7 @@
               <a:spcAft>
                 <a:spcPts val="0"/>
               </a:spcAft>
-              <a:buSzPct val="31818"/>
+              <a:buSzPts val="1400"/>
               <a:buNone/>
               <a:defRPr b="0" i="0" sz="4400" u="none" cap="none" strike="noStrike">
                 <a:solidFill>
@@ -8257,7 +8286,7 @@
               <a:spcAft>
                 <a:spcPts val="0"/>
               </a:spcAft>
-              <a:buSzPct val="31818"/>
+              <a:buSzPts val="1400"/>
               <a:buNone/>
               <a:defRPr b="0" i="0" sz="4400" u="none" cap="none" strike="noStrike">
                 <a:solidFill>
@@ -8276,7 +8305,7 @@
               <a:spcAft>
                 <a:spcPts val="0"/>
               </a:spcAft>
-              <a:buSzPct val="31818"/>
+              <a:buSzPts val="1400"/>
               <a:buNone/>
               <a:defRPr b="0" i="0" sz="4400" u="none" cap="none" strike="noStrike">
                 <a:solidFill>
@@ -8326,7 +8355,7 @@
               <a:buClr>
                 <a:schemeClr val="dk1"/>
               </a:buClr>
-              <a:buSzPct val="133333"/>
+              <a:buSzPts val="3200"/>
               <a:buFont typeface="Arial"/>
               <a:buNone/>
               <a:defRPr b="1" sz="2400">
@@ -8349,7 +8378,7 @@
               <a:buClr>
                 <a:schemeClr val="dk1"/>
               </a:buClr>
-              <a:buSzPct val="140000"/>
+              <a:buSzPts val="2800"/>
               <a:buFont typeface="Arial"/>
               <a:buNone/>
               <a:defRPr b="1" i="0" sz="2000" u="none" cap="none" strike="noStrike">
@@ -8372,7 +8401,7 @@
               <a:buClr>
                 <a:schemeClr val="dk1"/>
               </a:buClr>
-              <a:buSzPct val="133333"/>
+              <a:buSzPts val="2400"/>
               <a:buFont typeface="Arial"/>
               <a:buNone/>
               <a:defRPr b="1" i="0" sz="1800" u="none" cap="none" strike="noStrike">
@@ -8395,7 +8424,7 @@
               <a:buClr>
                 <a:schemeClr val="dk1"/>
               </a:buClr>
-              <a:buSzPct val="125000"/>
+              <a:buSzPts val="2000"/>
               <a:buFont typeface="Arial"/>
               <a:buNone/>
               <a:defRPr b="1" i="0" sz="1600" u="none" cap="none" strike="noStrike">
@@ -8418,7 +8447,7 @@
               <a:buClr>
                 <a:schemeClr val="dk1"/>
               </a:buClr>
-              <a:buSzPct val="125000"/>
+              <a:buSzPts val="2000"/>
               <a:buFont typeface="Arial"/>
               <a:buNone/>
               <a:defRPr b="1" i="0" sz="1600" u="none" cap="none" strike="noStrike">
@@ -8438,7 +8467,7 @@
               <a:buClr>
                 <a:schemeClr val="dk1"/>
               </a:buClr>
-              <a:buSzPct val="125000"/>
+              <a:buSzPts val="2000"/>
               <a:buFont typeface="Arial"/>
               <a:buNone/>
               <a:defRPr b="1" i="0" sz="1600" u="none" cap="none" strike="noStrike">
@@ -8458,7 +8487,7 @@
               <a:buClr>
                 <a:schemeClr val="dk1"/>
               </a:buClr>
-              <a:buSzPct val="125000"/>
+              <a:buSzPts val="2000"/>
               <a:buFont typeface="Arial"/>
               <a:buNone/>
               <a:defRPr b="1" i="0" sz="1600" u="none" cap="none" strike="noStrike">
@@ -8478,7 +8507,7 @@
               <a:buClr>
                 <a:schemeClr val="dk1"/>
               </a:buClr>
-              <a:buSzPct val="125000"/>
+              <a:buSzPts val="2000"/>
               <a:buFont typeface="Arial"/>
               <a:buNone/>
               <a:defRPr b="1" i="0" sz="1600" u="none" cap="none" strike="noStrike">
@@ -8498,7 +8527,7 @@
               <a:buClr>
                 <a:schemeClr val="dk1"/>
               </a:buClr>
-              <a:buSzPct val="125000"/>
+              <a:buSzPts val="2000"/>
               <a:buFont typeface="Arial"/>
               <a:buNone/>
               <a:defRPr b="1" i="0" sz="1600" u="none" cap="none" strike="noStrike">
@@ -8549,7 +8578,7 @@
               <a:buClr>
                 <a:schemeClr val="dk1"/>
               </a:buClr>
-              <a:buSzPct val="100000"/>
+              <a:buSzPts val="2400"/>
               <a:buFont typeface="Arial"/>
               <a:buChar char="•"/>
               <a:defRPr sz="2400">
@@ -8572,7 +8601,7 @@
               <a:buClr>
                 <a:schemeClr val="dk1"/>
               </a:buClr>
-              <a:buSzPct val="100000"/>
+              <a:buSzPts val="2000"/>
               <a:buFont typeface="Arial"/>
               <a:buChar char="–"/>
               <a:defRPr b="0" i="0" sz="2000" u="none" cap="none" strike="noStrike">
@@ -8595,7 +8624,7 @@
               <a:buClr>
                 <a:schemeClr val="dk1"/>
               </a:buClr>
-              <a:buSzPct val="100000"/>
+              <a:buSzPts val="1800"/>
               <a:buFont typeface="Arial"/>
               <a:buChar char="•"/>
               <a:defRPr b="0" i="0" sz="1800" u="none" cap="none" strike="noStrike">
@@ -8618,7 +8647,7 @@
               <a:buClr>
                 <a:schemeClr val="dk1"/>
               </a:buClr>
-              <a:buSzPct val="100000"/>
+              <a:buSzPts val="1600"/>
               <a:buFont typeface="Arial"/>
               <a:buChar char="–"/>
               <a:defRPr b="0" i="0" sz="1600" u="none" cap="none" strike="noStrike">
@@ -8641,7 +8670,7 @@
               <a:buClr>
                 <a:schemeClr val="dk1"/>
               </a:buClr>
-              <a:buSzPct val="100000"/>
+              <a:buSzPts val="1600"/>
               <a:buFont typeface="Arial"/>
               <a:buChar char="»"/>
               <a:defRPr b="0" i="0" sz="1600" u="none" cap="none" strike="noStrike">
@@ -8661,7 +8690,7 @@
               <a:buClr>
                 <a:schemeClr val="dk1"/>
               </a:buClr>
-              <a:buSzPct val="100000"/>
+              <a:buSzPts val="1600"/>
               <a:buFont typeface="Arial"/>
               <a:buChar char="•"/>
               <a:defRPr b="0" i="0" sz="1600" u="none" cap="none" strike="noStrike">
@@ -8681,7 +8710,7 @@
               <a:buClr>
                 <a:schemeClr val="dk1"/>
               </a:buClr>
-              <a:buSzPct val="100000"/>
+              <a:buSzPts val="1600"/>
               <a:buFont typeface="Arial"/>
               <a:buChar char="•"/>
               <a:defRPr b="0" i="0" sz="1600" u="none" cap="none" strike="noStrike">
@@ -8701,7 +8730,7 @@
               <a:buClr>
                 <a:schemeClr val="dk1"/>
               </a:buClr>
-              <a:buSzPct val="100000"/>
+              <a:buSzPts val="1600"/>
               <a:buFont typeface="Arial"/>
               <a:buChar char="•"/>
               <a:defRPr b="0" i="0" sz="1600" u="none" cap="none" strike="noStrike">
@@ -8721,7 +8750,7 @@
               <a:buClr>
                 <a:schemeClr val="dk1"/>
               </a:buClr>
-              <a:buSzPct val="100000"/>
+              <a:buSzPts val="1600"/>
               <a:buFont typeface="Arial"/>
               <a:buChar char="•"/>
               <a:defRPr b="0" i="0" sz="1600" u="none" cap="none" strike="noStrike">
@@ -8772,7 +8801,7 @@
               <a:buClr>
                 <a:schemeClr val="dk1"/>
               </a:buClr>
-              <a:buSzPct val="133333"/>
+              <a:buSzPts val="3200"/>
               <a:buFont typeface="Arial"/>
               <a:buNone/>
               <a:defRPr b="1" sz="2400">
@@ -8795,7 +8824,7 @@
               <a:buClr>
                 <a:schemeClr val="dk1"/>
               </a:buClr>
-              <a:buSzPct val="140000"/>
+              <a:buSzPts val="2800"/>
               <a:buFont typeface="Arial"/>
               <a:buNone/>
               <a:defRPr b="1" i="0" sz="2000" u="none" cap="none" strike="noStrike">
@@ -8818,7 +8847,7 @@
               <a:buClr>
                 <a:schemeClr val="dk1"/>
               </a:buClr>
-              <a:buSzPct val="133333"/>
+              <a:buSzPts val="2400"/>
               <a:buFont typeface="Arial"/>
               <a:buNone/>
               <a:defRPr b="1" i="0" sz="1800" u="none" cap="none" strike="noStrike">
@@ -8841,7 +8870,7 @@
               <a:buClr>
                 <a:schemeClr val="dk1"/>
               </a:buClr>
-              <a:buSzPct val="125000"/>
+              <a:buSzPts val="2000"/>
               <a:buFont typeface="Arial"/>
               <a:buNone/>
               <a:defRPr b="1" i="0" sz="1600" u="none" cap="none" strike="noStrike">
@@ -8864,7 +8893,7 @@
               <a:buClr>
                 <a:schemeClr val="dk1"/>
               </a:buClr>
-              <a:buSzPct val="125000"/>
+              <a:buSzPts val="2000"/>
               <a:buFont typeface="Arial"/>
               <a:buNone/>
               <a:defRPr b="1" i="0" sz="1600" u="none" cap="none" strike="noStrike">
@@ -8884,7 +8913,7 @@
               <a:buClr>
                 <a:schemeClr val="dk1"/>
               </a:buClr>
-              <a:buSzPct val="125000"/>
+              <a:buSzPts val="2000"/>
               <a:buFont typeface="Arial"/>
               <a:buNone/>
               <a:defRPr b="1" i="0" sz="1600" u="none" cap="none" strike="noStrike">
@@ -8904,7 +8933,7 @@
               <a:buClr>
                 <a:schemeClr val="dk1"/>
               </a:buClr>
-              <a:buSzPct val="125000"/>
+              <a:buSzPts val="2000"/>
               <a:buFont typeface="Arial"/>
               <a:buNone/>
               <a:defRPr b="1" i="0" sz="1600" u="none" cap="none" strike="noStrike">
@@ -8924,7 +8953,7 @@
               <a:buClr>
                 <a:schemeClr val="dk1"/>
               </a:buClr>
-              <a:buSzPct val="125000"/>
+              <a:buSzPts val="2000"/>
               <a:buFont typeface="Arial"/>
               <a:buNone/>
               <a:defRPr b="1" i="0" sz="1600" u="none" cap="none" strike="noStrike">
@@ -8944,7 +8973,7 @@
               <a:buClr>
                 <a:schemeClr val="dk1"/>
               </a:buClr>
-              <a:buSzPct val="125000"/>
+              <a:buSzPts val="2000"/>
               <a:buFont typeface="Arial"/>
               <a:buNone/>
               <a:defRPr b="1" i="0" sz="1600" u="none" cap="none" strike="noStrike">
@@ -8995,7 +9024,7 @@
               <a:buClr>
                 <a:schemeClr val="dk1"/>
               </a:buClr>
-              <a:buSzPct val="100000"/>
+              <a:buSzPts val="2400"/>
               <a:buFont typeface="Arial"/>
               <a:buChar char="•"/>
               <a:defRPr sz="2400">
@@ -9018,7 +9047,7 @@
               <a:buClr>
                 <a:schemeClr val="dk1"/>
               </a:buClr>
-              <a:buSzPct val="100000"/>
+              <a:buSzPts val="2000"/>
               <a:buFont typeface="Arial"/>
               <a:buChar char="–"/>
               <a:defRPr b="0" i="0" sz="2000" u="none" cap="none" strike="noStrike">
@@ -9041,7 +9070,7 @@
               <a:buClr>
                 <a:schemeClr val="dk1"/>
               </a:buClr>
-              <a:buSzPct val="100000"/>
+              <a:buSzPts val="1800"/>
               <a:buFont typeface="Arial"/>
               <a:buChar char="•"/>
               <a:defRPr b="0" i="0" sz="1800" u="none" cap="none" strike="noStrike">
@@ -9064,7 +9093,7 @@
               <a:buClr>
                 <a:schemeClr val="dk1"/>
               </a:buClr>
-              <a:buSzPct val="100000"/>
+              <a:buSzPts val="1600"/>
               <a:buFont typeface="Arial"/>
               <a:buChar char="–"/>
               <a:defRPr b="0" i="0" sz="1600" u="none" cap="none" strike="noStrike">
@@ -9087,7 +9116,7 @@
               <a:buClr>
                 <a:schemeClr val="dk1"/>
               </a:buClr>
-              <a:buSzPct val="100000"/>
+              <a:buSzPts val="1600"/>
               <a:buFont typeface="Arial"/>
               <a:buChar char="»"/>
               <a:defRPr b="0" i="0" sz="1600" u="none" cap="none" strike="noStrike">
@@ -9107,7 +9136,7 @@
               <a:buClr>
                 <a:schemeClr val="dk1"/>
               </a:buClr>
-              <a:buSzPct val="100000"/>
+              <a:buSzPts val="1600"/>
               <a:buFont typeface="Arial"/>
               <a:buChar char="•"/>
               <a:defRPr b="0" i="0" sz="1600" u="none" cap="none" strike="noStrike">
@@ -9127,7 +9156,7 @@
               <a:buClr>
                 <a:schemeClr val="dk1"/>
               </a:buClr>
-              <a:buSzPct val="100000"/>
+              <a:buSzPts val="1600"/>
               <a:buFont typeface="Arial"/>
               <a:buChar char="•"/>
               <a:defRPr b="0" i="0" sz="1600" u="none" cap="none" strike="noStrike">
@@ -9147,7 +9176,7 @@
               <a:buClr>
                 <a:schemeClr val="dk1"/>
               </a:buClr>
-              <a:buSzPct val="100000"/>
+              <a:buSzPts val="1600"/>
               <a:buFont typeface="Arial"/>
               <a:buChar char="•"/>
               <a:defRPr b="0" i="0" sz="1600" u="none" cap="none" strike="noStrike">
@@ -9167,7 +9196,7 @@
               <a:buClr>
                 <a:schemeClr val="dk1"/>
               </a:buClr>
-              <a:buSzPct val="100000"/>
+              <a:buSzPts val="1600"/>
               <a:buFont typeface="Arial"/>
               <a:buChar char="•"/>
               <a:defRPr b="0" i="0" sz="1600" u="none" cap="none" strike="noStrike">
@@ -9218,7 +9247,7 @@
               <a:spcAft>
                 <a:spcPts val="0"/>
               </a:spcAft>
-              <a:buSzPct val="116666"/>
+              <a:buSzPts val="1400"/>
               <a:buNone/>
               <a:defRPr b="0" i="0" sz="1200" u="none">
                 <a:solidFill>
@@ -9240,7 +9269,7 @@
               <a:spcAft>
                 <a:spcPts val="0"/>
               </a:spcAft>
-              <a:buSzPct val="77777"/>
+              <a:buSzPts val="1400"/>
               <a:buNone/>
               <a:defRPr b="0" i="0" sz="1800" u="none" cap="none" strike="noStrike">
                 <a:solidFill>
@@ -9262,7 +9291,7 @@
               <a:spcAft>
                 <a:spcPts val="0"/>
               </a:spcAft>
-              <a:buSzPct val="77777"/>
+              <a:buSzPts val="1400"/>
               <a:buNone/>
               <a:defRPr b="0" i="0" sz="1800" u="none" cap="none" strike="noStrike">
                 <a:solidFill>
@@ -9284,7 +9313,7 @@
               <a:spcAft>
                 <a:spcPts val="0"/>
               </a:spcAft>
-              <a:buSzPct val="77777"/>
+              <a:buSzPts val="1400"/>
               <a:buNone/>
               <a:defRPr b="0" i="0" sz="1800" u="none" cap="none" strike="noStrike">
                 <a:solidFill>
@@ -9306,7 +9335,7 @@
               <a:spcAft>
                 <a:spcPts val="0"/>
               </a:spcAft>
-              <a:buSzPct val="77777"/>
+              <a:buSzPts val="1400"/>
               <a:buNone/>
               <a:defRPr b="0" i="0" sz="1800" u="none" cap="none" strike="noStrike">
                 <a:solidFill>
@@ -9328,7 +9357,7 @@
               <a:spcAft>
                 <a:spcPts val="0"/>
               </a:spcAft>
-              <a:buSzPct val="77777"/>
+              <a:buSzPts val="1400"/>
               <a:buNone/>
               <a:defRPr b="0" i="0" sz="1800" u="none" cap="none" strike="noStrike">
                 <a:solidFill>
@@ -9350,7 +9379,7 @@
               <a:spcAft>
                 <a:spcPts val="0"/>
               </a:spcAft>
-              <a:buSzPct val="77777"/>
+              <a:buSzPts val="1400"/>
               <a:buNone/>
               <a:defRPr b="0" i="0" sz="1800" u="none" cap="none" strike="noStrike">
                 <a:solidFill>
@@ -9372,7 +9401,7 @@
               <a:spcAft>
                 <a:spcPts val="0"/>
               </a:spcAft>
-              <a:buSzPct val="77777"/>
+              <a:buSzPts val="1400"/>
               <a:buNone/>
               <a:defRPr b="0" i="0" sz="1800" u="none" cap="none" strike="noStrike">
                 <a:solidFill>
@@ -9394,7 +9423,7 @@
               <a:spcAft>
                 <a:spcPts val="0"/>
               </a:spcAft>
-              <a:buSzPct val="77777"/>
+              <a:buSzPts val="1400"/>
               <a:buNone/>
               <a:defRPr b="0" i="0" sz="1800" u="none" cap="none" strike="noStrike">
                 <a:solidFill>
@@ -9444,7 +9473,7 @@
               <a:spcAft>
                 <a:spcPts val="0"/>
               </a:spcAft>
-              <a:buSzPct val="77777"/>
+              <a:buSzPts val="1400"/>
               <a:buNone/>
               <a:defRPr b="0" i="0" sz="1800" u="none">
                 <a:solidFill>
@@ -9466,7 +9495,7 @@
               <a:spcAft>
                 <a:spcPts val="0"/>
               </a:spcAft>
-              <a:buSzPct val="77777"/>
+              <a:buSzPts val="1400"/>
               <a:buNone/>
               <a:defRPr b="0" i="0" sz="1800" u="none" cap="none" strike="noStrike">
                 <a:solidFill>
@@ -9488,7 +9517,7 @@
               <a:spcAft>
                 <a:spcPts val="0"/>
               </a:spcAft>
-              <a:buSzPct val="77777"/>
+              <a:buSzPts val="1400"/>
               <a:buNone/>
               <a:defRPr b="0" i="0" sz="1800" u="none" cap="none" strike="noStrike">
                 <a:solidFill>
@@ -9510,7 +9539,7 @@
               <a:spcAft>
                 <a:spcPts val="0"/>
               </a:spcAft>
-              <a:buSzPct val="77777"/>
+              <a:buSzPts val="1400"/>
               <a:buNone/>
               <a:defRPr b="0" i="0" sz="1800" u="none" cap="none" strike="noStrike">
                 <a:solidFill>
@@ -9532,7 +9561,7 @@
               <a:spcAft>
                 <a:spcPts val="0"/>
               </a:spcAft>
-              <a:buSzPct val="77777"/>
+              <a:buSzPts val="1400"/>
               <a:buNone/>
               <a:defRPr b="0" i="0" sz="1800" u="none" cap="none" strike="noStrike">
                 <a:solidFill>
@@ -9554,7 +9583,7 @@
               <a:spcAft>
                 <a:spcPts val="0"/>
               </a:spcAft>
-              <a:buSzPct val="77777"/>
+              <a:buSzPts val="1400"/>
               <a:buNone/>
               <a:defRPr b="0" i="0" sz="1800" u="none" cap="none" strike="noStrike">
                 <a:solidFill>
@@ -9576,7 +9605,7 @@
               <a:spcAft>
                 <a:spcPts val="0"/>
               </a:spcAft>
-              <a:buSzPct val="77777"/>
+              <a:buSzPts val="1400"/>
               <a:buNone/>
               <a:defRPr b="0" i="0" sz="1800" u="none" cap="none" strike="noStrike">
                 <a:solidFill>
@@ -9598,7 +9627,7 @@
               <a:spcAft>
                 <a:spcPts val="0"/>
               </a:spcAft>
-              <a:buSzPct val="77777"/>
+              <a:buSzPts val="1400"/>
               <a:buNone/>
               <a:defRPr b="0" i="0" sz="1800" u="none" cap="none" strike="noStrike">
                 <a:solidFill>
@@ -9620,7 +9649,7 @@
               <a:spcAft>
                 <a:spcPts val="0"/>
               </a:spcAft>
-              <a:buSzPct val="77777"/>
+              <a:buSzPts val="1400"/>
               <a:buNone/>
               <a:defRPr b="0" i="0" sz="1800" u="none" cap="none" strike="noStrike">
                 <a:solidFill>
@@ -9676,7 +9705,6 @@
               <a:buClr>
                 <a:srgbClr val="898989"/>
               </a:buClr>
-              <a:buSzPct val="25000"/>
               <a:buFont typeface="Calibri"/>
               <a:buNone/>
             </a:pPr>
@@ -9744,63 +9772,72 @@
               <a:spcBef>
                 <a:spcPts val="0"/>
               </a:spcBef>
-              <a:buSzPct val="100000"/>
+              <a:buSzPts val="3600"/>
+              <a:buNone/>
               <a:defRPr sz="3600"/>
             </a:lvl1pPr>
             <a:lvl2pPr lvl="1" algn="ctr">
               <a:spcBef>
                 <a:spcPts val="0"/>
               </a:spcBef>
-              <a:buSzPct val="100000"/>
+              <a:buSzPts val="3600"/>
+              <a:buNone/>
               <a:defRPr sz="3600"/>
             </a:lvl2pPr>
             <a:lvl3pPr lvl="2" algn="ctr">
               <a:spcBef>
                 <a:spcPts val="0"/>
               </a:spcBef>
-              <a:buSzPct val="100000"/>
+              <a:buSzPts val="3600"/>
+              <a:buNone/>
               <a:defRPr sz="3600"/>
             </a:lvl3pPr>
             <a:lvl4pPr lvl="3" algn="ctr">
               <a:spcBef>
                 <a:spcPts val="0"/>
               </a:spcBef>
-              <a:buSzPct val="100000"/>
+              <a:buSzPts val="3600"/>
+              <a:buNone/>
               <a:defRPr sz="3600"/>
             </a:lvl4pPr>
             <a:lvl5pPr lvl="4" algn="ctr">
               <a:spcBef>
                 <a:spcPts val="0"/>
               </a:spcBef>
-              <a:buSzPct val="100000"/>
+              <a:buSzPts val="3600"/>
+              <a:buNone/>
               <a:defRPr sz="3600"/>
             </a:lvl5pPr>
             <a:lvl6pPr lvl="5" algn="ctr">
               <a:spcBef>
                 <a:spcPts val="0"/>
               </a:spcBef>
-              <a:buSzPct val="100000"/>
+              <a:buSzPts val="3600"/>
+              <a:buNone/>
               <a:defRPr sz="3600"/>
             </a:lvl6pPr>
             <a:lvl7pPr lvl="6" algn="ctr">
               <a:spcBef>
                 <a:spcPts val="0"/>
               </a:spcBef>
-              <a:buSzPct val="100000"/>
+              <a:buSzPts val="3600"/>
+              <a:buNone/>
               <a:defRPr sz="3600"/>
             </a:lvl7pPr>
             <a:lvl8pPr lvl="7" algn="ctr">
               <a:spcBef>
                 <a:spcPts val="0"/>
               </a:spcBef>
-              <a:buSzPct val="100000"/>
+              <a:buSzPts val="3600"/>
+              <a:buNone/>
               <a:defRPr sz="3600"/>
             </a:lvl8pPr>
             <a:lvl9pPr lvl="8" algn="ctr">
               <a:spcBef>
                 <a:spcPts val="0"/>
               </a:spcBef>
-              <a:buSzPct val="100000"/>
+              <a:buSzPts val="3600"/>
+              <a:buNone/>
               <a:defRPr sz="3600"/>
             </a:lvl9pPr>
           </a:lstStyle>
@@ -9830,7 +9867,7 @@
           </a:bodyPr>
           <a:lstStyle/>
           <a:p>
-            <a:pPr lvl="0">
+            <a:pPr indent="0" lvl="0" marL="0">
               <a:spcBef>
                 <a:spcPts val="0"/>
               </a:spcBef>
@@ -9899,7 +9936,7 @@
               <a:spcAft>
                 <a:spcPts val="0"/>
               </a:spcAft>
-              <a:buSzPct val="31818"/>
+              <a:buSzPts val="1400"/>
               <a:buNone/>
               <a:defRPr b="0" i="0" sz="4400" u="none" cap="none" strike="noStrike">
                 <a:solidFill>
@@ -9918,7 +9955,7 @@
               <a:spcAft>
                 <a:spcPts val="0"/>
               </a:spcAft>
-              <a:buSzPct val="31818"/>
+              <a:buSzPts val="1400"/>
               <a:buNone/>
               <a:defRPr b="0" i="0" sz="4400" u="none" cap="none" strike="noStrike">
                 <a:solidFill>
@@ -9937,7 +9974,7 @@
               <a:spcAft>
                 <a:spcPts val="0"/>
               </a:spcAft>
-              <a:buSzPct val="31818"/>
+              <a:buSzPts val="1400"/>
               <a:buNone/>
               <a:defRPr b="0" i="0" sz="4400" u="none" cap="none" strike="noStrike">
                 <a:solidFill>
@@ -9956,7 +9993,7 @@
               <a:spcAft>
                 <a:spcPts val="0"/>
               </a:spcAft>
-              <a:buSzPct val="31818"/>
+              <a:buSzPts val="1400"/>
               <a:buNone/>
               <a:defRPr b="0" i="0" sz="4400" u="none" cap="none" strike="noStrike">
                 <a:solidFill>
@@ -9975,7 +10012,7 @@
               <a:spcAft>
                 <a:spcPts val="0"/>
               </a:spcAft>
-              <a:buSzPct val="31818"/>
+              <a:buSzPts val="1400"/>
               <a:buNone/>
               <a:defRPr b="0" i="0" sz="4400" u="none" cap="none" strike="noStrike">
                 <a:solidFill>
@@ -9994,7 +10031,7 @@
               <a:spcAft>
                 <a:spcPts val="0"/>
               </a:spcAft>
-              <a:buSzPct val="31818"/>
+              <a:buSzPts val="1400"/>
               <a:buNone/>
               <a:defRPr b="0" i="0" sz="4400" u="none" cap="none" strike="noStrike">
                 <a:solidFill>
@@ -10013,7 +10050,7 @@
               <a:spcAft>
                 <a:spcPts val="0"/>
               </a:spcAft>
-              <a:buSzPct val="31818"/>
+              <a:buSzPts val="1400"/>
               <a:buNone/>
               <a:defRPr b="0" i="0" sz="4400" u="none" cap="none" strike="noStrike">
                 <a:solidFill>
@@ -10032,7 +10069,7 @@
               <a:spcAft>
                 <a:spcPts val="0"/>
               </a:spcAft>
-              <a:buSzPct val="31818"/>
+              <a:buSzPts val="1400"/>
               <a:buNone/>
               <a:defRPr b="0" i="0" sz="4400" u="none" cap="none" strike="noStrike">
                 <a:solidFill>
@@ -10051,7 +10088,7 @@
               <a:spcAft>
                 <a:spcPts val="0"/>
               </a:spcAft>
-              <a:buSzPct val="31818"/>
+              <a:buSzPts val="1400"/>
               <a:buNone/>
               <a:defRPr b="0" i="0" sz="4400" u="none" cap="none" strike="noStrike">
                 <a:solidFill>
@@ -10101,7 +10138,7 @@
               <a:buClr>
                 <a:schemeClr val="dk1"/>
               </a:buClr>
-              <a:buSzPct val="100000"/>
+              <a:buSzPts val="2800"/>
               <a:buFont typeface="Arial"/>
               <a:buChar char="•"/>
               <a:defRPr sz="2800">
@@ -10124,7 +10161,7 @@
               <a:buClr>
                 <a:schemeClr val="dk1"/>
               </a:buClr>
-              <a:buSzPct val="100000"/>
+              <a:buSzPts val="2400"/>
               <a:buFont typeface="Arial"/>
               <a:buChar char="–"/>
               <a:defRPr b="0" i="0" sz="2400" u="none" cap="none" strike="noStrike">
@@ -10147,7 +10184,7 @@
               <a:buClr>
                 <a:schemeClr val="dk1"/>
               </a:buClr>
-              <a:buSzPct val="100000"/>
+              <a:buSzPts val="2000"/>
               <a:buFont typeface="Arial"/>
               <a:buChar char="•"/>
               <a:defRPr b="0" i="0" sz="2000" u="none" cap="none" strike="noStrike">
@@ -10170,7 +10207,7 @@
               <a:buClr>
                 <a:schemeClr val="dk1"/>
               </a:buClr>
-              <a:buSzPct val="100000"/>
+              <a:buSzPts val="1800"/>
               <a:buFont typeface="Arial"/>
               <a:buChar char="–"/>
               <a:defRPr b="0" i="0" sz="1800" u="none" cap="none" strike="noStrike">
@@ -10193,7 +10230,7 @@
               <a:buClr>
                 <a:schemeClr val="dk1"/>
               </a:buClr>
-              <a:buSzPct val="100000"/>
+              <a:buSzPts val="1800"/>
               <a:buFont typeface="Arial"/>
               <a:buChar char="»"/>
               <a:defRPr b="0" i="0" sz="1800" u="none" cap="none" strike="noStrike">
@@ -10213,7 +10250,7 @@
               <a:buClr>
                 <a:schemeClr val="dk1"/>
               </a:buClr>
-              <a:buSzPct val="100000"/>
+              <a:buSzPts val="1800"/>
               <a:buFont typeface="Arial"/>
               <a:buChar char="•"/>
               <a:defRPr b="0" i="0" sz="1800" u="none" cap="none" strike="noStrike">
@@ -10233,7 +10270,7 @@
               <a:buClr>
                 <a:schemeClr val="dk1"/>
               </a:buClr>
-              <a:buSzPct val="100000"/>
+              <a:buSzPts val="1800"/>
               <a:buFont typeface="Arial"/>
               <a:buChar char="•"/>
               <a:defRPr b="0" i="0" sz="1800" u="none" cap="none" strike="noStrike">
@@ -10253,7 +10290,7 @@
               <a:buClr>
                 <a:schemeClr val="dk1"/>
               </a:buClr>
-              <a:buSzPct val="100000"/>
+              <a:buSzPts val="1800"/>
               <a:buFont typeface="Arial"/>
               <a:buChar char="•"/>
               <a:defRPr b="0" i="0" sz="1800" u="none" cap="none" strike="noStrike">
@@ -10273,7 +10310,7 @@
               <a:buClr>
                 <a:schemeClr val="dk1"/>
               </a:buClr>
-              <a:buSzPct val="100000"/>
+              <a:buSzPts val="1800"/>
               <a:buFont typeface="Arial"/>
               <a:buChar char="•"/>
               <a:defRPr b="0" i="0" sz="1800" u="none" cap="none" strike="noStrike">
@@ -10324,7 +10361,7 @@
               <a:buClr>
                 <a:schemeClr val="dk1"/>
               </a:buClr>
-              <a:buSzPct val="100000"/>
+              <a:buSzPts val="2800"/>
               <a:buFont typeface="Arial"/>
               <a:buChar char="•"/>
               <a:defRPr sz="2800">
@@ -10347,7 +10384,7 @@
               <a:buClr>
                 <a:schemeClr val="dk1"/>
               </a:buClr>
-              <a:buSzPct val="100000"/>
+              <a:buSzPts val="2400"/>
               <a:buFont typeface="Arial"/>
               <a:buChar char="–"/>
               <a:defRPr b="0" i="0" sz="2400" u="none" cap="none" strike="noStrike">
@@ -10370,7 +10407,7 @@
               <a:buClr>
                 <a:schemeClr val="dk1"/>
               </a:buClr>
-              <a:buSzPct val="100000"/>
+              <a:buSzPts val="2000"/>
               <a:buFont typeface="Arial"/>
               <a:buChar char="•"/>
               <a:defRPr b="0" i="0" sz="2000" u="none" cap="none" strike="noStrike">
@@ -10393,7 +10430,7 @@
               <a:buClr>
                 <a:schemeClr val="dk1"/>
               </a:buClr>
-              <a:buSzPct val="100000"/>
+              <a:buSzPts val="1800"/>
               <a:buFont typeface="Arial"/>
               <a:buChar char="–"/>
               <a:defRPr b="0" i="0" sz="1800" u="none" cap="none" strike="noStrike">
@@ -10416,7 +10453,7 @@
               <a:buClr>
                 <a:schemeClr val="dk1"/>
               </a:buClr>
-              <a:buSzPct val="100000"/>
+              <a:buSzPts val="1800"/>
               <a:buFont typeface="Arial"/>
               <a:buChar char="»"/>
               <a:defRPr b="0" i="0" sz="1800" u="none" cap="none" strike="noStrike">
@@ -10436,7 +10473,7 @@
               <a:buClr>
                 <a:schemeClr val="dk1"/>
               </a:buClr>
-              <a:buSzPct val="100000"/>
+              <a:buSzPts val="1800"/>
               <a:buFont typeface="Arial"/>
               <a:buChar char="•"/>
               <a:defRPr b="0" i="0" sz="1800" u="none" cap="none" strike="noStrike">
@@ -10456,7 +10493,7 @@
               <a:buClr>
                 <a:schemeClr val="dk1"/>
               </a:buClr>
-              <a:buSzPct val="100000"/>
+              <a:buSzPts val="1800"/>
               <a:buFont typeface="Arial"/>
               <a:buChar char="•"/>
               <a:defRPr b="0" i="0" sz="1800" u="none" cap="none" strike="noStrike">
@@ -10476,7 +10513,7 @@
               <a:buClr>
                 <a:schemeClr val="dk1"/>
               </a:buClr>
-              <a:buSzPct val="100000"/>
+              <a:buSzPts val="1800"/>
               <a:buFont typeface="Arial"/>
               <a:buChar char="•"/>
               <a:defRPr b="0" i="0" sz="1800" u="none" cap="none" strike="noStrike">
@@ -10496,7 +10533,7 @@
               <a:buClr>
                 <a:schemeClr val="dk1"/>
               </a:buClr>
-              <a:buSzPct val="100000"/>
+              <a:buSzPts val="1800"/>
               <a:buFont typeface="Arial"/>
               <a:buChar char="•"/>
               <a:defRPr b="0" i="0" sz="1800" u="none" cap="none" strike="noStrike">
@@ -10547,7 +10584,7 @@
               <a:spcAft>
                 <a:spcPts val="0"/>
               </a:spcAft>
-              <a:buSzPct val="116666"/>
+              <a:buSzPts val="1400"/>
               <a:buNone/>
               <a:defRPr b="0" i="0" sz="1200" u="none">
                 <a:solidFill>
@@ -10569,7 +10606,7 @@
               <a:spcAft>
                 <a:spcPts val="0"/>
               </a:spcAft>
-              <a:buSzPct val="77777"/>
+              <a:buSzPts val="1400"/>
               <a:buNone/>
               <a:defRPr b="0" i="0" sz="1800" u="none" cap="none" strike="noStrike">
                 <a:solidFill>
@@ -10591,7 +10628,7 @@
               <a:spcAft>
                 <a:spcPts val="0"/>
               </a:spcAft>
-              <a:buSzPct val="77777"/>
+              <a:buSzPts val="1400"/>
               <a:buNone/>
               <a:defRPr b="0" i="0" sz="1800" u="none" cap="none" strike="noStrike">
                 <a:solidFill>
@@ -10613,7 +10650,7 @@
               <a:spcAft>
                 <a:spcPts val="0"/>
               </a:spcAft>
-              <a:buSzPct val="77777"/>
+              <a:buSzPts val="1400"/>
               <a:buNone/>
               <a:defRPr b="0" i="0" sz="1800" u="none" cap="none" strike="noStrike">
                 <a:solidFill>
@@ -10635,7 +10672,7 @@
               <a:spcAft>
                 <a:spcPts val="0"/>
               </a:spcAft>
-              <a:buSzPct val="77777"/>
+              <a:buSzPts val="1400"/>
               <a:buNone/>
               <a:defRPr b="0" i="0" sz="1800" u="none" cap="none" strike="noStrike">
                 <a:solidFill>
@@ -10657,7 +10694,7 @@
               <a:spcAft>
                 <a:spcPts val="0"/>
               </a:spcAft>
-              <a:buSzPct val="77777"/>
+              <a:buSzPts val="1400"/>
               <a:buNone/>
               <a:defRPr b="0" i="0" sz="1800" u="none" cap="none" strike="noStrike">
                 <a:solidFill>
@@ -10679,7 +10716,7 @@
               <a:spcAft>
                 <a:spcPts val="0"/>
               </a:spcAft>
-              <a:buSzPct val="77777"/>
+              <a:buSzPts val="1400"/>
               <a:buNone/>
               <a:defRPr b="0" i="0" sz="1800" u="none" cap="none" strike="noStrike">
                 <a:solidFill>
@@ -10701,7 +10738,7 @@
               <a:spcAft>
                 <a:spcPts val="0"/>
               </a:spcAft>
-              <a:buSzPct val="77777"/>
+              <a:buSzPts val="1400"/>
               <a:buNone/>
               <a:defRPr b="0" i="0" sz="1800" u="none" cap="none" strike="noStrike">
                 <a:solidFill>
@@ -10723,7 +10760,7 @@
               <a:spcAft>
                 <a:spcPts val="0"/>
               </a:spcAft>
-              <a:buSzPct val="77777"/>
+              <a:buSzPts val="1400"/>
               <a:buNone/>
               <a:defRPr b="0" i="0" sz="1800" u="none" cap="none" strike="noStrike">
                 <a:solidFill>
@@ -10773,7 +10810,7 @@
               <a:spcAft>
                 <a:spcPts val="0"/>
               </a:spcAft>
-              <a:buSzPct val="77777"/>
+              <a:buSzPts val="1400"/>
               <a:buNone/>
               <a:defRPr b="0" i="0" sz="1800" u="none">
                 <a:solidFill>
@@ -10795,7 +10832,7 @@
               <a:spcAft>
                 <a:spcPts val="0"/>
               </a:spcAft>
-              <a:buSzPct val="77777"/>
+              <a:buSzPts val="1400"/>
               <a:buNone/>
               <a:defRPr b="0" i="0" sz="1800" u="none" cap="none" strike="noStrike">
                 <a:solidFill>
@@ -10817,7 +10854,7 @@
               <a:spcAft>
                 <a:spcPts val="0"/>
               </a:spcAft>
-              <a:buSzPct val="77777"/>
+              <a:buSzPts val="1400"/>
               <a:buNone/>
               <a:defRPr b="0" i="0" sz="1800" u="none" cap="none" strike="noStrike">
                 <a:solidFill>
@@ -10839,7 +10876,7 @@
               <a:spcAft>
                 <a:spcPts val="0"/>
               </a:spcAft>
-              <a:buSzPct val="77777"/>
+              <a:buSzPts val="1400"/>
               <a:buNone/>
               <a:defRPr b="0" i="0" sz="1800" u="none" cap="none" strike="noStrike">
                 <a:solidFill>
@@ -10861,7 +10898,7 @@
               <a:spcAft>
                 <a:spcPts val="0"/>
               </a:spcAft>
-              <a:buSzPct val="77777"/>
+              <a:buSzPts val="1400"/>
               <a:buNone/>
               <a:defRPr b="0" i="0" sz="1800" u="none" cap="none" strike="noStrike">
                 <a:solidFill>
@@ -10883,7 +10920,7 @@
               <a:spcAft>
                 <a:spcPts val="0"/>
               </a:spcAft>
-              <a:buSzPct val="77777"/>
+              <a:buSzPts val="1400"/>
               <a:buNone/>
               <a:defRPr b="0" i="0" sz="1800" u="none" cap="none" strike="noStrike">
                 <a:solidFill>
@@ -10905,7 +10942,7 @@
               <a:spcAft>
                 <a:spcPts val="0"/>
               </a:spcAft>
-              <a:buSzPct val="77777"/>
+              <a:buSzPts val="1400"/>
               <a:buNone/>
               <a:defRPr b="0" i="0" sz="1800" u="none" cap="none" strike="noStrike">
                 <a:solidFill>
@@ -10927,7 +10964,7 @@
               <a:spcAft>
                 <a:spcPts val="0"/>
               </a:spcAft>
-              <a:buSzPct val="77777"/>
+              <a:buSzPts val="1400"/>
               <a:buNone/>
               <a:defRPr b="0" i="0" sz="1800" u="none" cap="none" strike="noStrike">
                 <a:solidFill>
@@ -10949,7 +10986,7 @@
               <a:spcAft>
                 <a:spcPts val="0"/>
               </a:spcAft>
-              <a:buSzPct val="77777"/>
+              <a:buSzPts val="1400"/>
               <a:buNone/>
               <a:defRPr b="0" i="0" sz="1800" u="none" cap="none" strike="noStrike">
                 <a:solidFill>
@@ -11005,7 +11042,6 @@
               <a:buClr>
                 <a:srgbClr val="898989"/>
               </a:buClr>
-              <a:buSzPct val="25000"/>
               <a:buFont typeface="Calibri"/>
               <a:buNone/>
             </a:pPr>
@@ -11080,7 +11116,7 @@
               <a:spcAft>
                 <a:spcPts val="0"/>
               </a:spcAft>
-              <a:buSzPct val="35000"/>
+              <a:buSzPts val="1400"/>
               <a:buNone/>
               <a:defRPr b="1" i="0" sz="4000" u="none" cap="none" strike="noStrike">
                 <a:solidFill>
@@ -11099,7 +11135,7 @@
               <a:spcAft>
                 <a:spcPts val="0"/>
               </a:spcAft>
-              <a:buSzPct val="31818"/>
+              <a:buSzPts val="1400"/>
               <a:buNone/>
               <a:defRPr b="0" i="0" sz="4400" u="none" cap="none" strike="noStrike">
                 <a:solidFill>
@@ -11118,7 +11154,7 @@
               <a:spcAft>
                 <a:spcPts val="0"/>
               </a:spcAft>
-              <a:buSzPct val="31818"/>
+              <a:buSzPts val="1400"/>
               <a:buNone/>
               <a:defRPr b="0" i="0" sz="4400" u="none" cap="none" strike="noStrike">
                 <a:solidFill>
@@ -11137,7 +11173,7 @@
               <a:spcAft>
                 <a:spcPts val="0"/>
               </a:spcAft>
-              <a:buSzPct val="31818"/>
+              <a:buSzPts val="1400"/>
               <a:buNone/>
               <a:defRPr b="0" i="0" sz="4400" u="none" cap="none" strike="noStrike">
                 <a:solidFill>
@@ -11156,7 +11192,7 @@
               <a:spcAft>
                 <a:spcPts val="0"/>
               </a:spcAft>
-              <a:buSzPct val="31818"/>
+              <a:buSzPts val="1400"/>
               <a:buNone/>
               <a:defRPr b="0" i="0" sz="4400" u="none" cap="none" strike="noStrike">
                 <a:solidFill>
@@ -11175,7 +11211,7 @@
               <a:spcAft>
                 <a:spcPts val="0"/>
               </a:spcAft>
-              <a:buSzPct val="31818"/>
+              <a:buSzPts val="1400"/>
               <a:buNone/>
               <a:defRPr b="0" i="0" sz="4400" u="none" cap="none" strike="noStrike">
                 <a:solidFill>
@@ -11194,7 +11230,7 @@
               <a:spcAft>
                 <a:spcPts val="0"/>
               </a:spcAft>
-              <a:buSzPct val="31818"/>
+              <a:buSzPts val="1400"/>
               <a:buNone/>
               <a:defRPr b="0" i="0" sz="4400" u="none" cap="none" strike="noStrike">
                 <a:solidFill>
@@ -11213,7 +11249,7 @@
               <a:spcAft>
                 <a:spcPts val="0"/>
               </a:spcAft>
-              <a:buSzPct val="31818"/>
+              <a:buSzPts val="1400"/>
               <a:buNone/>
               <a:defRPr b="0" i="0" sz="4400" u="none" cap="none" strike="noStrike">
                 <a:solidFill>
@@ -11232,7 +11268,7 @@
               <a:spcAft>
                 <a:spcPts val="0"/>
               </a:spcAft>
-              <a:buSzPct val="31818"/>
+              <a:buSzPts val="1400"/>
               <a:buNone/>
               <a:defRPr b="0" i="0" sz="4400" u="none" cap="none" strike="noStrike">
                 <a:solidFill>
@@ -11282,7 +11318,7 @@
               <a:buClr>
                 <a:srgbClr val="888888"/>
               </a:buClr>
-              <a:buSzPct val="160000"/>
+              <a:buSzPts val="3200"/>
               <a:buFont typeface="Arial"/>
               <a:buNone/>
               <a:defRPr sz="2000">
@@ -11305,7 +11341,7 @@
               <a:buClr>
                 <a:srgbClr val="888888"/>
               </a:buClr>
-              <a:buSzPct val="155555"/>
+              <a:buSzPts val="2800"/>
               <a:buFont typeface="Arial"/>
               <a:buNone/>
               <a:defRPr b="0" i="0" sz="1800" u="none" cap="none" strike="noStrike">
@@ -11328,7 +11364,7 @@
               <a:buClr>
                 <a:srgbClr val="888888"/>
               </a:buClr>
-              <a:buSzPct val="150000"/>
+              <a:buSzPts val="2400"/>
               <a:buFont typeface="Arial"/>
               <a:buNone/>
               <a:defRPr b="0" i="0" sz="1600" u="none" cap="none" strike="noStrike">
@@ -11351,7 +11387,7 @@
               <a:buClr>
                 <a:srgbClr val="888888"/>
               </a:buClr>
-              <a:buSzPct val="142857"/>
+              <a:buSzPts val="2000"/>
               <a:buFont typeface="Arial"/>
               <a:buNone/>
               <a:defRPr b="0" i="0" sz="1400" u="none" cap="none" strike="noStrike">
@@ -11374,7 +11410,7 @@
               <a:buClr>
                 <a:srgbClr val="888888"/>
               </a:buClr>
-              <a:buSzPct val="142857"/>
+              <a:buSzPts val="2000"/>
               <a:buFont typeface="Arial"/>
               <a:buNone/>
               <a:defRPr b="0" i="0" sz="1400" u="none" cap="none" strike="noStrike">
@@ -11394,7 +11430,7 @@
               <a:buClr>
                 <a:srgbClr val="888888"/>
               </a:buClr>
-              <a:buSzPct val="142857"/>
+              <a:buSzPts val="2000"/>
               <a:buFont typeface="Arial"/>
               <a:buNone/>
               <a:defRPr b="0" i="0" sz="1400" u="none" cap="none" strike="noStrike">
@@ -11414,7 +11450,7 @@
               <a:buClr>
                 <a:srgbClr val="888888"/>
               </a:buClr>
-              <a:buSzPct val="142857"/>
+              <a:buSzPts val="2000"/>
               <a:buFont typeface="Arial"/>
               <a:buNone/>
               <a:defRPr b="0" i="0" sz="1400" u="none" cap="none" strike="noStrike">
@@ -11434,7 +11470,7 @@
               <a:buClr>
                 <a:srgbClr val="888888"/>
               </a:buClr>
-              <a:buSzPct val="142857"/>
+              <a:buSzPts val="2000"/>
               <a:buFont typeface="Arial"/>
               <a:buNone/>
               <a:defRPr b="0" i="0" sz="1400" u="none" cap="none" strike="noStrike">
@@ -11454,7 +11490,7 @@
               <a:buClr>
                 <a:srgbClr val="888888"/>
               </a:buClr>
-              <a:buSzPct val="142857"/>
+              <a:buSzPts val="2000"/>
               <a:buFont typeface="Arial"/>
               <a:buNone/>
               <a:defRPr b="0" i="0" sz="1400" u="none" cap="none" strike="noStrike">
@@ -11505,7 +11541,7 @@
               <a:spcAft>
                 <a:spcPts val="0"/>
               </a:spcAft>
-              <a:buSzPct val="116666"/>
+              <a:buSzPts val="1400"/>
               <a:buNone/>
               <a:defRPr b="0" i="0" sz="1200" u="none">
                 <a:solidFill>
@@ -11527,7 +11563,7 @@
               <a:spcAft>
                 <a:spcPts val="0"/>
               </a:spcAft>
-              <a:buSzPct val="77777"/>
+              <a:buSzPts val="1400"/>
               <a:buNone/>
               <a:defRPr b="0" i="0" sz="1800" u="none" cap="none" strike="noStrike">
                 <a:solidFill>
@@ -11549,7 +11585,7 @@
               <a:spcAft>
                 <a:spcPts val="0"/>
               </a:spcAft>
-              <a:buSzPct val="77777"/>
+              <a:buSzPts val="1400"/>
               <a:buNone/>
               <a:defRPr b="0" i="0" sz="1800" u="none" cap="none" strike="noStrike">
                 <a:solidFill>
@@ -11571,7 +11607,7 @@
               <a:spcAft>
                 <a:spcPts val="0"/>
               </a:spcAft>
-              <a:buSzPct val="77777"/>
+              <a:buSzPts val="1400"/>
               <a:buNone/>
               <a:defRPr b="0" i="0" sz="1800" u="none" cap="none" strike="noStrike">
                 <a:solidFill>
@@ -11593,7 +11629,7 @@
               <a:spcAft>
                 <a:spcPts val="0"/>
               </a:spcAft>
-              <a:buSzPct val="77777"/>
+              <a:buSzPts val="1400"/>
               <a:buNone/>
               <a:defRPr b="0" i="0" sz="1800" u="none" cap="none" strike="noStrike">
                 <a:solidFill>
@@ -11615,7 +11651,7 @@
               <a:spcAft>
                 <a:spcPts val="0"/>
               </a:spcAft>
-              <a:buSzPct val="77777"/>
+              <a:buSzPts val="1400"/>
               <a:buNone/>
               <a:defRPr b="0" i="0" sz="1800" u="none" cap="none" strike="noStrike">
                 <a:solidFill>
@@ -11637,7 +11673,7 @@
               <a:spcAft>
                 <a:spcPts val="0"/>
               </a:spcAft>
-              <a:buSzPct val="77777"/>
+              <a:buSzPts val="1400"/>
               <a:buNone/>
               <a:defRPr b="0" i="0" sz="1800" u="none" cap="none" strike="noStrike">
                 <a:solidFill>
@@ -11659,7 +11695,7 @@
               <a:spcAft>
                 <a:spcPts val="0"/>
               </a:spcAft>
-              <a:buSzPct val="77777"/>
+              <a:buSzPts val="1400"/>
               <a:buNone/>
               <a:defRPr b="0" i="0" sz="1800" u="none" cap="none" strike="noStrike">
                 <a:solidFill>
@@ -11681,7 +11717,7 @@
               <a:spcAft>
                 <a:spcPts val="0"/>
               </a:spcAft>
-              <a:buSzPct val="77777"/>
+              <a:buSzPts val="1400"/>
               <a:buNone/>
               <a:defRPr b="0" i="0" sz="1800" u="none" cap="none" strike="noStrike">
                 <a:solidFill>
@@ -11731,7 +11767,7 @@
               <a:spcAft>
                 <a:spcPts val="0"/>
               </a:spcAft>
-              <a:buSzPct val="77777"/>
+              <a:buSzPts val="1400"/>
               <a:buNone/>
               <a:defRPr b="0" i="0" sz="1800" u="none">
                 <a:solidFill>
@@ -11753,7 +11789,7 @@
               <a:spcAft>
                 <a:spcPts val="0"/>
               </a:spcAft>
-              <a:buSzPct val="77777"/>
+              <a:buSzPts val="1400"/>
               <a:buNone/>
               <a:defRPr b="0" i="0" sz="1800" u="none" cap="none" strike="noStrike">
                 <a:solidFill>
@@ -11775,7 +11811,7 @@
               <a:spcAft>
                 <a:spcPts val="0"/>
               </a:spcAft>
-              <a:buSzPct val="77777"/>
+              <a:buSzPts val="1400"/>
               <a:buNone/>
               <a:defRPr b="0" i="0" sz="1800" u="none" cap="none" strike="noStrike">
                 <a:solidFill>
@@ -11797,7 +11833,7 @@
               <a:spcAft>
                 <a:spcPts val="0"/>
               </a:spcAft>
-              <a:buSzPct val="77777"/>
+              <a:buSzPts val="1400"/>
               <a:buNone/>
               <a:defRPr b="0" i="0" sz="1800" u="none" cap="none" strike="noStrike">
                 <a:solidFill>
@@ -11819,7 +11855,7 @@
               <a:spcAft>
                 <a:spcPts val="0"/>
               </a:spcAft>
-              <a:buSzPct val="77777"/>
+              <a:buSzPts val="1400"/>
               <a:buNone/>
               <a:defRPr b="0" i="0" sz="1800" u="none" cap="none" strike="noStrike">
                 <a:solidFill>
@@ -11841,7 +11877,7 @@
               <a:spcAft>
                 <a:spcPts val="0"/>
               </a:spcAft>
-              <a:buSzPct val="77777"/>
+              <a:buSzPts val="1400"/>
               <a:buNone/>
               <a:defRPr b="0" i="0" sz="1800" u="none" cap="none" strike="noStrike">
                 <a:solidFill>
@@ -11863,7 +11899,7 @@
               <a:spcAft>
                 <a:spcPts val="0"/>
               </a:spcAft>
-              <a:buSzPct val="77777"/>
+              <a:buSzPts val="1400"/>
               <a:buNone/>
               <a:defRPr b="0" i="0" sz="1800" u="none" cap="none" strike="noStrike">
                 <a:solidFill>
@@ -11885,7 +11921,7 @@
               <a:spcAft>
                 <a:spcPts val="0"/>
               </a:spcAft>
-              <a:buSzPct val="77777"/>
+              <a:buSzPts val="1400"/>
               <a:buNone/>
               <a:defRPr b="0" i="0" sz="1800" u="none" cap="none" strike="noStrike">
                 <a:solidFill>
@@ -11907,7 +11943,7 @@
               <a:spcAft>
                 <a:spcPts val="0"/>
               </a:spcAft>
-              <a:buSzPct val="77777"/>
+              <a:buSzPts val="1400"/>
               <a:buNone/>
               <a:defRPr b="0" i="0" sz="1800" u="none" cap="none" strike="noStrike">
                 <a:solidFill>
@@ -11963,7 +11999,6 @@
               <a:buClr>
                 <a:srgbClr val="898989"/>
               </a:buClr>
-              <a:buSzPct val="25000"/>
               <a:buFont typeface="Calibri"/>
               <a:buNone/>
             </a:pPr>
@@ -12038,7 +12073,7 @@
               <a:spcAft>
                 <a:spcPts val="0"/>
               </a:spcAft>
-              <a:buSzPct val="31818"/>
+              <a:buSzPts val="1400"/>
               <a:buNone/>
               <a:defRPr b="0" i="0" sz="4400" u="none" cap="none" strike="noStrike">
                 <a:solidFill>
@@ -12057,7 +12092,7 @@
               <a:spcAft>
                 <a:spcPts val="0"/>
               </a:spcAft>
-              <a:buSzPct val="31818"/>
+              <a:buSzPts val="1400"/>
               <a:buNone/>
               <a:defRPr b="0" i="0" sz="4400" u="none" cap="none" strike="noStrike">
                 <a:solidFill>
@@ -12076,7 +12111,7 @@
               <a:spcAft>
                 <a:spcPts val="0"/>
               </a:spcAft>
-              <a:buSzPct val="31818"/>
+              <a:buSzPts val="1400"/>
               <a:buNone/>
               <a:defRPr b="0" i="0" sz="4400" u="none" cap="none" strike="noStrike">
                 <a:solidFill>
@@ -12095,7 +12130,7 @@
               <a:spcAft>
                 <a:spcPts val="0"/>
               </a:spcAft>
-              <a:buSzPct val="31818"/>
+              <a:buSzPts val="1400"/>
               <a:buNone/>
               <a:defRPr b="0" i="0" sz="4400" u="none" cap="none" strike="noStrike">
                 <a:solidFill>
@@ -12114,7 +12149,7 @@
               <a:spcAft>
                 <a:spcPts val="0"/>
               </a:spcAft>
-              <a:buSzPct val="31818"/>
+              <a:buSzPts val="1400"/>
               <a:buNone/>
               <a:defRPr b="0" i="0" sz="4400" u="none" cap="none" strike="noStrike">
                 <a:solidFill>
@@ -12133,7 +12168,7 @@
               <a:spcAft>
                 <a:spcPts val="0"/>
               </a:spcAft>
-              <a:buSzPct val="31818"/>
+              <a:buSzPts val="1400"/>
               <a:buNone/>
               <a:defRPr b="0" i="0" sz="4400" u="none" cap="none" strike="noStrike">
                 <a:solidFill>
@@ -12152,7 +12187,7 @@
               <a:spcAft>
                 <a:spcPts val="0"/>
               </a:spcAft>
-              <a:buSzPct val="31818"/>
+              <a:buSzPts val="1400"/>
               <a:buNone/>
               <a:defRPr b="0" i="0" sz="4400" u="none" cap="none" strike="noStrike">
                 <a:solidFill>
@@ -12171,7 +12206,7 @@
               <a:spcAft>
                 <a:spcPts val="0"/>
               </a:spcAft>
-              <a:buSzPct val="31818"/>
+              <a:buSzPts val="1400"/>
               <a:buNone/>
               <a:defRPr b="0" i="0" sz="4400" u="none" cap="none" strike="noStrike">
                 <a:solidFill>
@@ -12190,7 +12225,7 @@
               <a:spcAft>
                 <a:spcPts val="0"/>
               </a:spcAft>
-              <a:buSzPct val="31818"/>
+              <a:buSzPts val="1400"/>
               <a:buNone/>
               <a:defRPr b="0" i="0" sz="4400" u="none" cap="none" strike="noStrike">
                 <a:solidFill>
@@ -12240,7 +12275,7 @@
               <a:buClr>
                 <a:srgbClr val="888888"/>
               </a:buClr>
-              <a:buSzPct val="100000"/>
+              <a:buSzPts val="3200"/>
               <a:buFont typeface="Arial"/>
               <a:buNone/>
               <a:defRPr sz="3200">
@@ -12263,7 +12298,7 @@
               <a:buClr>
                 <a:srgbClr val="888888"/>
               </a:buClr>
-              <a:buSzPct val="100000"/>
+              <a:buSzPts val="2800"/>
               <a:buFont typeface="Arial"/>
               <a:buNone/>
               <a:defRPr b="0" i="0" sz="2800" u="none" cap="none" strike="noStrike">
@@ -12286,7 +12321,7 @@
               <a:buClr>
                 <a:srgbClr val="888888"/>
               </a:buClr>
-              <a:buSzPct val="100000"/>
+              <a:buSzPts val="2400"/>
               <a:buFont typeface="Arial"/>
               <a:buNone/>
               <a:defRPr b="0" i="0" sz="2400" u="none" cap="none" strike="noStrike">
@@ -12309,7 +12344,7 @@
               <a:buClr>
                 <a:srgbClr val="888888"/>
               </a:buClr>
-              <a:buSzPct val="100000"/>
+              <a:buSzPts val="2000"/>
               <a:buFont typeface="Arial"/>
               <a:buNone/>
               <a:defRPr b="0" i="0" sz="2000" u="none" cap="none" strike="noStrike">
@@ -12332,7 +12367,7 @@
               <a:buClr>
                 <a:srgbClr val="888888"/>
               </a:buClr>
-              <a:buSzPct val="100000"/>
+              <a:buSzPts val="2000"/>
               <a:buFont typeface="Arial"/>
               <a:buNone/>
               <a:defRPr b="0" i="0" sz="2000" u="none" cap="none" strike="noStrike">
@@ -12352,7 +12387,7 @@
               <a:buClr>
                 <a:srgbClr val="888888"/>
               </a:buClr>
-              <a:buSzPct val="100000"/>
+              <a:buSzPts val="2000"/>
               <a:buFont typeface="Arial"/>
               <a:buNone/>
               <a:defRPr b="0" i="0" sz="2000" u="none" cap="none" strike="noStrike">
@@ -12372,7 +12407,7 @@
               <a:buClr>
                 <a:srgbClr val="888888"/>
               </a:buClr>
-              <a:buSzPct val="100000"/>
+              <a:buSzPts val="2000"/>
               <a:buFont typeface="Arial"/>
               <a:buNone/>
               <a:defRPr b="0" i="0" sz="2000" u="none" cap="none" strike="noStrike">
@@ -12392,7 +12427,7 @@
               <a:buClr>
                 <a:srgbClr val="888888"/>
               </a:buClr>
-              <a:buSzPct val="100000"/>
+              <a:buSzPts val="2000"/>
               <a:buFont typeface="Arial"/>
               <a:buNone/>
               <a:defRPr b="0" i="0" sz="2000" u="none" cap="none" strike="noStrike">
@@ -12412,7 +12447,7 @@
               <a:buClr>
                 <a:srgbClr val="888888"/>
               </a:buClr>
-              <a:buSzPct val="100000"/>
+              <a:buSzPts val="2000"/>
               <a:buFont typeface="Arial"/>
               <a:buNone/>
               <a:defRPr b="0" i="0" sz="2000" u="none" cap="none" strike="noStrike">
@@ -12463,7 +12498,7 @@
               <a:spcAft>
                 <a:spcPts val="0"/>
               </a:spcAft>
-              <a:buSzPct val="116666"/>
+              <a:buSzPts val="1400"/>
               <a:buNone/>
               <a:defRPr b="0" i="0" sz="1200" u="none">
                 <a:solidFill>
@@ -12485,7 +12520,7 @@
               <a:spcAft>
                 <a:spcPts val="0"/>
               </a:spcAft>
-              <a:buSzPct val="77777"/>
+              <a:buSzPts val="1400"/>
               <a:buNone/>
               <a:defRPr b="0" i="0" sz="1800" u="none" cap="none" strike="noStrike">
                 <a:solidFill>
@@ -12507,7 +12542,7 @@
               <a:spcAft>
                 <a:spcPts val="0"/>
               </a:spcAft>
-              <a:buSzPct val="77777"/>
+              <a:buSzPts val="1400"/>
               <a:buNone/>
               <a:defRPr b="0" i="0" sz="1800" u="none" cap="none" strike="noStrike">
                 <a:solidFill>
@@ -12529,7 +12564,7 @@
               <a:spcAft>
                 <a:spcPts val="0"/>
               </a:spcAft>
-              <a:buSzPct val="77777"/>
+              <a:buSzPts val="1400"/>
               <a:buNone/>
               <a:defRPr b="0" i="0" sz="1800" u="none" cap="none" strike="noStrike">
                 <a:solidFill>
@@ -12551,7 +12586,7 @@
               <a:spcAft>
                 <a:spcPts val="0"/>
               </a:spcAft>
-              <a:buSzPct val="77777"/>
+              <a:buSzPts val="1400"/>
               <a:buNone/>
               <a:defRPr b="0" i="0" sz="1800" u="none" cap="none" strike="noStrike">
                 <a:solidFill>
@@ -12573,7 +12608,7 @@
               <a:spcAft>
                 <a:spcPts val="0"/>
               </a:spcAft>
-              <a:buSzPct val="77777"/>
+              <a:buSzPts val="1400"/>
               <a:buNone/>
               <a:defRPr b="0" i="0" sz="1800" u="none" cap="none" strike="noStrike">
                 <a:solidFill>
@@ -12595,7 +12630,7 @@
               <a:spcAft>
                 <a:spcPts val="0"/>
               </a:spcAft>
-              <a:buSzPct val="77777"/>
+              <a:buSzPts val="1400"/>
               <a:buNone/>
               <a:defRPr b="0" i="0" sz="1800" u="none" cap="none" strike="noStrike">
                 <a:solidFill>
@@ -12617,7 +12652,7 @@
               <a:spcAft>
                 <a:spcPts val="0"/>
               </a:spcAft>
-              <a:buSzPct val="77777"/>
+              <a:buSzPts val="1400"/>
               <a:buNone/>
               <a:defRPr b="0" i="0" sz="1800" u="none" cap="none" strike="noStrike">
                 <a:solidFill>
@@ -12639,7 +12674,7 @@
               <a:spcAft>
                 <a:spcPts val="0"/>
               </a:spcAft>
-              <a:buSzPct val="77777"/>
+              <a:buSzPts val="1400"/>
               <a:buNone/>
               <a:defRPr b="0" i="0" sz="1800" u="none" cap="none" strike="noStrike">
                 <a:solidFill>
@@ -12689,7 +12724,7 @@
               <a:spcAft>
                 <a:spcPts val="0"/>
               </a:spcAft>
-              <a:buSzPct val="77777"/>
+              <a:buSzPts val="1400"/>
               <a:buNone/>
               <a:defRPr b="0" i="0" sz="1800" u="none">
                 <a:solidFill>
@@ -12711,7 +12746,7 @@
               <a:spcAft>
                 <a:spcPts val="0"/>
               </a:spcAft>
-              <a:buSzPct val="77777"/>
+              <a:buSzPts val="1400"/>
               <a:buNone/>
               <a:defRPr b="0" i="0" sz="1800" u="none" cap="none" strike="noStrike">
                 <a:solidFill>
@@ -12733,7 +12768,7 @@
               <a:spcAft>
                 <a:spcPts val="0"/>
               </a:spcAft>
-              <a:buSzPct val="77777"/>
+              <a:buSzPts val="1400"/>
               <a:buNone/>
               <a:defRPr b="0" i="0" sz="1800" u="none" cap="none" strike="noStrike">
                 <a:solidFill>
@@ -12755,7 +12790,7 @@
               <a:spcAft>
                 <a:spcPts val="0"/>
               </a:spcAft>
-              <a:buSzPct val="77777"/>
+              <a:buSzPts val="1400"/>
               <a:buNone/>
               <a:defRPr b="0" i="0" sz="1800" u="none" cap="none" strike="noStrike">
                 <a:solidFill>
@@ -12777,7 +12812,7 @@
               <a:spcAft>
                 <a:spcPts val="0"/>
               </a:spcAft>
-              <a:buSzPct val="77777"/>
+              <a:buSzPts val="1400"/>
               <a:buNone/>
               <a:defRPr b="0" i="0" sz="1800" u="none" cap="none" strike="noStrike">
                 <a:solidFill>
@@ -12799,7 +12834,7 @@
               <a:spcAft>
                 <a:spcPts val="0"/>
               </a:spcAft>
-              <a:buSzPct val="77777"/>
+              <a:buSzPts val="1400"/>
               <a:buNone/>
               <a:defRPr b="0" i="0" sz="1800" u="none" cap="none" strike="noStrike">
                 <a:solidFill>
@@ -12821,7 +12856,7 @@
               <a:spcAft>
                 <a:spcPts val="0"/>
               </a:spcAft>
-              <a:buSzPct val="77777"/>
+              <a:buSzPts val="1400"/>
               <a:buNone/>
               <a:defRPr b="0" i="0" sz="1800" u="none" cap="none" strike="noStrike">
                 <a:solidFill>
@@ -12843,7 +12878,7 @@
               <a:spcAft>
                 <a:spcPts val="0"/>
               </a:spcAft>
-              <a:buSzPct val="77777"/>
+              <a:buSzPts val="1400"/>
               <a:buNone/>
               <a:defRPr b="0" i="0" sz="1800" u="none" cap="none" strike="noStrike">
                 <a:solidFill>
@@ -12865,7 +12900,7 @@
               <a:spcAft>
                 <a:spcPts val="0"/>
               </a:spcAft>
-              <a:buSzPct val="77777"/>
+              <a:buSzPts val="1400"/>
               <a:buNone/>
               <a:defRPr b="0" i="0" sz="1800" u="none" cap="none" strike="noStrike">
                 <a:solidFill>
@@ -12921,7 +12956,6 @@
               <a:buClr>
                 <a:srgbClr val="898989"/>
               </a:buClr>
-              <a:buSzPct val="25000"/>
               <a:buFont typeface="Calibri"/>
               <a:buNone/>
             </a:pPr>
@@ -12989,54 +13023,72 @@
               <a:spcBef>
                 <a:spcPts val="0"/>
               </a:spcBef>
+              <a:buSzPts val="2800"/>
+              <a:buNone/>
               <a:defRPr/>
             </a:lvl1pPr>
             <a:lvl2pPr lvl="1">
               <a:spcBef>
                 <a:spcPts val="0"/>
               </a:spcBef>
+              <a:buSzPts val="2800"/>
+              <a:buNone/>
               <a:defRPr/>
             </a:lvl2pPr>
             <a:lvl3pPr lvl="2">
               <a:spcBef>
                 <a:spcPts val="0"/>
               </a:spcBef>
+              <a:buSzPts val="2800"/>
+              <a:buNone/>
               <a:defRPr/>
             </a:lvl3pPr>
             <a:lvl4pPr lvl="3">
               <a:spcBef>
                 <a:spcPts val="0"/>
               </a:spcBef>
+              <a:buSzPts val="2800"/>
+              <a:buNone/>
               <a:defRPr/>
             </a:lvl4pPr>
             <a:lvl5pPr lvl="4">
               <a:spcBef>
                 <a:spcPts val="0"/>
               </a:spcBef>
+              <a:buSzPts val="2800"/>
+              <a:buNone/>
               <a:defRPr/>
             </a:lvl5pPr>
             <a:lvl6pPr lvl="5">
               <a:spcBef>
                 <a:spcPts val="0"/>
               </a:spcBef>
+              <a:buSzPts val="2800"/>
+              <a:buNone/>
               <a:defRPr/>
             </a:lvl6pPr>
             <a:lvl7pPr lvl="6">
               <a:spcBef>
                 <a:spcPts val="0"/>
               </a:spcBef>
+              <a:buSzPts val="2800"/>
+              <a:buNone/>
               <a:defRPr/>
             </a:lvl7pPr>
             <a:lvl8pPr lvl="7">
               <a:spcBef>
                 <a:spcPts val="0"/>
               </a:spcBef>
+              <a:buSzPts val="2800"/>
+              <a:buNone/>
               <a:defRPr/>
             </a:lvl8pPr>
             <a:lvl9pPr lvl="8">
               <a:spcBef>
                 <a:spcPts val="0"/>
               </a:spcBef>
+              <a:buSzPts val="2800"/>
+              <a:buNone/>
               <a:defRPr/>
             </a:lvl9pPr>
           </a:lstStyle>
@@ -13067,54 +13119,72 @@
               <a:spcBef>
                 <a:spcPts val="0"/>
               </a:spcBef>
+              <a:buSzPts val="1800"/>
+              <a:buChar char="●"/>
               <a:defRPr/>
             </a:lvl1pPr>
             <a:lvl2pPr lvl="1">
               <a:spcBef>
                 <a:spcPts val="0"/>
               </a:spcBef>
+              <a:buSzPts val="1400"/>
+              <a:buChar char="○"/>
               <a:defRPr/>
             </a:lvl2pPr>
             <a:lvl3pPr lvl="2">
               <a:spcBef>
                 <a:spcPts val="0"/>
               </a:spcBef>
+              <a:buSzPts val="1400"/>
+              <a:buChar char="■"/>
               <a:defRPr/>
             </a:lvl3pPr>
             <a:lvl4pPr lvl="3">
               <a:spcBef>
                 <a:spcPts val="0"/>
               </a:spcBef>
+              <a:buSzPts val="1400"/>
+              <a:buChar char="●"/>
               <a:defRPr/>
             </a:lvl4pPr>
             <a:lvl5pPr lvl="4">
               <a:spcBef>
                 <a:spcPts val="0"/>
               </a:spcBef>
+              <a:buSzPts val="1400"/>
+              <a:buChar char="○"/>
               <a:defRPr/>
             </a:lvl5pPr>
             <a:lvl6pPr lvl="5">
               <a:spcBef>
                 <a:spcPts val="0"/>
               </a:spcBef>
+              <a:buSzPts val="1400"/>
+              <a:buChar char="■"/>
               <a:defRPr/>
             </a:lvl6pPr>
             <a:lvl7pPr lvl="6">
               <a:spcBef>
                 <a:spcPts val="0"/>
               </a:spcBef>
+              <a:buSzPts val="1400"/>
+              <a:buChar char="●"/>
               <a:defRPr/>
             </a:lvl7pPr>
             <a:lvl8pPr lvl="7">
               <a:spcBef>
                 <a:spcPts val="0"/>
               </a:spcBef>
+              <a:buSzPts val="1400"/>
+              <a:buChar char="○"/>
               <a:defRPr/>
             </a:lvl8pPr>
             <a:lvl9pPr lvl="8">
               <a:spcBef>
                 <a:spcPts val="0"/>
               </a:spcBef>
+              <a:buSzPts val="1400"/>
+              <a:buChar char="■"/>
               <a:defRPr/>
             </a:lvl9pPr>
           </a:lstStyle>
@@ -13144,7 +13214,7 @@
           </a:bodyPr>
           <a:lstStyle/>
           <a:p>
-            <a:pPr lvl="0">
+            <a:pPr indent="0" lvl="0" marL="0">
               <a:spcBef>
                 <a:spcPts val="0"/>
               </a:spcBef>
@@ -13206,54 +13276,72 @@
               <a:spcBef>
                 <a:spcPts val="0"/>
               </a:spcBef>
+              <a:buSzPts val="2800"/>
+              <a:buNone/>
               <a:defRPr/>
             </a:lvl1pPr>
             <a:lvl2pPr lvl="1">
               <a:spcBef>
                 <a:spcPts val="0"/>
               </a:spcBef>
+              <a:buSzPts val="2800"/>
+              <a:buNone/>
               <a:defRPr/>
             </a:lvl2pPr>
             <a:lvl3pPr lvl="2">
               <a:spcBef>
                 <a:spcPts val="0"/>
               </a:spcBef>
+              <a:buSzPts val="2800"/>
+              <a:buNone/>
               <a:defRPr/>
             </a:lvl3pPr>
             <a:lvl4pPr lvl="3">
               <a:spcBef>
                 <a:spcPts val="0"/>
               </a:spcBef>
+              <a:buSzPts val="2800"/>
+              <a:buNone/>
               <a:defRPr/>
             </a:lvl4pPr>
             <a:lvl5pPr lvl="4">
               <a:spcBef>
                 <a:spcPts val="0"/>
               </a:spcBef>
+              <a:buSzPts val="2800"/>
+              <a:buNone/>
               <a:defRPr/>
             </a:lvl5pPr>
             <a:lvl6pPr lvl="5">
               <a:spcBef>
                 <a:spcPts val="0"/>
               </a:spcBef>
+              <a:buSzPts val="2800"/>
+              <a:buNone/>
               <a:defRPr/>
             </a:lvl6pPr>
             <a:lvl7pPr lvl="6">
               <a:spcBef>
                 <a:spcPts val="0"/>
               </a:spcBef>
+              <a:buSzPts val="2800"/>
+              <a:buNone/>
               <a:defRPr/>
             </a:lvl7pPr>
             <a:lvl8pPr lvl="7">
               <a:spcBef>
                 <a:spcPts val="0"/>
               </a:spcBef>
+              <a:buSzPts val="2800"/>
+              <a:buNone/>
               <a:defRPr/>
             </a:lvl8pPr>
             <a:lvl9pPr lvl="8">
               <a:spcBef>
                 <a:spcPts val="0"/>
               </a:spcBef>
+              <a:buSzPts val="2800"/>
+              <a:buNone/>
               <a:defRPr/>
             </a:lvl9pPr>
           </a:lstStyle>
@@ -13284,63 +13372,72 @@
               <a:spcBef>
                 <a:spcPts val="0"/>
               </a:spcBef>
-              <a:buSzPct val="100000"/>
+              <a:buSzPts val="1400"/>
+              <a:buChar char="●"/>
               <a:defRPr sz="1400"/>
             </a:lvl1pPr>
             <a:lvl2pPr lvl="1">
               <a:spcBef>
                 <a:spcPts val="0"/>
               </a:spcBef>
-              <a:buSzPct val="100000"/>
+              <a:buSzPts val="1200"/>
+              <a:buChar char="○"/>
               <a:defRPr sz="1200"/>
             </a:lvl2pPr>
             <a:lvl3pPr lvl="2">
               <a:spcBef>
                 <a:spcPts val="0"/>
               </a:spcBef>
-              <a:buSzPct val="100000"/>
+              <a:buSzPts val="1200"/>
+              <a:buChar char="■"/>
               <a:defRPr sz="1200"/>
             </a:lvl3pPr>
             <a:lvl4pPr lvl="3">
               <a:spcBef>
                 <a:spcPts val="0"/>
               </a:spcBef>
-              <a:buSzPct val="100000"/>
+              <a:buSzPts val="1200"/>
+              <a:buChar char="●"/>
               <a:defRPr sz="1200"/>
             </a:lvl4pPr>
             <a:lvl5pPr lvl="4">
               <a:spcBef>
                 <a:spcPts val="0"/>
               </a:spcBef>
-              <a:buSzPct val="100000"/>
+              <a:buSzPts val="1200"/>
+              <a:buChar char="○"/>
               <a:defRPr sz="1200"/>
             </a:lvl5pPr>
             <a:lvl6pPr lvl="5">
               <a:spcBef>
                 <a:spcPts val="0"/>
               </a:spcBef>
-              <a:buSzPct val="100000"/>
+              <a:buSzPts val="1200"/>
+              <a:buChar char="■"/>
               <a:defRPr sz="1200"/>
             </a:lvl6pPr>
             <a:lvl7pPr lvl="6">
               <a:spcBef>
                 <a:spcPts val="0"/>
               </a:spcBef>
-              <a:buSzPct val="100000"/>
+              <a:buSzPts val="1200"/>
+              <a:buChar char="●"/>
               <a:defRPr sz="1200"/>
             </a:lvl7pPr>
             <a:lvl8pPr lvl="7">
               <a:spcBef>
                 <a:spcPts val="0"/>
               </a:spcBef>
-              <a:buSzPct val="100000"/>
+              <a:buSzPts val="1200"/>
+              <a:buChar char="○"/>
               <a:defRPr sz="1200"/>
             </a:lvl8pPr>
             <a:lvl9pPr lvl="8">
               <a:spcBef>
                 <a:spcPts val="0"/>
               </a:spcBef>
-              <a:buSzPct val="100000"/>
+              <a:buSzPts val="1200"/>
+              <a:buChar char="■"/>
               <a:defRPr sz="1200"/>
             </a:lvl9pPr>
           </a:lstStyle>
@@ -13371,63 +13468,72 @@
               <a:spcBef>
                 <a:spcPts val="0"/>
               </a:spcBef>
-              <a:buSzPct val="100000"/>
+              <a:buSzPts val="1400"/>
+              <a:buChar char="●"/>
               <a:defRPr sz="1400"/>
             </a:lvl1pPr>
             <a:lvl2pPr lvl="1">
               <a:spcBef>
                 <a:spcPts val="0"/>
               </a:spcBef>
-              <a:buSzPct val="100000"/>
+              <a:buSzPts val="1200"/>
+              <a:buChar char="○"/>
               <a:defRPr sz="1200"/>
             </a:lvl2pPr>
             <a:lvl3pPr lvl="2">
               <a:spcBef>
                 <a:spcPts val="0"/>
               </a:spcBef>
-              <a:buSzPct val="100000"/>
+              <a:buSzPts val="1200"/>
+              <a:buChar char="■"/>
               <a:defRPr sz="1200"/>
             </a:lvl3pPr>
             <a:lvl4pPr lvl="3">
               <a:spcBef>
                 <a:spcPts val="0"/>
               </a:spcBef>
-              <a:buSzPct val="100000"/>
+              <a:buSzPts val="1200"/>
+              <a:buChar char="●"/>
               <a:defRPr sz="1200"/>
             </a:lvl4pPr>
             <a:lvl5pPr lvl="4">
               <a:spcBef>
                 <a:spcPts val="0"/>
               </a:spcBef>
-              <a:buSzPct val="100000"/>
+              <a:buSzPts val="1200"/>
+              <a:buChar char="○"/>
               <a:defRPr sz="1200"/>
             </a:lvl5pPr>
             <a:lvl6pPr lvl="5">
               <a:spcBef>
                 <a:spcPts val="0"/>
               </a:spcBef>
-              <a:buSzPct val="100000"/>
+              <a:buSzPts val="1200"/>
+              <a:buChar char="■"/>
               <a:defRPr sz="1200"/>
             </a:lvl6pPr>
             <a:lvl7pPr lvl="6">
               <a:spcBef>
                 <a:spcPts val="0"/>
               </a:spcBef>
-              <a:buSzPct val="100000"/>
+              <a:buSzPts val="1200"/>
+              <a:buChar char="●"/>
               <a:defRPr sz="1200"/>
             </a:lvl7pPr>
             <a:lvl8pPr lvl="7">
               <a:spcBef>
                 <a:spcPts val="0"/>
               </a:spcBef>
-              <a:buSzPct val="100000"/>
+              <a:buSzPts val="1200"/>
+              <a:buChar char="○"/>
               <a:defRPr sz="1200"/>
             </a:lvl8pPr>
             <a:lvl9pPr lvl="8">
               <a:spcBef>
                 <a:spcPts val="0"/>
               </a:spcBef>
-              <a:buSzPct val="100000"/>
+              <a:buSzPts val="1200"/>
+              <a:buChar char="■"/>
               <a:defRPr sz="1200"/>
             </a:lvl9pPr>
           </a:lstStyle>
@@ -13457,7 +13563,7 @@
           </a:bodyPr>
           <a:lstStyle/>
           <a:p>
-            <a:pPr lvl="0">
+            <a:pPr indent="0" lvl="0" marL="0">
               <a:spcBef>
                 <a:spcPts val="0"/>
               </a:spcBef>
@@ -13519,54 +13625,72 @@
               <a:spcBef>
                 <a:spcPts val="0"/>
               </a:spcBef>
+              <a:buSzPts val="2800"/>
+              <a:buNone/>
               <a:defRPr/>
             </a:lvl1pPr>
             <a:lvl2pPr lvl="1">
               <a:spcBef>
                 <a:spcPts val="0"/>
               </a:spcBef>
+              <a:buSzPts val="2800"/>
+              <a:buNone/>
               <a:defRPr/>
             </a:lvl2pPr>
             <a:lvl3pPr lvl="2">
               <a:spcBef>
                 <a:spcPts val="0"/>
               </a:spcBef>
+              <a:buSzPts val="2800"/>
+              <a:buNone/>
               <a:defRPr/>
             </a:lvl3pPr>
             <a:lvl4pPr lvl="3">
               <a:spcBef>
                 <a:spcPts val="0"/>
               </a:spcBef>
+              <a:buSzPts val="2800"/>
+              <a:buNone/>
               <a:defRPr/>
             </a:lvl4pPr>
             <a:lvl5pPr lvl="4">
               <a:spcBef>
                 <a:spcPts val="0"/>
               </a:spcBef>
+              <a:buSzPts val="2800"/>
+              <a:buNone/>
               <a:defRPr/>
             </a:lvl5pPr>
             <a:lvl6pPr lvl="5">
               <a:spcBef>
                 <a:spcPts val="0"/>
               </a:spcBef>
+              <a:buSzPts val="2800"/>
+              <a:buNone/>
               <a:defRPr/>
             </a:lvl6pPr>
             <a:lvl7pPr lvl="6">
               <a:spcBef>
                 <a:spcPts val="0"/>
               </a:spcBef>
+              <a:buSzPts val="2800"/>
+              <a:buNone/>
               <a:defRPr/>
             </a:lvl7pPr>
             <a:lvl8pPr lvl="7">
               <a:spcBef>
                 <a:spcPts val="0"/>
               </a:spcBef>
+              <a:buSzPts val="2800"/>
+              <a:buNone/>
               <a:defRPr/>
             </a:lvl8pPr>
             <a:lvl9pPr lvl="8">
               <a:spcBef>
                 <a:spcPts val="0"/>
               </a:spcBef>
+              <a:buSzPts val="2800"/>
+              <a:buNone/>
               <a:defRPr/>
             </a:lvl9pPr>
           </a:lstStyle>
@@ -13596,7 +13720,7 @@
           </a:bodyPr>
           <a:lstStyle/>
           <a:p>
-            <a:pPr lvl="0">
+            <a:pPr indent="0" lvl="0" marL="0">
               <a:spcBef>
                 <a:spcPts val="0"/>
               </a:spcBef>
@@ -13658,63 +13782,72 @@
               <a:spcBef>
                 <a:spcPts val="0"/>
               </a:spcBef>
-              <a:buSzPct val="100000"/>
+              <a:buSzPts val="2400"/>
+              <a:buNone/>
               <a:defRPr sz="2400"/>
             </a:lvl1pPr>
             <a:lvl2pPr lvl="1">
               <a:spcBef>
                 <a:spcPts val="0"/>
               </a:spcBef>
-              <a:buSzPct val="100000"/>
+              <a:buSzPts val="2400"/>
+              <a:buNone/>
               <a:defRPr sz="2400"/>
             </a:lvl2pPr>
             <a:lvl3pPr lvl="2">
               <a:spcBef>
                 <a:spcPts val="0"/>
               </a:spcBef>
-              <a:buSzPct val="100000"/>
+              <a:buSzPts val="2400"/>
+              <a:buNone/>
               <a:defRPr sz="2400"/>
             </a:lvl3pPr>
             <a:lvl4pPr lvl="3">
               <a:spcBef>
                 <a:spcPts val="0"/>
               </a:spcBef>
-              <a:buSzPct val="100000"/>
+              <a:buSzPts val="2400"/>
+              <a:buNone/>
               <a:defRPr sz="2400"/>
             </a:lvl4pPr>
             <a:lvl5pPr lvl="4">
               <a:spcBef>
                 <a:spcPts val="0"/>
               </a:spcBef>
-              <a:buSzPct val="100000"/>
+              <a:buSzPts val="2400"/>
+              <a:buNone/>
               <a:defRPr sz="2400"/>
             </a:lvl5pPr>
             <a:lvl6pPr lvl="5">
               <a:spcBef>
                 <a:spcPts val="0"/>
               </a:spcBef>
-              <a:buSzPct val="100000"/>
+              <a:buSzPts val="2400"/>
+              <a:buNone/>
               <a:defRPr sz="2400"/>
             </a:lvl6pPr>
             <a:lvl7pPr lvl="6">
               <a:spcBef>
                 <a:spcPts val="0"/>
               </a:spcBef>
-              <a:buSzPct val="100000"/>
+              <a:buSzPts val="2400"/>
+              <a:buNone/>
               <a:defRPr sz="2400"/>
             </a:lvl7pPr>
             <a:lvl8pPr lvl="7">
               <a:spcBef>
                 <a:spcPts val="0"/>
               </a:spcBef>
-              <a:buSzPct val="100000"/>
+              <a:buSzPts val="2400"/>
+              <a:buNone/>
               <a:defRPr sz="2400"/>
             </a:lvl8pPr>
             <a:lvl9pPr lvl="8">
               <a:spcBef>
                 <a:spcPts val="0"/>
               </a:spcBef>
-              <a:buSzPct val="100000"/>
+              <a:buSzPts val="2400"/>
+              <a:buNone/>
               <a:defRPr sz="2400"/>
             </a:lvl9pPr>
           </a:lstStyle>
@@ -13745,63 +13878,72 @@
               <a:spcBef>
                 <a:spcPts val="0"/>
               </a:spcBef>
-              <a:buSzPct val="100000"/>
+              <a:buSzPts val="1200"/>
+              <a:buChar char="●"/>
               <a:defRPr sz="1200"/>
             </a:lvl1pPr>
             <a:lvl2pPr lvl="1">
               <a:spcBef>
                 <a:spcPts val="0"/>
               </a:spcBef>
-              <a:buSzPct val="100000"/>
+              <a:buSzPts val="1200"/>
+              <a:buChar char="○"/>
               <a:defRPr sz="1200"/>
             </a:lvl2pPr>
             <a:lvl3pPr lvl="2">
               <a:spcBef>
                 <a:spcPts val="0"/>
               </a:spcBef>
-              <a:buSzPct val="100000"/>
+              <a:buSzPts val="1200"/>
+              <a:buChar char="■"/>
               <a:defRPr sz="1200"/>
             </a:lvl3pPr>
             <a:lvl4pPr lvl="3">
               <a:spcBef>
                 <a:spcPts val="0"/>
               </a:spcBef>
-              <a:buSzPct val="100000"/>
+              <a:buSzPts val="1200"/>
+              <a:buChar char="●"/>
               <a:defRPr sz="1200"/>
             </a:lvl4pPr>
             <a:lvl5pPr lvl="4">
               <a:spcBef>
                 <a:spcPts val="0"/>
               </a:spcBef>
-              <a:buSzPct val="100000"/>
+              <a:buSzPts val="1200"/>
+              <a:buChar char="○"/>
               <a:defRPr sz="1200"/>
             </a:lvl5pPr>
             <a:lvl6pPr lvl="5">
               <a:spcBef>
                 <a:spcPts val="0"/>
               </a:spcBef>
-              <a:buSzPct val="100000"/>
+              <a:buSzPts val="1200"/>
+              <a:buChar char="■"/>
               <a:defRPr sz="1200"/>
             </a:lvl6pPr>
             <a:lvl7pPr lvl="6">
               <a:spcBef>
                 <a:spcPts val="0"/>
               </a:spcBef>
-              <a:buSzPct val="100000"/>
+              <a:buSzPts val="1200"/>
+              <a:buChar char="●"/>
               <a:defRPr sz="1200"/>
             </a:lvl7pPr>
             <a:lvl8pPr lvl="7">
               <a:spcBef>
                 <a:spcPts val="0"/>
               </a:spcBef>
-              <a:buSzPct val="100000"/>
+              <a:buSzPts val="1200"/>
+              <a:buChar char="○"/>
               <a:defRPr sz="1200"/>
             </a:lvl8pPr>
             <a:lvl9pPr lvl="8">
               <a:spcBef>
                 <a:spcPts val="0"/>
               </a:spcBef>
-              <a:buSzPct val="100000"/>
+              <a:buSzPts val="1200"/>
+              <a:buChar char="■"/>
               <a:defRPr sz="1200"/>
             </a:lvl9pPr>
           </a:lstStyle>
@@ -13831,7 +13973,7 @@
           </a:bodyPr>
           <a:lstStyle/>
           <a:p>
-            <a:pPr lvl="0">
+            <a:pPr indent="0" lvl="0" marL="0">
               <a:spcBef>
                 <a:spcPts val="0"/>
               </a:spcBef>
@@ -13893,63 +14035,72 @@
               <a:spcBef>
                 <a:spcPts val="0"/>
               </a:spcBef>
-              <a:buSzPct val="100000"/>
+              <a:buSzPts val="4800"/>
+              <a:buNone/>
               <a:defRPr sz="4800"/>
             </a:lvl1pPr>
             <a:lvl2pPr lvl="1">
               <a:spcBef>
                 <a:spcPts val="0"/>
               </a:spcBef>
-              <a:buSzPct val="100000"/>
+              <a:buSzPts val="4800"/>
+              <a:buNone/>
               <a:defRPr sz="4800"/>
             </a:lvl2pPr>
             <a:lvl3pPr lvl="2">
               <a:spcBef>
                 <a:spcPts val="0"/>
               </a:spcBef>
-              <a:buSzPct val="100000"/>
+              <a:buSzPts val="4800"/>
+              <a:buNone/>
               <a:defRPr sz="4800"/>
             </a:lvl3pPr>
             <a:lvl4pPr lvl="3">
               <a:spcBef>
                 <a:spcPts val="0"/>
               </a:spcBef>
-              <a:buSzPct val="100000"/>
+              <a:buSzPts val="4800"/>
+              <a:buNone/>
               <a:defRPr sz="4800"/>
             </a:lvl4pPr>
             <a:lvl5pPr lvl="4">
               <a:spcBef>
                 <a:spcPts val="0"/>
               </a:spcBef>
-              <a:buSzPct val="100000"/>
+              <a:buSzPts val="4800"/>
+              <a:buNone/>
               <a:defRPr sz="4800"/>
             </a:lvl5pPr>
             <a:lvl6pPr lvl="5">
               <a:spcBef>
                 <a:spcPts val="0"/>
               </a:spcBef>
-              <a:buSzPct val="100000"/>
+              <a:buSzPts val="4800"/>
+              <a:buNone/>
               <a:defRPr sz="4800"/>
             </a:lvl6pPr>
             <a:lvl7pPr lvl="6">
               <a:spcBef>
                 <a:spcPts val="0"/>
               </a:spcBef>
-              <a:buSzPct val="100000"/>
+              <a:buSzPts val="4800"/>
+              <a:buNone/>
               <a:defRPr sz="4800"/>
             </a:lvl7pPr>
             <a:lvl8pPr lvl="7">
               <a:spcBef>
                 <a:spcPts val="0"/>
               </a:spcBef>
-              <a:buSzPct val="100000"/>
+              <a:buSzPts val="4800"/>
+              <a:buNone/>
               <a:defRPr sz="4800"/>
             </a:lvl8pPr>
             <a:lvl9pPr lvl="8">
               <a:spcBef>
                 <a:spcPts val="0"/>
               </a:spcBef>
-              <a:buSzPct val="100000"/>
+              <a:buSzPts val="4800"/>
+              <a:buNone/>
               <a:defRPr sz="4800"/>
             </a:lvl9pPr>
           </a:lstStyle>
@@ -13979,7 +14130,7 @@
           </a:bodyPr>
           <a:lstStyle/>
           <a:p>
-            <a:pPr lvl="0">
+            <a:pPr indent="0" lvl="0" marL="0">
               <a:spcBef>
                 <a:spcPts val="0"/>
               </a:spcBef>
@@ -14044,7 +14195,7 @@
           </a:bodyPr>
           <a:lstStyle/>
           <a:p>
-            <a:pPr lvl="0">
+            <a:pPr indent="0" lvl="0" marL="0">
               <a:spcBef>
                 <a:spcPts val="0"/>
               </a:spcBef>
@@ -14081,63 +14232,72 @@
               <a:spcBef>
                 <a:spcPts val="0"/>
               </a:spcBef>
-              <a:buSzPct val="100000"/>
+              <a:buSzPts val="4200"/>
+              <a:buNone/>
               <a:defRPr sz="4200"/>
             </a:lvl1pPr>
             <a:lvl2pPr lvl="1" algn="ctr">
               <a:spcBef>
                 <a:spcPts val="0"/>
               </a:spcBef>
-              <a:buSzPct val="100000"/>
+              <a:buSzPts val="4200"/>
+              <a:buNone/>
               <a:defRPr sz="4200"/>
             </a:lvl2pPr>
             <a:lvl3pPr lvl="2" algn="ctr">
               <a:spcBef>
                 <a:spcPts val="0"/>
               </a:spcBef>
-              <a:buSzPct val="100000"/>
+              <a:buSzPts val="4200"/>
+              <a:buNone/>
               <a:defRPr sz="4200"/>
             </a:lvl3pPr>
             <a:lvl4pPr lvl="3" algn="ctr">
               <a:spcBef>
                 <a:spcPts val="0"/>
               </a:spcBef>
-              <a:buSzPct val="100000"/>
+              <a:buSzPts val="4200"/>
+              <a:buNone/>
               <a:defRPr sz="4200"/>
             </a:lvl4pPr>
             <a:lvl5pPr lvl="4" algn="ctr">
               <a:spcBef>
                 <a:spcPts val="0"/>
               </a:spcBef>
-              <a:buSzPct val="100000"/>
+              <a:buSzPts val="4200"/>
+              <a:buNone/>
               <a:defRPr sz="4200"/>
             </a:lvl5pPr>
             <a:lvl6pPr lvl="5" algn="ctr">
               <a:spcBef>
                 <a:spcPts val="0"/>
               </a:spcBef>
-              <a:buSzPct val="100000"/>
+              <a:buSzPts val="4200"/>
+              <a:buNone/>
               <a:defRPr sz="4200"/>
             </a:lvl6pPr>
             <a:lvl7pPr lvl="6" algn="ctr">
               <a:spcBef>
                 <a:spcPts val="0"/>
               </a:spcBef>
-              <a:buSzPct val="100000"/>
+              <a:buSzPts val="4200"/>
+              <a:buNone/>
               <a:defRPr sz="4200"/>
             </a:lvl7pPr>
             <a:lvl8pPr lvl="7" algn="ctr">
               <a:spcBef>
                 <a:spcPts val="0"/>
               </a:spcBef>
-              <a:buSzPct val="100000"/>
+              <a:buSzPts val="4200"/>
+              <a:buNone/>
               <a:defRPr sz="4200"/>
             </a:lvl8pPr>
             <a:lvl9pPr lvl="8" algn="ctr">
               <a:spcBef>
                 <a:spcPts val="0"/>
               </a:spcBef>
-              <a:buSzPct val="100000"/>
+              <a:buSzPts val="4200"/>
+              <a:buNone/>
               <a:defRPr sz="4200"/>
             </a:lvl9pPr>
           </a:lstStyle>
@@ -14174,7 +14334,7 @@
               <a:spcAft>
                 <a:spcPts val="0"/>
               </a:spcAft>
-              <a:buSzPct val="100000"/>
+              <a:buSzPts val="2100"/>
               <a:buNone/>
               <a:defRPr sz="2100"/>
             </a:lvl1pPr>
@@ -14188,7 +14348,7 @@
               <a:spcAft>
                 <a:spcPts val="0"/>
               </a:spcAft>
-              <a:buSzPct val="100000"/>
+              <a:buSzPts val="2100"/>
               <a:buNone/>
               <a:defRPr sz="2100"/>
             </a:lvl2pPr>
@@ -14202,7 +14362,7 @@
               <a:spcAft>
                 <a:spcPts val="0"/>
               </a:spcAft>
-              <a:buSzPct val="100000"/>
+              <a:buSzPts val="2100"/>
               <a:buNone/>
               <a:defRPr sz="2100"/>
             </a:lvl3pPr>
@@ -14216,7 +14376,7 @@
               <a:spcAft>
                 <a:spcPts val="0"/>
               </a:spcAft>
-              <a:buSzPct val="100000"/>
+              <a:buSzPts val="2100"/>
               <a:buNone/>
               <a:defRPr sz="2100"/>
             </a:lvl4pPr>
@@ -14230,7 +14390,7 @@
               <a:spcAft>
                 <a:spcPts val="0"/>
               </a:spcAft>
-              <a:buSzPct val="100000"/>
+              <a:buSzPts val="2100"/>
               <a:buNone/>
               <a:defRPr sz="2100"/>
             </a:lvl5pPr>
@@ -14244,7 +14404,7 @@
               <a:spcAft>
                 <a:spcPts val="0"/>
               </a:spcAft>
-              <a:buSzPct val="100000"/>
+              <a:buSzPts val="2100"/>
               <a:buNone/>
               <a:defRPr sz="2100"/>
             </a:lvl6pPr>
@@ -14258,7 +14418,7 @@
               <a:spcAft>
                 <a:spcPts val="0"/>
               </a:spcAft>
-              <a:buSzPct val="100000"/>
+              <a:buSzPts val="2100"/>
               <a:buNone/>
               <a:defRPr sz="2100"/>
             </a:lvl7pPr>
@@ -14272,7 +14432,7 @@
               <a:spcAft>
                 <a:spcPts val="0"/>
               </a:spcAft>
-              <a:buSzPct val="100000"/>
+              <a:buSzPts val="2100"/>
               <a:buNone/>
               <a:defRPr sz="2100"/>
             </a:lvl8pPr>
@@ -14286,7 +14446,7 @@
               <a:spcAft>
                 <a:spcPts val="0"/>
               </a:spcAft>
-              <a:buSzPct val="100000"/>
+              <a:buSzPts val="2100"/>
               <a:buNone/>
               <a:defRPr sz="2100"/>
             </a:lvl9pPr>
@@ -14318,54 +14478,72 @@
               <a:spcBef>
                 <a:spcPts val="0"/>
               </a:spcBef>
+              <a:buSzPts val="1800"/>
+              <a:buChar char="●"/>
               <a:defRPr/>
             </a:lvl1pPr>
             <a:lvl2pPr lvl="1">
               <a:spcBef>
                 <a:spcPts val="0"/>
               </a:spcBef>
+              <a:buSzPts val="1400"/>
+              <a:buChar char="○"/>
               <a:defRPr/>
             </a:lvl2pPr>
             <a:lvl3pPr lvl="2">
               <a:spcBef>
                 <a:spcPts val="0"/>
               </a:spcBef>
+              <a:buSzPts val="1400"/>
+              <a:buChar char="■"/>
               <a:defRPr/>
             </a:lvl3pPr>
             <a:lvl4pPr lvl="3">
               <a:spcBef>
                 <a:spcPts val="0"/>
               </a:spcBef>
+              <a:buSzPts val="1400"/>
+              <a:buChar char="●"/>
               <a:defRPr/>
             </a:lvl4pPr>
             <a:lvl5pPr lvl="4">
               <a:spcBef>
                 <a:spcPts val="0"/>
               </a:spcBef>
+              <a:buSzPts val="1400"/>
+              <a:buChar char="○"/>
               <a:defRPr/>
             </a:lvl5pPr>
             <a:lvl6pPr lvl="5">
               <a:spcBef>
                 <a:spcPts val="0"/>
               </a:spcBef>
+              <a:buSzPts val="1400"/>
+              <a:buChar char="■"/>
               <a:defRPr/>
             </a:lvl6pPr>
             <a:lvl7pPr lvl="6">
               <a:spcBef>
                 <a:spcPts val="0"/>
               </a:spcBef>
+              <a:buSzPts val="1400"/>
+              <a:buChar char="●"/>
               <a:defRPr/>
             </a:lvl7pPr>
             <a:lvl8pPr lvl="7">
               <a:spcBef>
                 <a:spcPts val="0"/>
               </a:spcBef>
+              <a:buSzPts val="1400"/>
+              <a:buChar char="○"/>
               <a:defRPr/>
             </a:lvl8pPr>
             <a:lvl9pPr lvl="8">
               <a:spcBef>
                 <a:spcPts val="0"/>
               </a:spcBef>
+              <a:buSzPts val="1400"/>
+              <a:buChar char="■"/>
               <a:defRPr/>
             </a:lvl9pPr>
           </a:lstStyle>
@@ -14395,7 +14573,7 @@
           </a:bodyPr>
           <a:lstStyle/>
           <a:p>
-            <a:pPr lvl="0">
+            <a:pPr indent="0" lvl="0" marL="0">
               <a:spcBef>
                 <a:spcPts val="0"/>
               </a:spcBef>
@@ -14463,6 +14641,7 @@
               <a:spcAft>
                 <a:spcPts val="0"/>
               </a:spcAft>
+              <a:buSzPts val="1800"/>
               <a:buNone/>
               <a:defRPr/>
             </a:lvl1pPr>
@@ -14493,7 +14672,7 @@
           </a:bodyPr>
           <a:lstStyle/>
           <a:p>
-            <a:pPr lvl="0">
+            <a:pPr indent="0" lvl="0" marL="0">
               <a:spcBef>
                 <a:spcPts val="0"/>
               </a:spcBef>
@@ -14569,7 +14748,7 @@
               <a:buClr>
                 <a:schemeClr val="dk1"/>
               </a:buClr>
-              <a:buSzPct val="100000"/>
+              <a:buSzPts val="2800"/>
               <a:buNone/>
               <a:defRPr sz="2800">
                 <a:solidFill>
@@ -14584,7 +14763,7 @@
               <a:buClr>
                 <a:schemeClr val="dk1"/>
               </a:buClr>
-              <a:buSzPct val="100000"/>
+              <a:buSzPts val="2800"/>
               <a:buNone/>
               <a:defRPr sz="2800">
                 <a:solidFill>
@@ -14599,7 +14778,7 @@
               <a:buClr>
                 <a:schemeClr val="dk1"/>
               </a:buClr>
-              <a:buSzPct val="100000"/>
+              <a:buSzPts val="2800"/>
               <a:buNone/>
               <a:defRPr sz="2800">
                 <a:solidFill>
@@ -14614,7 +14793,7 @@
               <a:buClr>
                 <a:schemeClr val="dk1"/>
               </a:buClr>
-              <a:buSzPct val="100000"/>
+              <a:buSzPts val="2800"/>
               <a:buNone/>
               <a:defRPr sz="2800">
                 <a:solidFill>
@@ -14629,7 +14808,7 @@
               <a:buClr>
                 <a:schemeClr val="dk1"/>
               </a:buClr>
-              <a:buSzPct val="100000"/>
+              <a:buSzPts val="2800"/>
               <a:buNone/>
               <a:defRPr sz="2800">
                 <a:solidFill>
@@ -14644,7 +14823,7 @@
               <a:buClr>
                 <a:schemeClr val="dk1"/>
               </a:buClr>
-              <a:buSzPct val="100000"/>
+              <a:buSzPts val="2800"/>
               <a:buNone/>
               <a:defRPr sz="2800">
                 <a:solidFill>
@@ -14659,7 +14838,7 @@
               <a:buClr>
                 <a:schemeClr val="dk1"/>
               </a:buClr>
-              <a:buSzPct val="100000"/>
+              <a:buSzPts val="2800"/>
               <a:buNone/>
               <a:defRPr sz="2800">
                 <a:solidFill>
@@ -14674,7 +14853,7 @@
               <a:buClr>
                 <a:schemeClr val="dk1"/>
               </a:buClr>
-              <a:buSzPct val="100000"/>
+              <a:buSzPts val="2800"/>
               <a:buNone/>
               <a:defRPr sz="2800">
                 <a:solidFill>
@@ -14689,7 +14868,7 @@
               <a:buClr>
                 <a:schemeClr val="dk1"/>
               </a:buClr>
-              <a:buSzPct val="100000"/>
+              <a:buSzPts val="2800"/>
               <a:buNone/>
               <a:defRPr sz="2800">
                 <a:solidFill>
@@ -14738,7 +14917,7 @@
               <a:buClr>
                 <a:schemeClr val="dk2"/>
               </a:buClr>
-              <a:buSzPct val="100000"/>
+              <a:buSzPts val="1800"/>
               <a:buChar char="●"/>
               <a:defRPr sz="1800">
                 <a:solidFill>
@@ -14759,6 +14938,7 @@
               <a:buClr>
                 <a:schemeClr val="dk2"/>
               </a:buClr>
+              <a:buSzPts val="1400"/>
               <a:buChar char="○"/>
               <a:defRPr>
                 <a:solidFill>
@@ -14779,6 +14959,7 @@
               <a:buClr>
                 <a:schemeClr val="dk2"/>
               </a:buClr>
+              <a:buSzPts val="1400"/>
               <a:buChar char="■"/>
               <a:defRPr>
                 <a:solidFill>
@@ -14799,6 +14980,7 @@
               <a:buClr>
                 <a:schemeClr val="dk2"/>
               </a:buClr>
+              <a:buSzPts val="1400"/>
               <a:buChar char="●"/>
               <a:defRPr>
                 <a:solidFill>
@@ -14819,6 +15001,7 @@
               <a:buClr>
                 <a:schemeClr val="dk2"/>
               </a:buClr>
+              <a:buSzPts val="1400"/>
               <a:buChar char="○"/>
               <a:defRPr>
                 <a:solidFill>
@@ -14839,6 +15022,7 @@
               <a:buClr>
                 <a:schemeClr val="dk2"/>
               </a:buClr>
+              <a:buSzPts val="1400"/>
               <a:buChar char="■"/>
               <a:defRPr>
                 <a:solidFill>
@@ -14859,6 +15043,7 @@
               <a:buClr>
                 <a:schemeClr val="dk2"/>
               </a:buClr>
+              <a:buSzPts val="1400"/>
               <a:buChar char="●"/>
               <a:defRPr>
                 <a:solidFill>
@@ -14879,6 +15064,7 @@
               <a:buClr>
                 <a:schemeClr val="dk2"/>
               </a:buClr>
+              <a:buSzPts val="1400"/>
               <a:buChar char="○"/>
               <a:defRPr>
                 <a:solidFill>
@@ -14899,6 +15085,7 @@
               <a:buClr>
                 <a:schemeClr val="dk2"/>
               </a:buClr>
+              <a:buSzPts val="1400"/>
               <a:buChar char="■"/>
               <a:defRPr>
                 <a:solidFill>
@@ -14937,7 +15124,7 @@
           </a:bodyPr>
           <a:lstStyle/>
           <a:p>
-            <a:pPr lvl="0" algn="r">
+            <a:pPr indent="0" lvl="0" marL="0" algn="r">
               <a:spcBef>
                 <a:spcPts val="0"/>
               </a:spcBef>
@@ -15469,7 +15656,7 @@
               <a:spcAft>
                 <a:spcPts val="0"/>
               </a:spcAft>
-              <a:buSzPct val="31818"/>
+              <a:buSzPts val="1400"/>
               <a:buNone/>
               <a:defRPr b="0" i="0" sz="4400" u="none" cap="none" strike="noStrike">
                 <a:solidFill>
@@ -15488,7 +15675,7 @@
               <a:spcAft>
                 <a:spcPts val="0"/>
               </a:spcAft>
-              <a:buSzPct val="31818"/>
+              <a:buSzPts val="1400"/>
               <a:buNone/>
               <a:defRPr b="0" i="0" sz="4400" u="none" cap="none" strike="noStrike">
                 <a:solidFill>
@@ -15507,7 +15694,7 @@
               <a:spcAft>
                 <a:spcPts val="0"/>
               </a:spcAft>
-              <a:buSzPct val="31818"/>
+              <a:buSzPts val="1400"/>
               <a:buNone/>
               <a:defRPr b="0" i="0" sz="4400" u="none" cap="none" strike="noStrike">
                 <a:solidFill>
@@ -15526,7 +15713,7 @@
               <a:spcAft>
                 <a:spcPts val="0"/>
               </a:spcAft>
-              <a:buSzPct val="31818"/>
+              <a:buSzPts val="1400"/>
               <a:buNone/>
               <a:defRPr b="0" i="0" sz="4400" u="none" cap="none" strike="noStrike">
                 <a:solidFill>
@@ -15545,7 +15732,7 @@
               <a:spcAft>
                 <a:spcPts val="0"/>
               </a:spcAft>
-              <a:buSzPct val="31818"/>
+              <a:buSzPts val="1400"/>
               <a:buNone/>
               <a:defRPr b="0" i="0" sz="4400" u="none" cap="none" strike="noStrike">
                 <a:solidFill>
@@ -15564,7 +15751,7 @@
               <a:spcAft>
                 <a:spcPts val="0"/>
               </a:spcAft>
-              <a:buSzPct val="31818"/>
+              <a:buSzPts val="1400"/>
               <a:buNone/>
               <a:defRPr b="0" i="0" sz="4400" u="none" cap="none" strike="noStrike">
                 <a:solidFill>
@@ -15583,7 +15770,7 @@
               <a:spcAft>
                 <a:spcPts val="0"/>
               </a:spcAft>
-              <a:buSzPct val="31818"/>
+              <a:buSzPts val="1400"/>
               <a:buNone/>
               <a:defRPr b="0" i="0" sz="4400" u="none" cap="none" strike="noStrike">
                 <a:solidFill>
@@ -15602,7 +15789,7 @@
               <a:spcAft>
                 <a:spcPts val="0"/>
               </a:spcAft>
-              <a:buSzPct val="31818"/>
+              <a:buSzPts val="1400"/>
               <a:buNone/>
               <a:defRPr b="0" i="0" sz="4400" u="none" cap="none" strike="noStrike">
                 <a:solidFill>
@@ -15621,7 +15808,7 @@
               <a:spcAft>
                 <a:spcPts val="0"/>
               </a:spcAft>
-              <a:buSzPct val="31818"/>
+              <a:buSzPts val="1400"/>
               <a:buNone/>
               <a:defRPr b="0" i="0" sz="4400" u="none" cap="none" strike="noStrike">
                 <a:solidFill>
@@ -15671,7 +15858,7 @@
               <a:buClr>
                 <a:schemeClr val="dk1"/>
               </a:buClr>
-              <a:buSzPct val="100000"/>
+              <a:buSzPts val="3200"/>
               <a:buFont typeface="Arial"/>
               <a:buChar char="•"/>
               <a:defRPr b="0" i="0" sz="3200" u="none" cap="none" strike="noStrike">
@@ -15694,7 +15881,7 @@
               <a:buClr>
                 <a:schemeClr val="dk1"/>
               </a:buClr>
-              <a:buSzPct val="100000"/>
+              <a:buSzPts val="2800"/>
               <a:buFont typeface="Arial"/>
               <a:buChar char="–"/>
               <a:defRPr b="0" i="0" sz="2800" u="none" cap="none" strike="noStrike">
@@ -15717,7 +15904,7 @@
               <a:buClr>
                 <a:schemeClr val="dk1"/>
               </a:buClr>
-              <a:buSzPct val="100000"/>
+              <a:buSzPts val="2400"/>
               <a:buFont typeface="Arial"/>
               <a:buChar char="•"/>
               <a:defRPr b="0" i="0" sz="2400" u="none" cap="none" strike="noStrike">
@@ -15740,7 +15927,7 @@
               <a:buClr>
                 <a:schemeClr val="dk1"/>
               </a:buClr>
-              <a:buSzPct val="100000"/>
+              <a:buSzPts val="2000"/>
               <a:buFont typeface="Arial"/>
               <a:buChar char="–"/>
               <a:defRPr b="0" i="0" sz="2000" u="none" cap="none" strike="noStrike">
@@ -15763,7 +15950,7 @@
               <a:buClr>
                 <a:schemeClr val="dk1"/>
               </a:buClr>
-              <a:buSzPct val="100000"/>
+              <a:buSzPts val="2000"/>
               <a:buFont typeface="Arial"/>
               <a:buChar char="»"/>
               <a:defRPr b="0" i="0" sz="2000" u="none" cap="none" strike="noStrike">
@@ -15783,7 +15970,7 @@
               <a:buClr>
                 <a:schemeClr val="dk1"/>
               </a:buClr>
-              <a:buSzPct val="100000"/>
+              <a:buSzPts val="2000"/>
               <a:buFont typeface="Arial"/>
               <a:buChar char="•"/>
               <a:defRPr b="0" i="0" sz="2000" u="none" cap="none" strike="noStrike">
@@ -15803,7 +15990,7 @@
               <a:buClr>
                 <a:schemeClr val="dk1"/>
               </a:buClr>
-              <a:buSzPct val="100000"/>
+              <a:buSzPts val="2000"/>
               <a:buFont typeface="Arial"/>
               <a:buChar char="•"/>
               <a:defRPr b="0" i="0" sz="2000" u="none" cap="none" strike="noStrike">
@@ -15823,7 +16010,7 @@
               <a:buClr>
                 <a:schemeClr val="dk1"/>
               </a:buClr>
-              <a:buSzPct val="100000"/>
+              <a:buSzPts val="2000"/>
               <a:buFont typeface="Arial"/>
               <a:buChar char="•"/>
               <a:defRPr b="0" i="0" sz="2000" u="none" cap="none" strike="noStrike">
@@ -15843,7 +16030,7 @@
               <a:buClr>
                 <a:schemeClr val="dk1"/>
               </a:buClr>
-              <a:buSzPct val="100000"/>
+              <a:buSzPts val="2000"/>
               <a:buFont typeface="Arial"/>
               <a:buChar char="•"/>
               <a:defRPr b="0" i="0" sz="2000" u="none" cap="none" strike="noStrike">
@@ -15894,7 +16081,7 @@
               <a:spcAft>
                 <a:spcPts val="0"/>
               </a:spcAft>
-              <a:buSzPct val="116666"/>
+              <a:buSzPts val="1400"/>
               <a:buNone/>
               <a:defRPr b="0" i="0" sz="1200" u="none" cap="none" strike="noStrike">
                 <a:solidFill>
@@ -15916,7 +16103,7 @@
               <a:spcAft>
                 <a:spcPts val="0"/>
               </a:spcAft>
-              <a:buSzPct val="77777"/>
+              <a:buSzPts val="1400"/>
               <a:buNone/>
               <a:defRPr b="0" i="0" sz="1800" u="none" cap="none" strike="noStrike">
                 <a:solidFill>
@@ -15938,7 +16125,7 @@
               <a:spcAft>
                 <a:spcPts val="0"/>
               </a:spcAft>
-              <a:buSzPct val="77777"/>
+              <a:buSzPts val="1400"/>
               <a:buNone/>
               <a:defRPr b="0" i="0" sz="1800" u="none" cap="none" strike="noStrike">
                 <a:solidFill>
@@ -15960,7 +16147,7 @@
               <a:spcAft>
                 <a:spcPts val="0"/>
               </a:spcAft>
-              <a:buSzPct val="77777"/>
+              <a:buSzPts val="1400"/>
               <a:buNone/>
               <a:defRPr b="0" i="0" sz="1800" u="none" cap="none" strike="noStrike">
                 <a:solidFill>
@@ -15982,7 +16169,7 @@
               <a:spcAft>
                 <a:spcPts val="0"/>
               </a:spcAft>
-              <a:buSzPct val="77777"/>
+              <a:buSzPts val="1400"/>
               <a:buNone/>
               <a:defRPr b="0" i="0" sz="1800" u="none" cap="none" strike="noStrike">
                 <a:solidFill>
@@ -16004,7 +16191,7 @@
               <a:spcAft>
                 <a:spcPts val="0"/>
               </a:spcAft>
-              <a:buSzPct val="77777"/>
+              <a:buSzPts val="1400"/>
               <a:buNone/>
               <a:defRPr b="0" i="0" sz="1800" u="none" cap="none" strike="noStrike">
                 <a:solidFill>
@@ -16026,7 +16213,7 @@
               <a:spcAft>
                 <a:spcPts val="0"/>
               </a:spcAft>
-              <a:buSzPct val="77777"/>
+              <a:buSzPts val="1400"/>
               <a:buNone/>
               <a:defRPr b="0" i="0" sz="1800" u="none" cap="none" strike="noStrike">
                 <a:solidFill>
@@ -16048,7 +16235,7 @@
               <a:spcAft>
                 <a:spcPts val="0"/>
               </a:spcAft>
-              <a:buSzPct val="77777"/>
+              <a:buSzPts val="1400"/>
               <a:buNone/>
               <a:defRPr b="0" i="0" sz="1800" u="none" cap="none" strike="noStrike">
                 <a:solidFill>
@@ -16070,7 +16257,7 @@
               <a:spcAft>
                 <a:spcPts val="0"/>
               </a:spcAft>
-              <a:buSzPct val="77777"/>
+              <a:buSzPts val="1400"/>
               <a:buNone/>
               <a:defRPr b="0" i="0" sz="1800" u="none" cap="none" strike="noStrike">
                 <a:solidFill>
@@ -16120,7 +16307,7 @@
               <a:spcAft>
                 <a:spcPts val="0"/>
               </a:spcAft>
-              <a:buSzPct val="77777"/>
+              <a:buSzPts val="1400"/>
               <a:buNone/>
               <a:defRPr b="0" i="0" sz="1800" u="none" cap="none" strike="noStrike">
                 <a:solidFill>
@@ -16142,7 +16329,7 @@
               <a:spcAft>
                 <a:spcPts val="0"/>
               </a:spcAft>
-              <a:buSzPct val="77777"/>
+              <a:buSzPts val="1400"/>
               <a:buNone/>
               <a:defRPr b="0" i="0" sz="1800" u="none" cap="none" strike="noStrike">
                 <a:solidFill>
@@ -16164,7 +16351,7 @@
               <a:spcAft>
                 <a:spcPts val="0"/>
               </a:spcAft>
-              <a:buSzPct val="77777"/>
+              <a:buSzPts val="1400"/>
               <a:buNone/>
               <a:defRPr b="0" i="0" sz="1800" u="none" cap="none" strike="noStrike">
                 <a:solidFill>
@@ -16186,7 +16373,7 @@
               <a:spcAft>
                 <a:spcPts val="0"/>
               </a:spcAft>
-              <a:buSzPct val="77777"/>
+              <a:buSzPts val="1400"/>
               <a:buNone/>
               <a:defRPr b="0" i="0" sz="1800" u="none" cap="none" strike="noStrike">
                 <a:solidFill>
@@ -16208,7 +16395,7 @@
               <a:spcAft>
                 <a:spcPts val="0"/>
               </a:spcAft>
-              <a:buSzPct val="77777"/>
+              <a:buSzPts val="1400"/>
               <a:buNone/>
               <a:defRPr b="0" i="0" sz="1800" u="none" cap="none" strike="noStrike">
                 <a:solidFill>
@@ -16230,7 +16417,7 @@
               <a:spcAft>
                 <a:spcPts val="0"/>
               </a:spcAft>
-              <a:buSzPct val="77777"/>
+              <a:buSzPts val="1400"/>
               <a:buNone/>
               <a:defRPr b="0" i="0" sz="1800" u="none" cap="none" strike="noStrike">
                 <a:solidFill>
@@ -16252,7 +16439,7 @@
               <a:spcAft>
                 <a:spcPts val="0"/>
               </a:spcAft>
-              <a:buSzPct val="77777"/>
+              <a:buSzPts val="1400"/>
               <a:buNone/>
               <a:defRPr b="0" i="0" sz="1800" u="none" cap="none" strike="noStrike">
                 <a:solidFill>
@@ -16274,7 +16461,7 @@
               <a:spcAft>
                 <a:spcPts val="0"/>
               </a:spcAft>
-              <a:buSzPct val="77777"/>
+              <a:buSzPts val="1400"/>
               <a:buNone/>
               <a:defRPr b="0" i="0" sz="1800" u="none" cap="none" strike="noStrike">
                 <a:solidFill>
@@ -16296,7 +16483,7 @@
               <a:spcAft>
                 <a:spcPts val="0"/>
               </a:spcAft>
-              <a:buSzPct val="77777"/>
+              <a:buSzPts val="1400"/>
               <a:buNone/>
               <a:defRPr b="0" i="0" sz="1800" u="none" cap="none" strike="noStrike">
                 <a:solidFill>
@@ -16352,7 +16539,6 @@
               <a:buClr>
                 <a:srgbClr val="898989"/>
               </a:buClr>
-              <a:buSzPct val="25000"/>
               <a:buFont typeface="Calibri"/>
               <a:buNone/>
             </a:pPr>
@@ -16896,7 +17082,6 @@
               <a:spcAft>
                 <a:spcPts val="0"/>
               </a:spcAft>
-              <a:buSzPct val="25000"/>
               <a:buNone/>
             </a:pPr>
             <a:r>
@@ -16979,7 +17164,6 @@
               <a:buClr>
                 <a:srgbClr val="17375E"/>
               </a:buClr>
-              <a:buSzPct val="25000"/>
               <a:buFont typeface="Times New Roman"/>
               <a:buNone/>
             </a:pPr>
@@ -17038,7 +17222,6 @@
               <a:buClr>
                 <a:schemeClr val="dk1"/>
               </a:buClr>
-              <a:buSzPct val="25000"/>
               <a:buFont typeface="Arial"/>
               <a:buNone/>
             </a:pPr>
@@ -17061,7 +17244,6 @@
               <a:buClr>
                 <a:schemeClr val="dk1"/>
               </a:buClr>
-              <a:buSzPct val="25000"/>
               <a:buFont typeface="Arial"/>
               <a:buNone/>
             </a:pPr>
@@ -17092,7 +17274,6 @@
               <a:buClr>
                 <a:schemeClr val="dk1"/>
               </a:buClr>
-              <a:buSzPct val="25000"/>
               <a:buFont typeface="Arial"/>
               <a:buNone/>
             </a:pPr>
@@ -17120,7 +17301,6 @@
               <a:buClr>
                 <a:schemeClr val="dk1"/>
               </a:buClr>
-              <a:buSzPct val="25000"/>
               <a:buFont typeface="Arial"/>
               <a:buNone/>
             </a:pPr>
@@ -17160,7 +17340,6 @@
               <a:buClr>
                 <a:schemeClr val="dk1"/>
               </a:buClr>
-              <a:buSzPct val="25000"/>
               <a:buFont typeface="Arial"/>
               <a:buNone/>
             </a:pPr>
@@ -17200,7 +17379,6 @@
               <a:buClr>
                 <a:schemeClr val="dk1"/>
               </a:buClr>
-              <a:buSzPct val="25000"/>
               <a:buFont typeface="Arial"/>
               <a:buNone/>
             </a:pPr>
@@ -17240,7 +17418,6 @@
               <a:buClr>
                 <a:schemeClr val="dk1"/>
               </a:buClr>
-              <a:buSzPct val="25000"/>
               <a:buFont typeface="Arial"/>
               <a:buNone/>
             </a:pPr>
@@ -17271,7 +17448,6 @@
               <a:buClr>
                 <a:schemeClr val="dk1"/>
               </a:buClr>
-              <a:buSzPct val="25000"/>
               <a:buFont typeface="Arial"/>
               <a:buNone/>
             </a:pPr>
@@ -17302,7 +17478,6 @@
               <a:buClr>
                 <a:schemeClr val="dk1"/>
               </a:buClr>
-              <a:buSzPct val="25000"/>
               <a:buFont typeface="Arial"/>
               <a:buNone/>
             </a:pPr>
@@ -17373,7 +17548,6 @@
               <a:buClr>
                 <a:schemeClr val="dk1"/>
               </a:buClr>
-              <a:buSzPct val="25000"/>
               <a:buFont typeface="Times New Roman"/>
               <a:buNone/>
             </a:pPr>
@@ -17487,7 +17661,6 @@
               <a:spcAft>
                 <a:spcPts val="0"/>
               </a:spcAft>
-              <a:buSzPct val="25000"/>
               <a:buNone/>
             </a:pPr>
             <a:r>
@@ -17578,7 +17751,6 @@
               <a:spcAft>
                 <a:spcPts val="0"/>
               </a:spcAft>
-              <a:buSzPct val="25000"/>
               <a:buNone/>
             </a:pPr>
             <a:r>
@@ -17661,7 +17833,6 @@
               <a:buClr>
                 <a:srgbClr val="17375E"/>
               </a:buClr>
-              <a:buSzPct val="25000"/>
               <a:buFont typeface="Times New Roman"/>
               <a:buNone/>
             </a:pPr>
@@ -17707,14 +17878,13 @@
           </a:bodyPr>
           <a:lstStyle/>
           <a:p>
-            <a:pPr lvl="0" rtl="0">
+            <a:pPr indent="0" lvl="0" marL="0" rtl="0">
               <a:spcBef>
                 <a:spcPts val="0"/>
               </a:spcBef>
               <a:buClr>
                 <a:schemeClr val="dk1"/>
               </a:buClr>
-              <a:buSzPct val="25000"/>
               <a:buFont typeface="Times New Roman"/>
               <a:buNone/>
             </a:pPr>
@@ -17770,7 +17940,7 @@
               <a:buClr>
                 <a:schemeClr val="dk1"/>
               </a:buClr>
-              <a:buSzPct val="100000"/>
+              <a:buSzPts val="3200"/>
               <a:buFont typeface="Arial"/>
               <a:buChar char="•"/>
             </a:pPr>
@@ -17798,7 +17968,7 @@
               <a:buClr>
                 <a:schemeClr val="dk1"/>
               </a:buClr>
-              <a:buSzPct val="100000"/>
+              <a:buSzPts val="3200"/>
               <a:buFont typeface="Arial"/>
               <a:buChar char="•"/>
             </a:pPr>
@@ -17904,7 +18074,6 @@
               <a:buClr>
                 <a:srgbClr val="17375E"/>
               </a:buClr>
-              <a:buSzPct val="25000"/>
               <a:buFont typeface="Times New Roman"/>
               <a:buNone/>
             </a:pPr>
@@ -17950,14 +18119,13 @@
           </a:bodyPr>
           <a:lstStyle/>
           <a:p>
-            <a:pPr lvl="0" rtl="0">
+            <a:pPr indent="0" lvl="0" marL="0" rtl="0">
               <a:spcBef>
                 <a:spcPts val="0"/>
               </a:spcBef>
               <a:buClr>
                 <a:schemeClr val="dk1"/>
               </a:buClr>
-              <a:buSzPct val="25000"/>
               <a:buFont typeface="Times New Roman"/>
               <a:buNone/>
             </a:pPr>
@@ -18013,7 +18181,6 @@
               <a:buClr>
                 <a:schemeClr val="dk1"/>
               </a:buClr>
-              <a:buSzPct val="25000"/>
               <a:buFont typeface="Arial"/>
               <a:buNone/>
             </a:pPr>
@@ -18053,7 +18220,6 @@
               <a:buClr>
                 <a:schemeClr val="dk1"/>
               </a:buClr>
-              <a:buSzPct val="25000"/>
               <a:buFont typeface="Arial"/>
               <a:buNone/>
             </a:pPr>
@@ -18093,7 +18259,6 @@
               <a:buClr>
                 <a:schemeClr val="dk1"/>
               </a:buClr>
-              <a:buSzPct val="25000"/>
               <a:buFont typeface="Arial"/>
               <a:buNone/>
             </a:pPr>
@@ -18130,7 +18295,7 @@
               <a:buClr>
                 <a:schemeClr val="dk1"/>
               </a:buClr>
-              <a:buSzPct val="100000"/>
+              <a:buSzPts val="2800"/>
               <a:buFont typeface="Arial"/>
               <a:buNone/>
             </a:pPr>
@@ -18197,7 +18362,6 @@
               <a:spcAft>
                 <a:spcPts val="0"/>
               </a:spcAft>
-              <a:buSzPct val="25000"/>
               <a:buNone/>
             </a:pPr>
             <a:r>
@@ -18305,7 +18469,6 @@
               <a:buClr>
                 <a:srgbClr val="17375E"/>
               </a:buClr>
-              <a:buSzPct val="25000"/>
               <a:buFont typeface="Times New Roman"/>
               <a:buNone/>
             </a:pPr>
@@ -18351,14 +18514,13 @@
           </a:bodyPr>
           <a:lstStyle/>
           <a:p>
-            <a:pPr lvl="0" rtl="0">
+            <a:pPr indent="0" lvl="0" marL="0" rtl="0">
               <a:spcBef>
                 <a:spcPts val="0"/>
               </a:spcBef>
               <a:buClr>
                 <a:schemeClr val="dk1"/>
               </a:buClr>
-              <a:buSzPct val="25000"/>
               <a:buFont typeface="Times New Roman"/>
               <a:buNone/>
             </a:pPr>
@@ -18422,7 +18584,6 @@
               <a:spcAft>
                 <a:spcPts val="0"/>
               </a:spcAft>
-              <a:buSzPct val="25000"/>
               <a:buNone/>
             </a:pPr>
             <a:r>
@@ -18475,7 +18636,7 @@
           </a:bodyPr>
           <a:lstStyle/>
           <a:p>
-            <a:pPr lvl="0" algn="ctr">
+            <a:pPr indent="0" lvl="0" marL="0" algn="ctr">
               <a:spcBef>
                 <a:spcPts val="0"/>
               </a:spcBef>
@@ -18527,7 +18688,7 @@
           </a:bodyPr>
           <a:lstStyle/>
           <a:p>
-            <a:pPr lvl="0" rtl="0" algn="ctr">
+            <a:pPr indent="0" lvl="0" marL="0" rtl="0" algn="ctr">
               <a:spcBef>
                 <a:spcPts val="0"/>
               </a:spcBef>
@@ -18579,7 +18740,7 @@
           </a:bodyPr>
           <a:lstStyle/>
           <a:p>
-            <a:pPr lvl="0" rtl="0" algn="ctr">
+            <a:pPr indent="0" lvl="0" marL="0" rtl="0" algn="ctr">
               <a:spcBef>
                 <a:spcPts val="0"/>
               </a:spcBef>
@@ -18631,7 +18792,7 @@
           </a:bodyPr>
           <a:lstStyle/>
           <a:p>
-            <a:pPr lvl="0" rtl="0" algn="ctr">
+            <a:pPr indent="0" lvl="0" marL="0" rtl="0" algn="ctr">
               <a:spcBef>
                 <a:spcPts val="0"/>
               </a:spcBef>
@@ -18825,7 +18986,6 @@
               <a:buClr>
                 <a:srgbClr val="17375E"/>
               </a:buClr>
-              <a:buSzPct val="25000"/>
               <a:buFont typeface="Times New Roman"/>
               <a:buNone/>
             </a:pPr>
@@ -18871,14 +19031,13 @@
           </a:bodyPr>
           <a:lstStyle/>
           <a:p>
-            <a:pPr lvl="0" rtl="0">
+            <a:pPr indent="0" lvl="0" marL="0" rtl="0">
               <a:spcBef>
                 <a:spcPts val="0"/>
               </a:spcBef>
               <a:buClr>
                 <a:schemeClr val="dk1"/>
               </a:buClr>
-              <a:buSzPct val="25000"/>
               <a:buFont typeface="Times New Roman"/>
               <a:buNone/>
             </a:pPr>
@@ -18934,7 +19093,6 @@
               <a:buClr>
                 <a:schemeClr val="dk1"/>
               </a:buClr>
-              <a:buSzPct val="25000"/>
               <a:buFont typeface="Arial"/>
               <a:buNone/>
             </a:pPr>
@@ -18974,7 +19132,6 @@
               <a:buClr>
                 <a:schemeClr val="dk1"/>
               </a:buClr>
-              <a:buSzPct val="25000"/>
               <a:buFont typeface="Arial"/>
               <a:buNone/>
             </a:pPr>
@@ -19014,7 +19171,6 @@
               <a:buClr>
                 <a:schemeClr val="dk1"/>
               </a:buClr>
-              <a:buSzPct val="25000"/>
               <a:buFont typeface="Arial"/>
               <a:buNone/>
             </a:pPr>
@@ -19051,7 +19207,7 @@
               <a:buClr>
                 <a:schemeClr val="dk1"/>
               </a:buClr>
-              <a:buSzPct val="100000"/>
+              <a:buSzPts val="2800"/>
               <a:buFont typeface="Arial"/>
               <a:buNone/>
             </a:pPr>
@@ -19118,7 +19274,6 @@
               <a:spcAft>
                 <a:spcPts val="0"/>
               </a:spcAft>
-              <a:buSzPct val="25000"/>
               <a:buNone/>
             </a:pPr>
             <a:r>
@@ -19226,7 +19381,6 @@
               <a:buClr>
                 <a:srgbClr val="17375E"/>
               </a:buClr>
-              <a:buSzPct val="25000"/>
               <a:buFont typeface="Times New Roman"/>
               <a:buNone/>
             </a:pPr>
@@ -19272,14 +19426,13 @@
           </a:bodyPr>
           <a:lstStyle/>
           <a:p>
-            <a:pPr lvl="0" rtl="0">
+            <a:pPr indent="0" lvl="0" marL="0" rtl="0">
               <a:spcBef>
                 <a:spcPts val="0"/>
               </a:spcBef>
               <a:buClr>
                 <a:schemeClr val="dk1"/>
               </a:buClr>
-              <a:buSzPct val="25000"/>
               <a:buFont typeface="Times New Roman"/>
               <a:buNone/>
             </a:pPr>
@@ -19335,7 +19488,6 @@
               <a:buClr>
                 <a:schemeClr val="dk1"/>
               </a:buClr>
-              <a:buSzPct val="25000"/>
               <a:buFont typeface="Arial"/>
               <a:buNone/>
             </a:pPr>
@@ -19375,7 +19527,6 @@
               <a:buClr>
                 <a:schemeClr val="dk1"/>
               </a:buClr>
-              <a:buSzPct val="25000"/>
               <a:buFont typeface="Arial"/>
               <a:buNone/>
             </a:pPr>
@@ -19415,7 +19566,6 @@
               <a:buClr>
                 <a:schemeClr val="dk1"/>
               </a:buClr>
-              <a:buSzPct val="25000"/>
               <a:buFont typeface="Arial"/>
               <a:buNone/>
             </a:pPr>
@@ -19452,7 +19602,7 @@
               <a:buClr>
                 <a:schemeClr val="dk1"/>
               </a:buClr>
-              <a:buSzPct val="100000"/>
+              <a:buSzPts val="2800"/>
               <a:buFont typeface="Arial"/>
               <a:buNone/>
             </a:pPr>
@@ -19519,7 +19669,6 @@
               <a:spcAft>
                 <a:spcPts val="0"/>
               </a:spcAft>
-              <a:buSzPct val="25000"/>
               <a:buNone/>
             </a:pPr>
             <a:r>
@@ -19546,9 +19695,9 @@
 </file>
 
 <file path=ppt/theme/theme1.xml><?xml version="1.0" encoding="utf-8"?>
-<a:theme xmlns:a="http://schemas.openxmlformats.org/drawingml/2006/main" xmlns:r="http://schemas.openxmlformats.org/officeDocument/2006/relationships" name="Office Theme">
+<a:theme xmlns:a="http://schemas.openxmlformats.org/drawingml/2006/main" xmlns:r="http://schemas.openxmlformats.org/officeDocument/2006/relationships" name="Simple Light">
   <a:themeElements>
-    <a:clrScheme name="Office">
+    <a:clrScheme name="Simple Light">
       <a:dk1>
         <a:srgbClr val="000000"/>
       </a:dk1>
@@ -19556,34 +19705,34 @@
         <a:srgbClr val="FFFFFF"/>
       </a:lt1>
       <a:dk2>
-        <a:srgbClr val="1F497D"/>
+        <a:srgbClr val="595959"/>
       </a:dk2>
       <a:lt2>
-        <a:srgbClr val="EEECE1"/>
+        <a:srgbClr val="EEEEEE"/>
       </a:lt2>
       <a:accent1>
-        <a:srgbClr val="4F81BD"/>
+        <a:srgbClr val="FFAB40"/>
       </a:accent1>
       <a:accent2>
-        <a:srgbClr val="C0504D"/>
+        <a:srgbClr val="212121"/>
       </a:accent2>
       <a:accent3>
-        <a:srgbClr val="9BBB59"/>
+        <a:srgbClr val="78909C"/>
       </a:accent3>
       <a:accent4>
-        <a:srgbClr val="8064A2"/>
+        <a:srgbClr val="FFAB40"/>
       </a:accent4>
       <a:accent5>
-        <a:srgbClr val="4BACC6"/>
+        <a:srgbClr val="0097A7"/>
       </a:accent5>
       <a:accent6>
-        <a:srgbClr val="F79646"/>
+        <a:srgbClr val="EEFF41"/>
       </a:accent6>
       <a:hlink>
-        <a:srgbClr val="0000FF"/>
+        <a:srgbClr val="0097A7"/>
       </a:hlink>
       <a:folHlink>
-        <a:srgbClr val="800080"/>
+        <a:srgbClr val="0097A7"/>
       </a:folHlink>
     </a:clrScheme>
     <a:fontScheme name="Office">
@@ -19825,9 +19974,9 @@
 </file>
 
 <file path=ppt/theme/theme2.xml><?xml version="1.0" encoding="utf-8"?>
-<a:theme xmlns:a="http://schemas.openxmlformats.org/drawingml/2006/main" xmlns:r="http://schemas.openxmlformats.org/officeDocument/2006/relationships" name="Simple Light">
+<a:theme xmlns:a="http://schemas.openxmlformats.org/drawingml/2006/main" xmlns:r="http://schemas.openxmlformats.org/officeDocument/2006/relationships" name="Office Theme">
   <a:themeElements>
-    <a:clrScheme name="Simple Light">
+    <a:clrScheme name="Office">
       <a:dk1>
         <a:srgbClr val="000000"/>
       </a:dk1>
@@ -19835,34 +19984,34 @@
         <a:srgbClr val="FFFFFF"/>
       </a:lt1>
       <a:dk2>
-        <a:srgbClr val="595959"/>
+        <a:srgbClr val="1F497D"/>
       </a:dk2>
       <a:lt2>
-        <a:srgbClr val="EEEEEE"/>
+        <a:srgbClr val="EEECE1"/>
       </a:lt2>
       <a:accent1>
-        <a:srgbClr val="FFAB40"/>
+        <a:srgbClr val="4F81BD"/>
       </a:accent1>
       <a:accent2>
-        <a:srgbClr val="212121"/>
+        <a:srgbClr val="C0504D"/>
       </a:accent2>
       <a:accent3>
-        <a:srgbClr val="78909C"/>
+        <a:srgbClr val="9BBB59"/>
       </a:accent3>
       <a:accent4>
-        <a:srgbClr val="FFAB40"/>
+        <a:srgbClr val="8064A2"/>
       </a:accent4>
       <a:accent5>
-        <a:srgbClr val="0097A7"/>
+        <a:srgbClr val="4BACC6"/>
       </a:accent5>
       <a:accent6>
-        <a:srgbClr val="EEFF41"/>
+        <a:srgbClr val="F79646"/>
       </a:accent6>
       <a:hlink>
-        <a:srgbClr val="0097A7"/>
+        <a:srgbClr val="0000FF"/>
       </a:hlink>
       <a:folHlink>
-        <a:srgbClr val="0097A7"/>
+        <a:srgbClr val="800080"/>
       </a:folHlink>
     </a:clrScheme>
     <a:fontScheme name="Office">
